--- a/slides/groovy-dsl.pptx
+++ b/slides/groovy-dsl.pptx
@@ -310,7 +310,7 @@
             </a:pathLst>
           </a:custGeom>
           <a:noFill/>
-          <a:ln cap="flat" w="9525">
+          <a:ln cap="flat" cmpd="sng" w="9525">
             <a:solidFill>
               <a:srgbClr val="000000"/>
             </a:solidFill>
@@ -459,7 +459,7 @@
             </a:pathLst>
           </a:custGeom>
           <a:noFill/>
-          <a:ln cap="flat" w="9525">
+          <a:ln cap="flat" cmpd="sng" w="9525">
             <a:solidFill>
               <a:srgbClr val="000000"/>
             </a:solidFill>
@@ -564,7 +564,7 @@
             </a:pathLst>
           </a:custGeom>
           <a:noFill/>
-          <a:ln cap="flat" w="9525">
+          <a:ln cap="flat" cmpd="sng" w="9525">
             <a:solidFill>
               <a:srgbClr val="000000"/>
             </a:solidFill>
@@ -669,7 +669,7 @@
             </a:pathLst>
           </a:custGeom>
           <a:noFill/>
-          <a:ln cap="flat" w="9525">
+          <a:ln cap="flat" cmpd="sng" w="9525">
             <a:solidFill>
               <a:srgbClr val="000000"/>
             </a:solidFill>
@@ -774,7 +774,7 @@
             </a:pathLst>
           </a:custGeom>
           <a:noFill/>
-          <a:ln cap="flat" w="9525">
+          <a:ln cap="flat" cmpd="sng" w="9525">
             <a:solidFill>
               <a:srgbClr val="000000"/>
             </a:solidFill>
@@ -879,7 +879,7 @@
             </a:pathLst>
           </a:custGeom>
           <a:noFill/>
-          <a:ln cap="flat" w="9525">
+          <a:ln cap="flat" cmpd="sng" w="9525">
             <a:solidFill>
               <a:srgbClr val="000000"/>
             </a:solidFill>
@@ -984,7 +984,7 @@
             </a:pathLst>
           </a:custGeom>
           <a:noFill/>
-          <a:ln cap="flat" w="9525">
+          <a:ln cap="flat" cmpd="sng" w="9525">
             <a:solidFill>
               <a:srgbClr val="000000"/>
             </a:solidFill>
@@ -1089,7 +1089,7 @@
             </a:pathLst>
           </a:custGeom>
           <a:noFill/>
-          <a:ln cap="flat" w="9525">
+          <a:ln cap="flat" cmpd="sng" w="9525">
             <a:solidFill>
               <a:srgbClr val="000000"/>
             </a:solidFill>
@@ -1194,7 +1194,7 @@
             </a:pathLst>
           </a:custGeom>
           <a:noFill/>
-          <a:ln cap="flat" w="9525">
+          <a:ln cap="flat" cmpd="sng" w="9525">
             <a:solidFill>
               <a:srgbClr val="000000"/>
             </a:solidFill>
@@ -1254,7 +1254,7 @@
   <p:cSld>
     <p:spTree>
       <p:nvGrpSpPr>
-        <p:cNvPr id="225" name="Shape 225"/>
+        <p:cNvPr id="223" name="Shape 223"/>
         <p:cNvGrpSpPr/>
         <p:nvPr/>
       </p:nvGrpSpPr>
@@ -1268,7 +1268,7 @@
       </p:grpSpPr>
       <p:sp>
         <p:nvSpPr>
-          <p:cNvPr id="226" name="Shape 226"/>
+          <p:cNvPr id="224" name="Shape 224"/>
           <p:cNvSpPr/>
           <p:nvPr>
             <p:ph idx="2" type="sldImg"/>
@@ -1299,7 +1299,7 @@
             </a:pathLst>
           </a:custGeom>
           <a:noFill/>
-          <a:ln cap="flat" w="9525">
+          <a:ln cap="flat" cmpd="sng" w="9525">
             <a:solidFill>
               <a:srgbClr val="000000"/>
             </a:solidFill>
@@ -1312,7 +1312,7 @@
       </p:sp>
       <p:sp>
         <p:nvSpPr>
-          <p:cNvPr id="227" name="Shape 227"/>
+          <p:cNvPr id="225" name="Shape 225"/>
           <p:cNvSpPr txBox="1"/>
           <p:nvPr>
             <p:ph idx="1" type="body"/>
@@ -1359,7 +1359,7 @@
   <p:cSld>
     <p:spTree>
       <p:nvGrpSpPr>
-        <p:cNvPr id="231" name="Shape 231"/>
+        <p:cNvPr id="229" name="Shape 229"/>
         <p:cNvGrpSpPr/>
         <p:nvPr/>
       </p:nvGrpSpPr>
@@ -1373,7 +1373,7 @@
       </p:grpSpPr>
       <p:sp>
         <p:nvSpPr>
-          <p:cNvPr id="232" name="Shape 232"/>
+          <p:cNvPr id="230" name="Shape 230"/>
           <p:cNvSpPr/>
           <p:nvPr>
             <p:ph idx="2" type="sldImg"/>
@@ -1404,7 +1404,7 @@
             </a:pathLst>
           </a:custGeom>
           <a:noFill/>
-          <a:ln cap="flat" w="9525">
+          <a:ln cap="flat" cmpd="sng" w="9525">
             <a:solidFill>
               <a:srgbClr val="000000"/>
             </a:solidFill>
@@ -1417,7 +1417,7 @@
       </p:sp>
       <p:sp>
         <p:nvSpPr>
-          <p:cNvPr id="233" name="Shape 233"/>
+          <p:cNvPr id="231" name="Shape 231"/>
           <p:cNvSpPr txBox="1"/>
           <p:nvPr>
             <p:ph idx="1" type="body"/>
@@ -1464,7 +1464,7 @@
   <p:cSld>
     <p:spTree>
       <p:nvGrpSpPr>
-        <p:cNvPr id="237" name="Shape 237"/>
+        <p:cNvPr id="235" name="Shape 235"/>
         <p:cNvGrpSpPr/>
         <p:nvPr/>
       </p:nvGrpSpPr>
@@ -1478,7 +1478,7 @@
       </p:grpSpPr>
       <p:sp>
         <p:nvSpPr>
-          <p:cNvPr id="238" name="Shape 238"/>
+          <p:cNvPr id="236" name="Shape 236"/>
           <p:cNvSpPr/>
           <p:nvPr>
             <p:ph idx="2" type="sldImg"/>
@@ -1509,7 +1509,7 @@
             </a:pathLst>
           </a:custGeom>
           <a:noFill/>
-          <a:ln cap="flat" w="9525">
+          <a:ln cap="flat" cmpd="sng" w="9525">
             <a:solidFill>
               <a:srgbClr val="000000"/>
             </a:solidFill>
@@ -1522,7 +1522,7 @@
       </p:sp>
       <p:sp>
         <p:nvSpPr>
-          <p:cNvPr id="239" name="Shape 239"/>
+          <p:cNvPr id="237" name="Shape 237"/>
           <p:cNvSpPr txBox="1"/>
           <p:nvPr>
             <p:ph idx="1" type="body"/>
@@ -1614,7 +1614,7 @@
             </a:pathLst>
           </a:custGeom>
           <a:noFill/>
-          <a:ln cap="flat" w="9525">
+          <a:ln cap="flat" cmpd="sng" w="9525">
             <a:solidFill>
               <a:srgbClr val="000000"/>
             </a:solidFill>
@@ -1674,7 +1674,7 @@
   <p:cSld>
     <p:spTree>
       <p:nvGrpSpPr>
-        <p:cNvPr id="244" name="Shape 244"/>
+        <p:cNvPr id="242" name="Shape 242"/>
         <p:cNvGrpSpPr/>
         <p:nvPr/>
       </p:nvGrpSpPr>
@@ -1688,7 +1688,7 @@
       </p:grpSpPr>
       <p:sp>
         <p:nvSpPr>
-          <p:cNvPr id="245" name="Shape 245"/>
+          <p:cNvPr id="243" name="Shape 243"/>
           <p:cNvSpPr/>
           <p:nvPr>
             <p:ph idx="2" type="sldImg"/>
@@ -1719,7 +1719,7 @@
             </a:pathLst>
           </a:custGeom>
           <a:noFill/>
-          <a:ln cap="flat" w="9525">
+          <a:ln cap="flat" cmpd="sng" w="9525">
             <a:solidFill>
               <a:srgbClr val="000000"/>
             </a:solidFill>
@@ -1732,7 +1732,7 @@
       </p:sp>
       <p:sp>
         <p:nvSpPr>
-          <p:cNvPr id="246" name="Shape 246"/>
+          <p:cNvPr id="244" name="Shape 244"/>
           <p:cNvSpPr txBox="1"/>
           <p:nvPr>
             <p:ph idx="1" type="body"/>
@@ -1779,7 +1779,7 @@
   <p:cSld>
     <p:spTree>
       <p:nvGrpSpPr>
-        <p:cNvPr id="251" name="Shape 251"/>
+        <p:cNvPr id="249" name="Shape 249"/>
         <p:cNvGrpSpPr/>
         <p:nvPr/>
       </p:nvGrpSpPr>
@@ -1793,7 +1793,7 @@
       </p:grpSpPr>
       <p:sp>
         <p:nvSpPr>
-          <p:cNvPr id="252" name="Shape 252"/>
+          <p:cNvPr id="250" name="Shape 250"/>
           <p:cNvSpPr/>
           <p:nvPr>
             <p:ph idx="2" type="sldImg"/>
@@ -1824,7 +1824,7 @@
             </a:pathLst>
           </a:custGeom>
           <a:noFill/>
-          <a:ln cap="flat" w="9525">
+          <a:ln cap="flat" cmpd="sng" w="9525">
             <a:solidFill>
               <a:srgbClr val="000000"/>
             </a:solidFill>
@@ -1837,7 +1837,7 @@
       </p:sp>
       <p:sp>
         <p:nvSpPr>
-          <p:cNvPr id="253" name="Shape 253"/>
+          <p:cNvPr id="251" name="Shape 251"/>
           <p:cNvSpPr txBox="1"/>
           <p:nvPr>
             <p:ph idx="1" type="body"/>
@@ -1884,7 +1884,7 @@
   <p:cSld>
     <p:spTree>
       <p:nvGrpSpPr>
-        <p:cNvPr id="258" name="Shape 258"/>
+        <p:cNvPr id="256" name="Shape 256"/>
         <p:cNvGrpSpPr/>
         <p:nvPr/>
       </p:nvGrpSpPr>
@@ -1898,7 +1898,7 @@
       </p:grpSpPr>
       <p:sp>
         <p:nvSpPr>
-          <p:cNvPr id="259" name="Shape 259"/>
+          <p:cNvPr id="257" name="Shape 257"/>
           <p:cNvSpPr/>
           <p:nvPr>
             <p:ph idx="2" type="sldImg"/>
@@ -1929,7 +1929,7 @@
             </a:pathLst>
           </a:custGeom>
           <a:noFill/>
-          <a:ln cap="flat" w="9525">
+          <a:ln cap="flat" cmpd="sng" w="9525">
             <a:solidFill>
               <a:srgbClr val="000000"/>
             </a:solidFill>
@@ -1942,7 +1942,7 @@
       </p:sp>
       <p:sp>
         <p:nvSpPr>
-          <p:cNvPr id="260" name="Shape 260"/>
+          <p:cNvPr id="258" name="Shape 258"/>
           <p:cNvSpPr txBox="1"/>
           <p:nvPr>
             <p:ph idx="1" type="body"/>
@@ -1989,7 +1989,7 @@
   <p:cSld>
     <p:spTree>
       <p:nvGrpSpPr>
-        <p:cNvPr id="265" name="Shape 265"/>
+        <p:cNvPr id="263" name="Shape 263"/>
         <p:cNvGrpSpPr/>
         <p:nvPr/>
       </p:nvGrpSpPr>
@@ -2003,7 +2003,7 @@
       </p:grpSpPr>
       <p:sp>
         <p:nvSpPr>
-          <p:cNvPr id="266" name="Shape 266"/>
+          <p:cNvPr id="264" name="Shape 264"/>
           <p:cNvSpPr/>
           <p:nvPr>
             <p:ph idx="2" type="sldImg"/>
@@ -2034,7 +2034,7 @@
             </a:pathLst>
           </a:custGeom>
           <a:noFill/>
-          <a:ln cap="flat" w="9525">
+          <a:ln cap="flat" cmpd="sng" w="9525">
             <a:solidFill>
               <a:srgbClr val="000000"/>
             </a:solidFill>
@@ -2047,7 +2047,7 @@
       </p:sp>
       <p:sp>
         <p:nvSpPr>
-          <p:cNvPr id="267" name="Shape 267"/>
+          <p:cNvPr id="265" name="Shape 265"/>
           <p:cNvSpPr txBox="1"/>
           <p:nvPr>
             <p:ph idx="1" type="body"/>
@@ -2094,7 +2094,7 @@
   <p:cSld>
     <p:spTree>
       <p:nvGrpSpPr>
-        <p:cNvPr id="272" name="Shape 272"/>
+        <p:cNvPr id="270" name="Shape 270"/>
         <p:cNvGrpSpPr/>
         <p:nvPr/>
       </p:nvGrpSpPr>
@@ -2108,7 +2108,7 @@
       </p:grpSpPr>
       <p:sp>
         <p:nvSpPr>
-          <p:cNvPr id="273" name="Shape 273"/>
+          <p:cNvPr id="271" name="Shape 271"/>
           <p:cNvSpPr/>
           <p:nvPr>
             <p:ph idx="2" type="sldImg"/>
@@ -2139,7 +2139,7 @@
             </a:pathLst>
           </a:custGeom>
           <a:noFill/>
-          <a:ln cap="flat" w="9525">
+          <a:ln cap="flat" cmpd="sng" w="9525">
             <a:solidFill>
               <a:srgbClr val="000000"/>
             </a:solidFill>
@@ -2152,7 +2152,7 @@
       </p:sp>
       <p:sp>
         <p:nvSpPr>
-          <p:cNvPr id="274" name="Shape 274"/>
+          <p:cNvPr id="272" name="Shape 272"/>
           <p:cNvSpPr txBox="1"/>
           <p:nvPr>
             <p:ph idx="1" type="body"/>
@@ -2199,7 +2199,7 @@
   <p:cSld>
     <p:spTree>
       <p:nvGrpSpPr>
-        <p:cNvPr id="279" name="Shape 279"/>
+        <p:cNvPr id="277" name="Shape 277"/>
         <p:cNvGrpSpPr/>
         <p:nvPr/>
       </p:nvGrpSpPr>
@@ -2213,7 +2213,7 @@
       </p:grpSpPr>
       <p:sp>
         <p:nvSpPr>
-          <p:cNvPr id="280" name="Shape 280"/>
+          <p:cNvPr id="278" name="Shape 278"/>
           <p:cNvSpPr/>
           <p:nvPr>
             <p:ph idx="2" type="sldImg"/>
@@ -2244,7 +2244,7 @@
             </a:pathLst>
           </a:custGeom>
           <a:noFill/>
-          <a:ln cap="flat" w="9525">
+          <a:ln cap="flat" cmpd="sng" w="9525">
             <a:solidFill>
               <a:srgbClr val="000000"/>
             </a:solidFill>
@@ -2257,7 +2257,7 @@
       </p:sp>
       <p:sp>
         <p:nvSpPr>
-          <p:cNvPr id="281" name="Shape 281"/>
+          <p:cNvPr id="279" name="Shape 279"/>
           <p:cNvSpPr txBox="1"/>
           <p:nvPr>
             <p:ph idx="1" type="body"/>
@@ -2304,7 +2304,7 @@
   <p:cSld>
     <p:spTree>
       <p:nvGrpSpPr>
-        <p:cNvPr id="286" name="Shape 286"/>
+        <p:cNvPr id="284" name="Shape 284"/>
         <p:cNvGrpSpPr/>
         <p:nvPr/>
       </p:nvGrpSpPr>
@@ -2318,7 +2318,7 @@
       </p:grpSpPr>
       <p:sp>
         <p:nvSpPr>
-          <p:cNvPr id="287" name="Shape 287"/>
+          <p:cNvPr id="285" name="Shape 285"/>
           <p:cNvSpPr/>
           <p:nvPr>
             <p:ph idx="2" type="sldImg"/>
@@ -2349,7 +2349,7 @@
             </a:pathLst>
           </a:custGeom>
           <a:noFill/>
-          <a:ln cap="flat" w="9525">
+          <a:ln cap="flat" cmpd="sng" w="9525">
             <a:solidFill>
               <a:srgbClr val="000000"/>
             </a:solidFill>
@@ -2362,7 +2362,7 @@
       </p:sp>
       <p:sp>
         <p:nvSpPr>
-          <p:cNvPr id="288" name="Shape 288"/>
+          <p:cNvPr id="286" name="Shape 286"/>
           <p:cNvSpPr txBox="1"/>
           <p:nvPr>
             <p:ph idx="1" type="body"/>
@@ -2409,7 +2409,7 @@
   <p:cSld>
     <p:spTree>
       <p:nvGrpSpPr>
-        <p:cNvPr id="293" name="Shape 293"/>
+        <p:cNvPr id="291" name="Shape 291"/>
         <p:cNvGrpSpPr/>
         <p:nvPr/>
       </p:nvGrpSpPr>
@@ -2423,7 +2423,7 @@
       </p:grpSpPr>
       <p:sp>
         <p:nvSpPr>
-          <p:cNvPr id="294" name="Shape 294"/>
+          <p:cNvPr id="292" name="Shape 292"/>
           <p:cNvSpPr/>
           <p:nvPr>
             <p:ph idx="2" type="sldImg"/>
@@ -2454,7 +2454,7 @@
             </a:pathLst>
           </a:custGeom>
           <a:noFill/>
-          <a:ln cap="flat" w="9525">
+          <a:ln cap="flat" cmpd="sng" w="9525">
             <a:solidFill>
               <a:srgbClr val="000000"/>
             </a:solidFill>
@@ -2467,7 +2467,7 @@
       </p:sp>
       <p:sp>
         <p:nvSpPr>
-          <p:cNvPr id="295" name="Shape 295"/>
+          <p:cNvPr id="293" name="Shape 293"/>
           <p:cNvSpPr txBox="1"/>
           <p:nvPr>
             <p:ph idx="1" type="body"/>
@@ -2514,7 +2514,7 @@
   <p:cSld>
     <p:spTree>
       <p:nvGrpSpPr>
-        <p:cNvPr id="301" name="Shape 301"/>
+        <p:cNvPr id="299" name="Shape 299"/>
         <p:cNvGrpSpPr/>
         <p:nvPr/>
       </p:nvGrpSpPr>
@@ -2528,7 +2528,7 @@
       </p:grpSpPr>
       <p:sp>
         <p:nvSpPr>
-          <p:cNvPr id="302" name="Shape 302"/>
+          <p:cNvPr id="300" name="Shape 300"/>
           <p:cNvSpPr/>
           <p:nvPr>
             <p:ph idx="2" type="sldImg"/>
@@ -2559,7 +2559,7 @@
             </a:pathLst>
           </a:custGeom>
           <a:noFill/>
-          <a:ln cap="flat" w="9525">
+          <a:ln cap="flat" cmpd="sng" w="9525">
             <a:solidFill>
               <a:srgbClr val="000000"/>
             </a:solidFill>
@@ -2572,7 +2572,7 @@
       </p:sp>
       <p:sp>
         <p:nvSpPr>
-          <p:cNvPr id="303" name="Shape 303"/>
+          <p:cNvPr id="301" name="Shape 301"/>
           <p:cNvSpPr txBox="1"/>
           <p:nvPr>
             <p:ph idx="1" type="body"/>
@@ -2619,7 +2619,7 @@
   <p:cSld>
     <p:spTree>
       <p:nvGrpSpPr>
-        <p:cNvPr id="309" name="Shape 309"/>
+        <p:cNvPr id="307" name="Shape 307"/>
         <p:cNvGrpSpPr/>
         <p:nvPr/>
       </p:nvGrpSpPr>
@@ -2633,7 +2633,7 @@
       </p:grpSpPr>
       <p:sp>
         <p:nvSpPr>
-          <p:cNvPr id="310" name="Shape 310"/>
+          <p:cNvPr id="308" name="Shape 308"/>
           <p:cNvSpPr/>
           <p:nvPr>
             <p:ph idx="2" type="sldImg"/>
@@ -2664,7 +2664,7 @@
             </a:pathLst>
           </a:custGeom>
           <a:noFill/>
-          <a:ln cap="flat" w="9525">
+          <a:ln cap="flat" cmpd="sng" w="9525">
             <a:solidFill>
               <a:srgbClr val="000000"/>
             </a:solidFill>
@@ -2677,7 +2677,7 @@
       </p:sp>
       <p:sp>
         <p:nvSpPr>
-          <p:cNvPr id="311" name="Shape 311"/>
+          <p:cNvPr id="309" name="Shape 309"/>
           <p:cNvSpPr txBox="1"/>
           <p:nvPr>
             <p:ph idx="1" type="body"/>
@@ -2769,7 +2769,7 @@
             </a:pathLst>
           </a:custGeom>
           <a:noFill/>
-          <a:ln cap="flat" w="9525">
+          <a:ln cap="flat" cmpd="sng" w="9525">
             <a:solidFill>
               <a:srgbClr val="000000"/>
             </a:solidFill>
@@ -2829,7 +2829,7 @@
   <p:cSld>
     <p:spTree>
       <p:nvGrpSpPr>
-        <p:cNvPr id="316" name="Shape 316"/>
+        <p:cNvPr id="314" name="Shape 314"/>
         <p:cNvGrpSpPr/>
         <p:nvPr/>
       </p:nvGrpSpPr>
@@ -2843,7 +2843,7 @@
       </p:grpSpPr>
       <p:sp>
         <p:nvSpPr>
-          <p:cNvPr id="317" name="Shape 317"/>
+          <p:cNvPr id="315" name="Shape 315"/>
           <p:cNvSpPr/>
           <p:nvPr>
             <p:ph idx="2" type="sldImg"/>
@@ -2874,7 +2874,7 @@
             </a:pathLst>
           </a:custGeom>
           <a:noFill/>
-          <a:ln cap="flat" w="9525">
+          <a:ln cap="flat" cmpd="sng" w="9525">
             <a:solidFill>
               <a:srgbClr val="000000"/>
             </a:solidFill>
@@ -2887,7 +2887,7 @@
       </p:sp>
       <p:sp>
         <p:nvSpPr>
-          <p:cNvPr id="318" name="Shape 318"/>
+          <p:cNvPr id="316" name="Shape 316"/>
           <p:cNvSpPr txBox="1"/>
           <p:nvPr>
             <p:ph idx="1" type="body"/>
@@ -2934,7 +2934,7 @@
   <p:cSld>
     <p:spTree>
       <p:nvGrpSpPr>
-        <p:cNvPr id="323" name="Shape 323"/>
+        <p:cNvPr id="321" name="Shape 321"/>
         <p:cNvGrpSpPr/>
         <p:nvPr/>
       </p:nvGrpSpPr>
@@ -2948,7 +2948,7 @@
       </p:grpSpPr>
       <p:sp>
         <p:nvSpPr>
-          <p:cNvPr id="324" name="Shape 324"/>
+          <p:cNvPr id="322" name="Shape 322"/>
           <p:cNvSpPr/>
           <p:nvPr>
             <p:ph idx="2" type="sldImg"/>
@@ -2979,7 +2979,7 @@
             </a:pathLst>
           </a:custGeom>
           <a:noFill/>
-          <a:ln cap="flat" w="9525">
+          <a:ln cap="flat" cmpd="sng" w="9525">
             <a:solidFill>
               <a:srgbClr val="000000"/>
             </a:solidFill>
@@ -2992,7 +2992,7 @@
       </p:sp>
       <p:sp>
         <p:nvSpPr>
-          <p:cNvPr id="325" name="Shape 325"/>
+          <p:cNvPr id="323" name="Shape 323"/>
           <p:cNvSpPr txBox="1"/>
           <p:nvPr>
             <p:ph idx="1" type="body"/>
@@ -3039,7 +3039,7 @@
   <p:cSld>
     <p:spTree>
       <p:nvGrpSpPr>
-        <p:cNvPr id="330" name="Shape 330"/>
+        <p:cNvPr id="328" name="Shape 328"/>
         <p:cNvGrpSpPr/>
         <p:nvPr/>
       </p:nvGrpSpPr>
@@ -3053,7 +3053,7 @@
       </p:grpSpPr>
       <p:sp>
         <p:nvSpPr>
-          <p:cNvPr id="331" name="Shape 331"/>
+          <p:cNvPr id="329" name="Shape 329"/>
           <p:cNvSpPr/>
           <p:nvPr>
             <p:ph idx="2" type="sldImg"/>
@@ -3084,7 +3084,7 @@
             </a:pathLst>
           </a:custGeom>
           <a:noFill/>
-          <a:ln cap="flat" w="9525">
+          <a:ln cap="flat" cmpd="sng" w="9525">
             <a:solidFill>
               <a:srgbClr val="000000"/>
             </a:solidFill>
@@ -3097,7 +3097,7 @@
       </p:sp>
       <p:sp>
         <p:nvSpPr>
-          <p:cNvPr id="332" name="Shape 332"/>
+          <p:cNvPr id="330" name="Shape 330"/>
           <p:cNvSpPr txBox="1"/>
           <p:nvPr>
             <p:ph idx="1" type="body"/>
@@ -3144,7 +3144,7 @@
   <p:cSld>
     <p:spTree>
       <p:nvGrpSpPr>
-        <p:cNvPr id="337" name="Shape 337"/>
+        <p:cNvPr id="335" name="Shape 335"/>
         <p:cNvGrpSpPr/>
         <p:nvPr/>
       </p:nvGrpSpPr>
@@ -3158,7 +3158,7 @@
       </p:grpSpPr>
       <p:sp>
         <p:nvSpPr>
-          <p:cNvPr id="338" name="Shape 338"/>
+          <p:cNvPr id="336" name="Shape 336"/>
           <p:cNvSpPr/>
           <p:nvPr>
             <p:ph idx="2" type="sldImg"/>
@@ -3189,7 +3189,7 @@
             </a:pathLst>
           </a:custGeom>
           <a:noFill/>
-          <a:ln cap="flat" w="9525">
+          <a:ln cap="flat" cmpd="sng" w="9525">
             <a:solidFill>
               <a:srgbClr val="000000"/>
             </a:solidFill>
@@ -3202,7 +3202,7 @@
       </p:sp>
       <p:sp>
         <p:nvSpPr>
-          <p:cNvPr id="339" name="Shape 339"/>
+          <p:cNvPr id="337" name="Shape 337"/>
           <p:cNvSpPr txBox="1"/>
           <p:nvPr>
             <p:ph idx="1" type="body"/>
@@ -3249,7 +3249,7 @@
   <p:cSld>
     <p:spTree>
       <p:nvGrpSpPr>
-        <p:cNvPr id="349" name="Shape 349"/>
+        <p:cNvPr id="347" name="Shape 347"/>
         <p:cNvGrpSpPr/>
         <p:nvPr/>
       </p:nvGrpSpPr>
@@ -3263,7 +3263,7 @@
       </p:grpSpPr>
       <p:sp>
         <p:nvSpPr>
-          <p:cNvPr id="350" name="Shape 350"/>
+          <p:cNvPr id="348" name="Shape 348"/>
           <p:cNvSpPr/>
           <p:nvPr>
             <p:ph idx="2" type="sldImg"/>
@@ -3294,7 +3294,7 @@
             </a:pathLst>
           </a:custGeom>
           <a:noFill/>
-          <a:ln cap="flat" w="9525">
+          <a:ln cap="flat" cmpd="sng" w="9525">
             <a:solidFill>
               <a:srgbClr val="000000"/>
             </a:solidFill>
@@ -3307,7 +3307,7 @@
       </p:sp>
       <p:sp>
         <p:nvSpPr>
-          <p:cNvPr id="351" name="Shape 351"/>
+          <p:cNvPr id="349" name="Shape 349"/>
           <p:cNvSpPr txBox="1"/>
           <p:nvPr>
             <p:ph idx="1" type="body"/>
@@ -3354,7 +3354,7 @@
   <p:cSld>
     <p:spTree>
       <p:nvGrpSpPr>
-        <p:cNvPr id="355" name="Shape 355"/>
+        <p:cNvPr id="353" name="Shape 353"/>
         <p:cNvGrpSpPr/>
         <p:nvPr/>
       </p:nvGrpSpPr>
@@ -3368,7 +3368,7 @@
       </p:grpSpPr>
       <p:sp>
         <p:nvSpPr>
-          <p:cNvPr id="356" name="Shape 356"/>
+          <p:cNvPr id="354" name="Shape 354"/>
           <p:cNvSpPr/>
           <p:nvPr>
             <p:ph idx="2" type="sldImg"/>
@@ -3399,7 +3399,7 @@
             </a:pathLst>
           </a:custGeom>
           <a:noFill/>
-          <a:ln cap="flat" w="9525">
+          <a:ln cap="flat" cmpd="sng" w="9525">
             <a:solidFill>
               <a:srgbClr val="000000"/>
             </a:solidFill>
@@ -3412,7 +3412,7 @@
       </p:sp>
       <p:sp>
         <p:nvSpPr>
-          <p:cNvPr id="357" name="Shape 357"/>
+          <p:cNvPr id="355" name="Shape 355"/>
           <p:cNvSpPr txBox="1"/>
           <p:nvPr>
             <p:ph idx="1" type="body"/>
@@ -3504,7 +3504,7 @@
             </a:pathLst>
           </a:custGeom>
           <a:noFill/>
-          <a:ln cap="flat" w="9525">
+          <a:ln cap="flat" cmpd="sng" w="9525">
             <a:solidFill>
               <a:srgbClr val="000000"/>
             </a:solidFill>
@@ -3609,7 +3609,7 @@
             </a:pathLst>
           </a:custGeom>
           <a:noFill/>
-          <a:ln cap="flat" w="9525">
+          <a:ln cap="flat" cmpd="sng" w="9525">
             <a:solidFill>
               <a:srgbClr val="000000"/>
             </a:solidFill>
@@ -3714,7 +3714,7 @@
             </a:pathLst>
           </a:custGeom>
           <a:noFill/>
-          <a:ln cap="flat" w="9525">
+          <a:ln cap="flat" cmpd="sng" w="9525">
             <a:solidFill>
               <a:srgbClr val="000000"/>
             </a:solidFill>
@@ -3819,7 +3819,7 @@
             </a:pathLst>
           </a:custGeom>
           <a:noFill/>
-          <a:ln cap="flat" w="9525">
+          <a:ln cap="flat" cmpd="sng" w="9525">
             <a:solidFill>
               <a:srgbClr val="000000"/>
             </a:solidFill>
@@ -3924,7 +3924,7 @@
             </a:pathLst>
           </a:custGeom>
           <a:noFill/>
-          <a:ln cap="flat" w="9525">
+          <a:ln cap="flat" cmpd="sng" w="9525">
             <a:solidFill>
               <a:srgbClr val="000000"/>
             </a:solidFill>
@@ -4029,7 +4029,7 @@
             </a:pathLst>
           </a:custGeom>
           <a:noFill/>
-          <a:ln cap="flat" w="9525">
+          <a:ln cap="flat" cmpd="sng" w="9525">
             <a:solidFill>
               <a:srgbClr val="000000"/>
             </a:solidFill>
@@ -6533,8 +6533,8 @@
         </p:blipFill>
         <p:spPr>
           <a:xfrm>
-            <a:off x="473087" y="2294950"/>
-            <a:ext cx="8197826" cy="2055150"/>
+            <a:off x="457200" y="2460250"/>
+            <a:ext cx="8367574" cy="1384031"/>
           </a:xfrm>
           <a:prstGeom prst="rect">
             <a:avLst/>
@@ -6835,8 +6835,8 @@
         </p:blipFill>
         <p:spPr>
           <a:xfrm>
-            <a:off x="1507425" y="1162050"/>
-            <a:ext cx="2809875" cy="2819400"/>
+            <a:off x="3600450" y="1571625"/>
+            <a:ext cx="1943100" cy="2000250"/>
           </a:xfrm>
           <a:prstGeom prst="rect">
             <a:avLst/>
@@ -7179,65 +7179,9 @@
           <a:chExt cx="0" cy="0"/>
         </a:xfrm>
       </p:grpSpPr>
-      <p:pic>
-        <p:nvPicPr>
-          <p:cNvPr id="166" name="Shape 166"/>
-          <p:cNvPicPr preferRelativeResize="0"/>
-          <p:nvPr/>
-        </p:nvPicPr>
-        <p:blipFill>
-          <a:blip r:embed="rId3">
-            <a:alphaModFix/>
-          </a:blip>
-          <a:stretch>
-            <a:fillRect/>
-          </a:stretch>
-        </p:blipFill>
-        <p:spPr>
-          <a:xfrm>
-            <a:off x="547400" y="1078350"/>
-            <a:ext cx="2689624" cy="3663074"/>
-          </a:xfrm>
-          <a:prstGeom prst="rect">
-            <a:avLst/>
-          </a:prstGeom>
-          <a:noFill/>
-          <a:ln>
-            <a:noFill/>
-          </a:ln>
-        </p:spPr>
-      </p:pic>
-      <p:pic>
-        <p:nvPicPr>
-          <p:cNvPr id="167" name="Shape 167"/>
-          <p:cNvPicPr preferRelativeResize="0"/>
-          <p:nvPr/>
-        </p:nvPicPr>
-        <p:blipFill>
-          <a:blip r:embed="rId4">
-            <a:alphaModFix/>
-          </a:blip>
-          <a:stretch>
-            <a:fillRect/>
-          </a:stretch>
-        </p:blipFill>
-        <p:spPr>
-          <a:xfrm>
-            <a:off x="457200" y="1078350"/>
-            <a:ext cx="2779824" cy="3560975"/>
-          </a:xfrm>
-          <a:prstGeom prst="rect">
-            <a:avLst/>
-          </a:prstGeom>
-          <a:noFill/>
-          <a:ln>
-            <a:noFill/>
-          </a:ln>
-        </p:spPr>
-      </p:pic>
       <p:grpSp>
         <p:nvGrpSpPr>
-          <p:cNvPr id="168" name="Shape 168"/>
+          <p:cNvPr id="166" name="Shape 166"/>
           <p:cNvGrpSpPr/>
           <p:nvPr/>
         </p:nvGrpSpPr>
@@ -7251,12 +7195,12 @@
         </p:grpSpPr>
         <p:pic>
           <p:nvPicPr>
-            <p:cNvPr id="169" name="Shape 169"/>
+            <p:cNvPr id="167" name="Shape 167"/>
             <p:cNvPicPr preferRelativeResize="0"/>
             <p:nvPr/>
           </p:nvPicPr>
           <p:blipFill>
-            <a:blip r:embed="rId5">
+            <a:blip r:embed="rId3">
               <a:alphaModFix/>
             </a:blip>
             <a:stretch>
@@ -7279,7 +7223,7 @@
         </p:pic>
         <p:sp>
           <p:nvSpPr>
-            <p:cNvPr id="170" name="Shape 170"/>
+            <p:cNvPr id="168" name="Shape 168"/>
             <p:cNvSpPr txBox="1"/>
             <p:nvPr/>
           </p:nvSpPr>
@@ -7321,7 +7265,7 @@
         </p:sp>
         <p:sp>
           <p:nvSpPr>
-            <p:cNvPr id="171" name="Shape 171"/>
+            <p:cNvPr id="169" name="Shape 169"/>
             <p:cNvSpPr txBox="1"/>
             <p:nvPr/>
           </p:nvSpPr>
@@ -7363,7 +7307,7 @@
         </p:sp>
         <p:sp>
           <p:nvSpPr>
-            <p:cNvPr id="172" name="Shape 172"/>
+            <p:cNvPr id="170" name="Shape 170"/>
             <p:cNvSpPr txBox="1"/>
             <p:nvPr/>
           </p:nvSpPr>
@@ -7406,7 +7350,7 @@
       </p:grpSp>
       <p:sp>
         <p:nvSpPr>
-          <p:cNvPr id="173" name="Shape 173"/>
+          <p:cNvPr id="171" name="Shape 171"/>
           <p:cNvSpPr txBox="1"/>
           <p:nvPr>
             <p:ph idx="1" type="body"/>
@@ -7438,7 +7382,7 @@
                 <a:solidFill>
                   <a:schemeClr val="hlink"/>
                 </a:solidFill>
-                <a:hlinkClick r:id="rId6"/>
+                <a:hlinkClick r:id="rId4"/>
               </a:rPr>
               <a:t>https://github.com/yermilov/groovy-dsl/tree/develop/examples/dsl-or-not-a-dsl</a:t>
             </a:r>
@@ -7447,7 +7391,7 @@
       </p:sp>
       <p:sp>
         <p:nvSpPr>
-          <p:cNvPr id="174" name="Shape 174"/>
+          <p:cNvPr id="172" name="Shape 172"/>
           <p:cNvSpPr txBox="1"/>
           <p:nvPr>
             <p:ph type="title"/>
@@ -7481,37 +7425,9 @@
           </a:p>
         </p:txBody>
       </p:sp>
-      <p:pic>
-        <p:nvPicPr>
-          <p:cNvPr id="175" name="Shape 175"/>
-          <p:cNvPicPr preferRelativeResize="0"/>
-          <p:nvPr/>
-        </p:nvPicPr>
-        <p:blipFill>
-          <a:blip r:embed="rId7">
-            <a:alphaModFix/>
-          </a:blip>
-          <a:stretch>
-            <a:fillRect/>
-          </a:stretch>
-        </p:blipFill>
-        <p:spPr>
-          <a:xfrm>
-            <a:off x="3500975" y="2382862"/>
-            <a:ext cx="3864389" cy="1988112"/>
-          </a:xfrm>
-          <a:prstGeom prst="rect">
-            <a:avLst/>
-          </a:prstGeom>
-          <a:noFill/>
-          <a:ln>
-            <a:noFill/>
-          </a:ln>
-        </p:spPr>
-      </p:pic>
       <p:grpSp>
         <p:nvGrpSpPr>
-          <p:cNvPr id="176" name="Shape 176"/>
+          <p:cNvPr id="173" name="Shape 173"/>
           <p:cNvGrpSpPr/>
           <p:nvPr/>
         </p:nvGrpSpPr>
@@ -7525,7 +7441,7 @@
         </p:grpSpPr>
         <p:grpSp>
           <p:nvGrpSpPr>
-            <p:cNvPr id="177" name="Shape 177"/>
+            <p:cNvPr id="174" name="Shape 174"/>
             <p:cNvGrpSpPr/>
             <p:nvPr/>
           </p:nvGrpSpPr>
@@ -7539,12 +7455,12 @@
           </p:grpSpPr>
           <p:pic>
             <p:nvPicPr>
-              <p:cNvPr id="178" name="Shape 178"/>
+              <p:cNvPr id="175" name="Shape 175"/>
               <p:cNvPicPr preferRelativeResize="0"/>
               <p:nvPr/>
             </p:nvPicPr>
             <p:blipFill>
-              <a:blip r:embed="rId5">
+              <a:blip r:embed="rId3">
                 <a:alphaModFix/>
               </a:blip>
               <a:stretch>
@@ -7567,7 +7483,7 @@
           </p:pic>
           <p:sp>
             <p:nvSpPr>
-              <p:cNvPr id="179" name="Shape 179"/>
+              <p:cNvPr id="176" name="Shape 176"/>
               <p:cNvSpPr txBox="1"/>
               <p:nvPr/>
             </p:nvSpPr>
@@ -7609,7 +7525,7 @@
           </p:sp>
           <p:sp>
             <p:nvSpPr>
-              <p:cNvPr id="180" name="Shape 180"/>
+              <p:cNvPr id="177" name="Shape 177"/>
               <p:cNvSpPr txBox="1"/>
               <p:nvPr/>
             </p:nvSpPr>
@@ -7651,7 +7567,7 @@
           </p:sp>
           <p:sp>
             <p:nvSpPr>
-              <p:cNvPr id="181" name="Shape 181"/>
+              <p:cNvPr id="178" name="Shape 178"/>
               <p:cNvSpPr txBox="1"/>
               <p:nvPr/>
             </p:nvSpPr>
@@ -7694,12 +7610,12 @@
         </p:grpSp>
         <p:pic>
           <p:nvPicPr>
-            <p:cNvPr id="182" name="Shape 182"/>
+            <p:cNvPr id="179" name="Shape 179"/>
             <p:cNvPicPr preferRelativeResize="0"/>
             <p:nvPr/>
           </p:nvPicPr>
           <p:blipFill>
-            <a:blip r:embed="rId8">
+            <a:blip r:embed="rId5">
               <a:alphaModFix/>
             </a:blip>
             <a:stretch>
@@ -7721,6 +7637,106 @@
           </p:spPr>
         </p:pic>
       </p:grpSp>
+      <p:pic>
+        <p:nvPicPr>
+          <p:cNvPr id="180" name="Shape 180"/>
+          <p:cNvPicPr preferRelativeResize="0"/>
+          <p:nvPr/>
+        </p:nvPicPr>
+        <p:blipFill>
+          <a:blip r:embed="rId6">
+            <a:alphaModFix/>
+          </a:blip>
+          <a:stretch>
+            <a:fillRect/>
+          </a:stretch>
+        </p:blipFill>
+        <p:spPr>
+          <a:xfrm>
+            <a:off x="457200" y="1042100"/>
+            <a:ext cx="2476500" cy="3292291"/>
+          </a:xfrm>
+          <a:prstGeom prst="rect">
+            <a:avLst/>
+          </a:prstGeom>
+          <a:noFill/>
+          <a:ln>
+            <a:noFill/>
+          </a:ln>
+        </p:spPr>
+      </p:pic>
+      <p:pic>
+        <p:nvPicPr>
+          <p:cNvPr id="181" name="Shape 181"/>
+          <p:cNvPicPr preferRelativeResize="0"/>
+          <p:nvPr/>
+        </p:nvPicPr>
+        <p:blipFill>
+          <a:blip r:embed="rId7">
+            <a:alphaModFix/>
+          </a:blip>
+          <a:stretch>
+            <a:fillRect/>
+          </a:stretch>
+        </p:blipFill>
+        <p:spPr>
+          <a:xfrm>
+            <a:off x="3866525" y="2208250"/>
+            <a:ext cx="3730549" cy="2126149"/>
+          </a:xfrm>
+          <a:prstGeom prst="rect">
+            <a:avLst/>
+          </a:prstGeom>
+          <a:noFill/>
+          <a:ln>
+            <a:noFill/>
+          </a:ln>
+        </p:spPr>
+      </p:pic>
+      <p:sp>
+        <p:nvSpPr>
+          <p:cNvPr id="182" name="Shape 182"/>
+          <p:cNvSpPr/>
+          <p:nvPr/>
+        </p:nvSpPr>
+        <p:spPr>
+          <a:xfrm>
+            <a:off x="421375" y="1638700"/>
+            <a:ext cx="1049999" cy="575099"/>
+          </a:xfrm>
+          <a:prstGeom prst="rect">
+            <a:avLst/>
+          </a:prstGeom>
+          <a:noFill/>
+          <a:ln cap="flat" cmpd="sng" w="19050">
+            <a:solidFill>
+              <a:srgbClr val="FF0000"/>
+            </a:solidFill>
+            <a:prstDash val="solid"/>
+            <a:round/>
+            <a:headEnd len="med" w="med" type="none"/>
+            <a:tailEnd len="med" w="med" type="none"/>
+          </a:ln>
+        </p:spPr>
+        <p:txBody>
+          <a:bodyPr anchorCtr="0" anchor="ctr" bIns="91425" lIns="91425" rIns="91425" tIns="91425">
+            <a:noAutofit/>
+          </a:bodyPr>
+          <a:lstStyle/>
+          <a:p>
+            <a:pPr>
+              <a:spcBef>
+                <a:spcPts val="0"/>
+              </a:spcBef>
+              <a:buNone/>
+            </a:pPr>
+            <a:r>
+              <a:t/>
+            </a:r>
+            <a:endParaRPr/>
+          </a:p>
+        </p:txBody>
+      </p:sp>
     </p:spTree>
   </p:cSld>
   <p:clrMapOvr>
@@ -7763,7 +7779,7 @@
                                           </p:stCondLst>
                                         </p:cTn>
                                         <p:tgtEl>
-                                          <p:spTgt spid="167"/>
+                                          <p:spTgt spid="173"/>
                                         </p:tgtEl>
                                         <p:attrNameLst>
                                           <p:attrName>style.visibility</p:attrName>
@@ -7775,9 +7791,9 @@
                                     </p:set>
                                     <p:animEffect filter="fade" transition="in">
                                       <p:cBhvr>
-                                        <p:cTn dur="1000"/>
+                                        <p:cTn dur="400"/>
                                         <p:tgtEl>
-                                          <p:spTgt spid="167"/>
+                                          <p:spTgt spid="173"/>
                                         </p:tgtEl>
                                       </p:cBhvr>
                                     </p:animEffect>
@@ -7798,7 +7814,7 @@
                                           </p:stCondLst>
                                         </p:cTn>
                                         <p:tgtEl>
-                                          <p:spTgt spid="175"/>
+                                          <p:spTgt spid="182"/>
                                         </p:tgtEl>
                                         <p:attrNameLst>
                                           <p:attrName>style.visibility</p:attrName>
@@ -7812,45 +7828,10 @@
                                       <p:cBhvr>
                                         <p:cTn dur="1000"/>
                                         <p:tgtEl>
-                                          <p:spTgt spid="175"/>
+                                          <p:spTgt spid="182"/>
                                         </p:tgtEl>
                                       </p:cBhvr>
                                     </p:animEffect>
-                                  </p:childTnLst>
-                                </p:cTn>
-                              </p:par>
-                              <p:par>
-                                <p:cTn fill="hold" nodeType="withEffect" presetClass="exit" presetID="10" presetSubtype="0">
-                                  <p:stCondLst>
-                                    <p:cond delay="0"/>
-                                  </p:stCondLst>
-                                  <p:childTnLst>
-                                    <p:animEffect filter="fade" transition="out">
-                                      <p:cBhvr>
-                                        <p:cTn dur="1000"/>
-                                        <p:tgtEl>
-                                          <p:spTgt spid="166"/>
-                                        </p:tgtEl>
-                                      </p:cBhvr>
-                                    </p:animEffect>
-                                    <p:set>
-                                      <p:cBhvr>
-                                        <p:cTn dur="1" fill="hold">
-                                          <p:stCondLst>
-                                            <p:cond delay="1000"/>
-                                          </p:stCondLst>
-                                        </p:cTn>
-                                        <p:tgtEl>
-                                          <p:spTgt spid="166"/>
-                                        </p:tgtEl>
-                                        <p:attrNameLst>
-                                          <p:attrName>style.visibility</p:attrName>
-                                        </p:attrNameLst>
-                                      </p:cBhvr>
-                                      <p:to>
-                                        <p:strVal val="hidden"/>
-                                      </p:to>
-                                    </p:set>
                                   </p:childTnLst>
                                 </p:cTn>
                               </p:par>
@@ -7868,7 +7849,7 @@
                                           </p:stCondLst>
                                         </p:cTn>
                                         <p:tgtEl>
-                                          <p:spTgt spid="176"/>
+                                          <p:spTgt spid="181"/>
                                         </p:tgtEl>
                                         <p:attrNameLst>
                                           <p:attrName>style.visibility</p:attrName>
@@ -7880,47 +7861,12 @@
                                     </p:set>
                                     <p:animEffect filter="fade" transition="in">
                                       <p:cBhvr>
-                                        <p:cTn dur="400"/>
+                                        <p:cTn dur="1000"/>
                                         <p:tgtEl>
-                                          <p:spTgt spid="176"/>
+                                          <p:spTgt spid="181"/>
                                         </p:tgtEl>
                                       </p:cBhvr>
                                     </p:animEffect>
-                                  </p:childTnLst>
-                                </p:cTn>
-                              </p:par>
-                              <p:par>
-                                <p:cTn fill="hold" nodeType="withEffect" presetClass="exit" presetID="10" presetSubtype="0">
-                                  <p:stCondLst>
-                                    <p:cond delay="0"/>
-                                  </p:stCondLst>
-                                  <p:childTnLst>
-                                    <p:animEffect filter="fade" transition="out">
-                                      <p:cBhvr>
-                                        <p:cTn dur="300"/>
-                                        <p:tgtEl>
-                                          <p:spTgt spid="168"/>
-                                        </p:tgtEl>
-                                      </p:cBhvr>
-                                    </p:animEffect>
-                                    <p:set>
-                                      <p:cBhvr>
-                                        <p:cTn dur="1" fill="hold">
-                                          <p:stCondLst>
-                                            <p:cond delay="300"/>
-                                          </p:stCondLst>
-                                        </p:cTn>
-                                        <p:tgtEl>
-                                          <p:spTgt spid="168"/>
-                                        </p:tgtEl>
-                                        <p:attrNameLst>
-                                          <p:attrName>style.visibility</p:attrName>
-                                        </p:attrNameLst>
-                                      </p:cBhvr>
-                                      <p:to>
-                                        <p:strVal val="hidden"/>
-                                      </p:to>
-                                    </p:set>
                                   </p:childTnLst>
                                 </p:cTn>
                               </p:par>
@@ -8412,16 +8358,24 @@
           <a:chExt cx="0" cy="0"/>
         </a:xfrm>
       </p:grpSpPr>
-      <p:sp>
-        <p:nvSpPr>
+      <p:pic>
+        <p:nvPicPr>
           <p:cNvPr id="198" name="Shape 198"/>
-          <p:cNvSpPr txBox="1"/>
+          <p:cNvPicPr preferRelativeResize="0"/>
           <p:nvPr/>
-        </p:nvSpPr>
-        <p:spPr>
-          <a:xfrm>
-            <a:off x="457200" y="1200150"/>
-            <a:ext cx="8229600" cy="1170599"/>
+        </p:nvPicPr>
+        <p:blipFill>
+          <a:blip r:embed="rId3">
+            <a:alphaModFix/>
+          </a:blip>
+          <a:stretch>
+            <a:fillRect/>
+          </a:stretch>
+        </p:blipFill>
+        <p:spPr>
+          <a:xfrm>
+            <a:off x="7870300" y="1898100"/>
+            <a:ext cx="755328" cy="857400"/>
           </a:xfrm>
           <a:prstGeom prst="rect">
             <a:avLst/>
@@ -8431,8 +8385,26 @@
             <a:noFill/>
           </a:ln>
         </p:spPr>
+      </p:pic>
+      <p:sp>
+        <p:nvSpPr>
+          <p:cNvPr id="199" name="Shape 199"/>
+          <p:cNvSpPr txBox="1"/>
+          <p:nvPr>
+            <p:ph idx="1" type="body"/>
+          </p:nvPr>
+        </p:nvSpPr>
+        <p:spPr>
+          <a:xfrm>
+            <a:off x="457200" y="1200150"/>
+            <a:ext cx="8229600" cy="1316099"/>
+          </a:xfrm>
+          <a:prstGeom prst="rect">
+            <a:avLst/>
+          </a:prstGeom>
+        </p:spPr>
         <p:txBody>
-          <a:bodyPr anchorCtr="0" anchor="ctr" bIns="91425" lIns="91425" rIns="91425" tIns="91425">
+          <a:bodyPr anchorCtr="0" anchor="t" bIns="91425" lIns="91425" rIns="91425" tIns="91425">
             <a:noAutofit/>
           </a:bodyPr>
           <a:lstStyle/>
@@ -8457,15 +8429,7 @@
                   <a:srgbClr val="222222"/>
                 </a:solidFill>
               </a:rPr>
-              <a:t> </a:t>
-            </a:r>
-            <a:r>
-              <a:rPr lang="en" sz="1100">
-                <a:solidFill>
-                  <a:srgbClr val="FFFFFF"/>
-                </a:solidFill>
-              </a:rPr>
-              <a:t>is a </a:t>
+              <a:t> is a </a:t>
             </a:r>
             <a:r>
               <a:rPr b="1" lang="en" sz="1100">
@@ -8497,15 +8461,7 @@
                   <a:srgbClr val="222222"/>
                 </a:solidFill>
               </a:rPr>
-              <a:t> </a:t>
-            </a:r>
-            <a:r>
-              <a:rPr lang="en" sz="1100">
-                <a:solidFill>
-                  <a:srgbClr val="FFFFFF"/>
-                </a:solidFill>
-              </a:rPr>
-              <a:t>and </a:t>
+              <a:t> and </a:t>
             </a:r>
             <a:r>
               <a:rPr b="1" lang="en" sz="1100">
@@ -8521,23 +8477,7 @@
                   <a:srgbClr val="222222"/>
                 </a:solidFill>
               </a:rPr>
-              <a:t> </a:t>
-            </a:r>
-            <a:r>
-              <a:rPr lang="en" sz="1100">
-                <a:solidFill>
-                  <a:srgbClr val="FFFFFF"/>
-                </a:solidFill>
-              </a:rPr>
-              <a:t>language, with</a:t>
-            </a:r>
-            <a:r>
-              <a:rPr lang="en" sz="1100">
-                <a:solidFill>
-                  <a:srgbClr val="222222"/>
-                </a:solidFill>
-              </a:rPr>
-              <a:t> </a:t>
+              <a:t> language, with </a:t>
             </a:r>
             <a:r>
               <a:rPr b="1" lang="en" sz="1100">
@@ -8553,27 +8493,19 @@
                   <a:srgbClr val="222222"/>
                 </a:solidFill>
               </a:rPr>
-              <a:t> </a:t>
-            </a:r>
-            <a:r>
-              <a:rPr lang="en" sz="1100">
-                <a:solidFill>
-                  <a:srgbClr val="FFFFFF"/>
-                </a:solidFill>
-              </a:rPr>
-              <a:t>capabilities, for</a:t>
+              <a:t> capabilities, for</a:t>
             </a:r>
             <a:br>
               <a:rPr lang="en" sz="1100">
                 <a:solidFill>
-                  <a:srgbClr val="FFFFFF"/>
+                  <a:srgbClr val="222222"/>
                 </a:solidFill>
               </a:rPr>
             </a:br>
             <a:r>
               <a:rPr lang="en" sz="1100">
                 <a:solidFill>
-                  <a:srgbClr val="FFFFFF"/>
+                  <a:srgbClr val="666666"/>
                 </a:solidFill>
               </a:rPr>
               <a:t>the Java platform aimed at multiplying developers’ productivity thanks to a concise, </a:t>
@@ -8581,7 +8513,7 @@
             <a:r>
               <a:rPr b="1" lang="en" sz="1100">
                 <a:solidFill>
-                  <a:srgbClr val="222222"/>
+                  <a:srgbClr val="666666"/>
                 </a:solidFill>
               </a:rPr>
               <a:t>familiar and easy to learn syntax</a:t>
@@ -8589,38 +8521,22 @@
             <a:r>
               <a:rPr lang="en" sz="1100">
                 <a:solidFill>
-                  <a:srgbClr val="FFFFFF"/>
+                  <a:srgbClr val="666666"/>
                 </a:solidFill>
               </a:rPr>
-              <a:t>.</a:t>
-            </a:r>
-            <a:r>
-              <a:rPr lang="en" sz="1100">
-                <a:solidFill>
-                  <a:srgbClr val="222222"/>
-                </a:solidFill>
-              </a:rPr>
-              <a:t> </a:t>
-            </a:r>
-            <a:r>
-              <a:rPr lang="en" sz="1100">
-                <a:solidFill>
-                  <a:srgbClr val="FFFFFF"/>
-                </a:solidFill>
-              </a:rPr>
-              <a:t>It</a:t>
+              <a:t>. It</a:t>
             </a:r>
             <a:br>
               <a:rPr lang="en" sz="1100">
                 <a:solidFill>
-                  <a:srgbClr val="FFFFFF"/>
+                  <a:srgbClr val="222222"/>
                 </a:solidFill>
               </a:rPr>
             </a:br>
             <a:r>
               <a:rPr lang="en" sz="1100">
                 <a:solidFill>
-                  <a:srgbClr val="FFFFFF"/>
+                  <a:srgbClr val="B7B7B7"/>
                 </a:solidFill>
               </a:rPr>
               <a:t>integrates smoothly with any Java program, and immediately delivers to your application powerful features, including scripting</a:t>
@@ -8628,14 +8544,14 @@
             <a:br>
               <a:rPr lang="en" sz="1100">
                 <a:solidFill>
-                  <a:srgbClr val="FFFFFF"/>
+                  <a:srgbClr val="222222"/>
                 </a:solidFill>
               </a:rPr>
             </a:br>
             <a:r>
               <a:rPr lang="en" sz="1100">
                 <a:solidFill>
-                  <a:srgbClr val="FFFFFF"/>
+                  <a:srgbClr val="D9D9D9"/>
                 </a:solidFill>
               </a:rPr>
               <a:t>capabilities, </a:t>
@@ -8643,7 +8559,7 @@
             <a:r>
               <a:rPr b="1" lang="en" sz="1100">
                 <a:solidFill>
-                  <a:srgbClr val="222222"/>
+                  <a:srgbClr val="D9D9D9"/>
                 </a:solidFill>
               </a:rPr>
               <a:t>Domain-Specific Language</a:t>
@@ -8651,31 +8567,15 @@
             <a:r>
               <a:rPr lang="en" sz="1100">
                 <a:solidFill>
-                  <a:srgbClr val="222222"/>
+                  <a:srgbClr val="D9D9D9"/>
                 </a:solidFill>
               </a:rPr>
-              <a:t> </a:t>
-            </a:r>
-            <a:r>
-              <a:rPr lang="en" sz="1100">
-                <a:solidFill>
-                  <a:srgbClr val="FFFFFF"/>
-                </a:solidFill>
-              </a:rPr>
-              <a:t>authoring, runtime and compile-time</a:t>
-            </a:r>
-            <a:r>
-              <a:rPr lang="en" sz="1100">
-                <a:solidFill>
-                  <a:srgbClr val="222222"/>
-                </a:solidFill>
-              </a:rPr>
-              <a:t> </a:t>
+              <a:t> authoring, runtime and compile-time </a:t>
             </a:r>
             <a:r>
               <a:rPr b="1" lang="en" sz="1100">
                 <a:solidFill>
-                  <a:srgbClr val="222222"/>
+                  <a:srgbClr val="D9D9D9"/>
                 </a:solidFill>
               </a:rPr>
               <a:t>meta-programming</a:t>
@@ -8683,23 +8583,15 @@
             <a:r>
               <a:rPr lang="en" sz="1100">
                 <a:solidFill>
-                  <a:srgbClr val="222222"/>
+                  <a:srgbClr val="D9D9D9"/>
                 </a:solidFill>
               </a:rPr>
-              <a:t> </a:t>
-            </a:r>
-            <a:r>
-              <a:rPr lang="en" sz="1100">
-                <a:solidFill>
-                  <a:srgbClr val="FFFFFF"/>
-                </a:solidFill>
-              </a:rPr>
-              <a:t>and </a:t>
+              <a:t> and </a:t>
             </a:r>
             <a:r>
               <a:rPr b="1" lang="en" sz="1100">
                 <a:solidFill>
-                  <a:srgbClr val="222222"/>
+                  <a:srgbClr val="D9D9D9"/>
                 </a:solidFill>
               </a:rPr>
               <a:t>functional</a:t>
@@ -8707,45 +8599,19 @@
             <a:br>
               <a:rPr b="1" lang="en" sz="1100">
                 <a:solidFill>
-                  <a:srgbClr val="FFFFFF"/>
+                  <a:srgbClr val="222222"/>
                 </a:solidFill>
               </a:rPr>
             </a:br>
             <a:r>
               <a:rPr lang="en" sz="1100">
                 <a:solidFill>
-                  <a:srgbClr val="FFFFFF"/>
+                  <a:srgbClr val="F3F3F3"/>
                 </a:solidFill>
               </a:rPr>
               <a:t>programming.</a:t>
             </a:r>
           </a:p>
-        </p:txBody>
-      </p:sp>
-      <p:sp>
-        <p:nvSpPr>
-          <p:cNvPr id="199" name="Shape 199"/>
-          <p:cNvSpPr txBox="1"/>
-          <p:nvPr/>
-        </p:nvSpPr>
-        <p:spPr>
-          <a:xfrm>
-            <a:off x="457200" y="1232150"/>
-            <a:ext cx="8229600" cy="1170599"/>
-          </a:xfrm>
-          <a:prstGeom prst="rect">
-            <a:avLst/>
-          </a:prstGeom>
-          <a:noFill/>
-          <a:ln>
-            <a:noFill/>
-          </a:ln>
-        </p:spPr>
-        <p:txBody>
-          <a:bodyPr anchorCtr="0" anchor="ctr" bIns="91425" lIns="91425" rIns="91425" tIns="91425">
-            <a:noAutofit/>
-          </a:bodyPr>
-          <a:lstStyle/>
           <a:p>
             <a:pPr lvl="0" rtl="0">
               <a:spcBef>
@@ -8754,432 +8620,29 @@
               <a:buNone/>
             </a:pPr>
             <a:r>
-              <a:rPr b="1" lang="en" sz="1100">
-                <a:solidFill>
-                  <a:srgbClr val="980000"/>
-                </a:solidFill>
-                <a:latin typeface="Comic Sans MS"/>
-                <a:ea typeface="Comic Sans MS"/>
-                <a:cs typeface="Comic Sans MS"/>
-                <a:sym typeface="Comic Sans MS"/>
+              <a:t/>
+            </a:r>
+            <a:endParaRPr sz="1100">
+              <a:solidFill>
+                <a:srgbClr val="222222"/>
+              </a:solidFill>
+            </a:endParaRPr>
+          </a:p>
+          <a:p>
+            <a:pPr lvl="0" rtl="0">
+              <a:spcBef>
+                <a:spcPts val="0"/>
+              </a:spcBef>
+              <a:buNone/>
+            </a:pPr>
+            <a:r>
+              <a:rPr lang="en" sz="1100" u="sng">
+                <a:solidFill>
+                  <a:schemeClr val="hlink"/>
+                </a:solidFill>
+                <a:hlinkClick r:id="rId4"/>
               </a:rPr>
-              <a:t>Groovy</a:t>
-            </a:r>
-            <a:r>
-              <a:rPr lang="en" sz="1100">
-                <a:solidFill>
-                  <a:srgbClr val="980000"/>
-                </a:solidFill>
-                <a:latin typeface="Comic Sans MS"/>
-                <a:ea typeface="Comic Sans MS"/>
-                <a:cs typeface="Comic Sans MS"/>
-                <a:sym typeface="Comic Sans MS"/>
-              </a:rPr>
-              <a:t> </a:t>
-            </a:r>
-            <a:r>
-              <a:rPr lang="en" sz="1100">
-                <a:solidFill>
-                  <a:srgbClr val="FFFFFF"/>
-                </a:solidFill>
-                <a:latin typeface="Comic Sans MS"/>
-                <a:ea typeface="Comic Sans MS"/>
-                <a:cs typeface="Comic Sans MS"/>
-                <a:sym typeface="Comic Sans MS"/>
-              </a:rPr>
-              <a:t>is a </a:t>
-            </a:r>
-            <a:r>
-              <a:rPr b="1" lang="en" sz="1100">
-                <a:solidFill>
-                  <a:srgbClr val="FF0000"/>
-                </a:solidFill>
-                <a:latin typeface="Comic Sans MS"/>
-                <a:ea typeface="Comic Sans MS"/>
-                <a:cs typeface="Comic Sans MS"/>
-                <a:sym typeface="Comic Sans MS"/>
-              </a:rPr>
-              <a:t>powerful</a:t>
-            </a:r>
-            <a:r>
-              <a:rPr lang="en" sz="1100">
-                <a:solidFill>
-                  <a:srgbClr val="FF0000"/>
-                </a:solidFill>
-                <a:latin typeface="Comic Sans MS"/>
-                <a:ea typeface="Comic Sans MS"/>
-                <a:cs typeface="Comic Sans MS"/>
-                <a:sym typeface="Comic Sans MS"/>
-              </a:rPr>
-              <a:t>, </a:t>
-            </a:r>
-            <a:r>
-              <a:rPr b="1" lang="en" sz="1100">
-                <a:solidFill>
-                  <a:srgbClr val="FF0000"/>
-                </a:solidFill>
-                <a:latin typeface="Comic Sans MS"/>
-                <a:ea typeface="Comic Sans MS"/>
-                <a:cs typeface="Comic Sans MS"/>
-                <a:sym typeface="Comic Sans MS"/>
-              </a:rPr>
-              <a:t>optionally typed</a:t>
-            </a:r>
-            <a:r>
-              <a:rPr lang="en" sz="1100">
-                <a:solidFill>
-                  <a:srgbClr val="222222"/>
-                </a:solidFill>
-                <a:latin typeface="Comic Sans MS"/>
-                <a:ea typeface="Comic Sans MS"/>
-                <a:cs typeface="Comic Sans MS"/>
-                <a:sym typeface="Comic Sans MS"/>
-              </a:rPr>
-              <a:t> </a:t>
-            </a:r>
-            <a:r>
-              <a:rPr lang="en" sz="1100">
-                <a:solidFill>
-                  <a:srgbClr val="FFFFFF"/>
-                </a:solidFill>
-                <a:latin typeface="Comic Sans MS"/>
-                <a:ea typeface="Comic Sans MS"/>
-                <a:cs typeface="Comic Sans MS"/>
-                <a:sym typeface="Comic Sans MS"/>
-              </a:rPr>
-              <a:t>and </a:t>
-            </a:r>
-            <a:r>
-              <a:rPr b="1" lang="en" sz="1100">
-                <a:solidFill>
-                  <a:srgbClr val="FF9900"/>
-                </a:solidFill>
-                <a:latin typeface="Comic Sans MS"/>
-                <a:ea typeface="Comic Sans MS"/>
-                <a:cs typeface="Comic Sans MS"/>
-                <a:sym typeface="Comic Sans MS"/>
-              </a:rPr>
-              <a:t>dynamic</a:t>
-            </a:r>
-            <a:r>
-              <a:rPr lang="en" sz="1100">
-                <a:solidFill>
-                  <a:srgbClr val="FF9900"/>
-                </a:solidFill>
-                <a:latin typeface="Comic Sans MS"/>
-                <a:ea typeface="Comic Sans MS"/>
-                <a:cs typeface="Comic Sans MS"/>
-                <a:sym typeface="Comic Sans MS"/>
-              </a:rPr>
-              <a:t> </a:t>
-            </a:r>
-            <a:r>
-              <a:rPr lang="en" sz="1100">
-                <a:solidFill>
-                  <a:srgbClr val="FFFFFF"/>
-                </a:solidFill>
-                <a:latin typeface="Comic Sans MS"/>
-                <a:ea typeface="Comic Sans MS"/>
-                <a:cs typeface="Comic Sans MS"/>
-                <a:sym typeface="Comic Sans MS"/>
-              </a:rPr>
-              <a:t>language, with</a:t>
-            </a:r>
-            <a:r>
-              <a:rPr lang="en" sz="1100">
-                <a:solidFill>
-                  <a:srgbClr val="222222"/>
-                </a:solidFill>
-                <a:latin typeface="Comic Sans MS"/>
-                <a:ea typeface="Comic Sans MS"/>
-                <a:cs typeface="Comic Sans MS"/>
-                <a:sym typeface="Comic Sans MS"/>
-              </a:rPr>
-              <a:t> </a:t>
-            </a:r>
-            <a:r>
-              <a:rPr b="1" lang="en" sz="1100">
-                <a:solidFill>
-                  <a:srgbClr val="00FF00"/>
-                </a:solidFill>
-                <a:latin typeface="Comic Sans MS"/>
-                <a:ea typeface="Comic Sans MS"/>
-                <a:cs typeface="Comic Sans MS"/>
-                <a:sym typeface="Comic Sans MS"/>
-              </a:rPr>
-              <a:t>static-typing and static compilation</a:t>
-            </a:r>
-            <a:r>
-              <a:rPr lang="en" sz="1100">
-                <a:solidFill>
-                  <a:srgbClr val="222222"/>
-                </a:solidFill>
-                <a:latin typeface="Comic Sans MS"/>
-                <a:ea typeface="Comic Sans MS"/>
-                <a:cs typeface="Comic Sans MS"/>
-                <a:sym typeface="Comic Sans MS"/>
-              </a:rPr>
-              <a:t> </a:t>
-            </a:r>
-            <a:r>
-              <a:rPr lang="en" sz="1100">
-                <a:solidFill>
-                  <a:srgbClr val="FFFFFF"/>
-                </a:solidFill>
-                <a:latin typeface="Comic Sans MS"/>
-                <a:ea typeface="Comic Sans MS"/>
-                <a:cs typeface="Comic Sans MS"/>
-                <a:sym typeface="Comic Sans MS"/>
-              </a:rPr>
-              <a:t>capabilities, for</a:t>
-            </a:r>
-            <a:br>
-              <a:rPr lang="en" sz="1100">
-                <a:solidFill>
-                  <a:srgbClr val="FFFFFF"/>
-                </a:solidFill>
-                <a:latin typeface="Comic Sans MS"/>
-                <a:ea typeface="Comic Sans MS"/>
-                <a:cs typeface="Comic Sans MS"/>
-                <a:sym typeface="Comic Sans MS"/>
-              </a:rPr>
-            </a:br>
-            <a:r>
-              <a:rPr lang="en" sz="1100">
-                <a:solidFill>
-                  <a:srgbClr val="FFFFFF"/>
-                </a:solidFill>
-                <a:latin typeface="Comic Sans MS"/>
-                <a:ea typeface="Comic Sans MS"/>
-                <a:cs typeface="Comic Sans MS"/>
-                <a:sym typeface="Comic Sans MS"/>
-              </a:rPr>
-              <a:t>the Java platform aimed at multiplying developers’ productivity thanks to a concise,</a:t>
-            </a:r>
-            <a:r>
-              <a:rPr lang="en" sz="1100">
-                <a:solidFill>
-                  <a:srgbClr val="00FFFF"/>
-                </a:solidFill>
-                <a:latin typeface="Comic Sans MS"/>
-                <a:ea typeface="Comic Sans MS"/>
-                <a:cs typeface="Comic Sans MS"/>
-                <a:sym typeface="Comic Sans MS"/>
-              </a:rPr>
-              <a:t> </a:t>
-            </a:r>
-            <a:r>
-              <a:rPr b="1" lang="en" sz="1100">
-                <a:solidFill>
-                  <a:srgbClr val="00FFFF"/>
-                </a:solidFill>
-                <a:latin typeface="Comic Sans MS"/>
-                <a:ea typeface="Comic Sans MS"/>
-                <a:cs typeface="Comic Sans MS"/>
-                <a:sym typeface="Comic Sans MS"/>
-              </a:rPr>
-              <a:t>familiar and easy to learn syntax</a:t>
-            </a:r>
-            <a:r>
-              <a:rPr lang="en" sz="1100">
-                <a:solidFill>
-                  <a:srgbClr val="00FFFF"/>
-                </a:solidFill>
-                <a:latin typeface="Comic Sans MS"/>
-                <a:ea typeface="Comic Sans MS"/>
-                <a:cs typeface="Comic Sans MS"/>
-                <a:sym typeface="Comic Sans MS"/>
-              </a:rPr>
-              <a:t>.</a:t>
-            </a:r>
-            <a:r>
-              <a:rPr lang="en" sz="1100">
-                <a:solidFill>
-                  <a:srgbClr val="222222"/>
-                </a:solidFill>
-                <a:latin typeface="Comic Sans MS"/>
-                <a:ea typeface="Comic Sans MS"/>
-                <a:cs typeface="Comic Sans MS"/>
-                <a:sym typeface="Comic Sans MS"/>
-              </a:rPr>
-              <a:t> </a:t>
-            </a:r>
-            <a:r>
-              <a:rPr lang="en" sz="1100">
-                <a:solidFill>
-                  <a:srgbClr val="FFFFFF"/>
-                </a:solidFill>
-                <a:latin typeface="Comic Sans MS"/>
-                <a:ea typeface="Comic Sans MS"/>
-                <a:cs typeface="Comic Sans MS"/>
-                <a:sym typeface="Comic Sans MS"/>
-              </a:rPr>
-              <a:t>It</a:t>
-            </a:r>
-            <a:br>
-              <a:rPr lang="en" sz="1100">
-                <a:solidFill>
-                  <a:srgbClr val="FFFFFF"/>
-                </a:solidFill>
-                <a:latin typeface="Comic Sans MS"/>
-                <a:ea typeface="Comic Sans MS"/>
-                <a:cs typeface="Comic Sans MS"/>
-                <a:sym typeface="Comic Sans MS"/>
-              </a:rPr>
-            </a:br>
-            <a:r>
-              <a:rPr lang="en" sz="1100">
-                <a:solidFill>
-                  <a:srgbClr val="FFFFFF"/>
-                </a:solidFill>
-                <a:latin typeface="Comic Sans MS"/>
-                <a:ea typeface="Comic Sans MS"/>
-                <a:cs typeface="Comic Sans MS"/>
-                <a:sym typeface="Comic Sans MS"/>
-              </a:rPr>
-              <a:t>integrates smoothly with any Java program, and immediately delivers to your application powerful features, including scripting</a:t>
-            </a:r>
-            <a:br>
-              <a:rPr lang="en" sz="1100">
-                <a:solidFill>
-                  <a:srgbClr val="FFFFFF"/>
-                </a:solidFill>
-                <a:latin typeface="Comic Sans MS"/>
-                <a:ea typeface="Comic Sans MS"/>
-                <a:cs typeface="Comic Sans MS"/>
-                <a:sym typeface="Comic Sans MS"/>
-              </a:rPr>
-            </a:br>
-            <a:r>
-              <a:rPr lang="en" sz="1100">
-                <a:solidFill>
-                  <a:srgbClr val="FFFFFF"/>
-                </a:solidFill>
-                <a:latin typeface="Comic Sans MS"/>
-                <a:ea typeface="Comic Sans MS"/>
-                <a:cs typeface="Comic Sans MS"/>
-                <a:sym typeface="Comic Sans MS"/>
-              </a:rPr>
-              <a:t>capabilities, </a:t>
-            </a:r>
-            <a:r>
-              <a:rPr b="1" lang="en" sz="1100">
-                <a:solidFill>
-                  <a:srgbClr val="4A86E8"/>
-                </a:solidFill>
-                <a:latin typeface="Comic Sans MS"/>
-                <a:ea typeface="Comic Sans MS"/>
-                <a:cs typeface="Comic Sans MS"/>
-                <a:sym typeface="Comic Sans MS"/>
-              </a:rPr>
-              <a:t>Domain-Specific Language</a:t>
-            </a:r>
-            <a:r>
-              <a:rPr lang="en" sz="1100">
-                <a:solidFill>
-                  <a:srgbClr val="222222"/>
-                </a:solidFill>
-                <a:latin typeface="Comic Sans MS"/>
-                <a:ea typeface="Comic Sans MS"/>
-                <a:cs typeface="Comic Sans MS"/>
-                <a:sym typeface="Comic Sans MS"/>
-              </a:rPr>
-              <a:t> </a:t>
-            </a:r>
-            <a:r>
-              <a:rPr lang="en" sz="1100">
-                <a:solidFill>
-                  <a:srgbClr val="FFFFFF"/>
-                </a:solidFill>
-                <a:latin typeface="Comic Sans MS"/>
-                <a:ea typeface="Comic Sans MS"/>
-                <a:cs typeface="Comic Sans MS"/>
-                <a:sym typeface="Comic Sans MS"/>
-              </a:rPr>
-              <a:t>authoring, runtime and compile-time</a:t>
-            </a:r>
-            <a:r>
-              <a:rPr lang="en" sz="1100">
-                <a:solidFill>
-                  <a:srgbClr val="222222"/>
-                </a:solidFill>
-                <a:latin typeface="Comic Sans MS"/>
-                <a:ea typeface="Comic Sans MS"/>
-                <a:cs typeface="Comic Sans MS"/>
-                <a:sym typeface="Comic Sans MS"/>
-              </a:rPr>
-              <a:t> </a:t>
-            </a:r>
-            <a:r>
-              <a:rPr b="1" lang="en" sz="1100">
-                <a:solidFill>
-                  <a:srgbClr val="0000FF"/>
-                </a:solidFill>
-                <a:latin typeface="Comic Sans MS"/>
-                <a:ea typeface="Comic Sans MS"/>
-                <a:cs typeface="Comic Sans MS"/>
-                <a:sym typeface="Comic Sans MS"/>
-              </a:rPr>
-              <a:t>meta-programming</a:t>
-            </a:r>
-            <a:r>
-              <a:rPr lang="en" sz="1100">
-                <a:solidFill>
-                  <a:srgbClr val="0000FF"/>
-                </a:solidFill>
-                <a:latin typeface="Comic Sans MS"/>
-                <a:ea typeface="Comic Sans MS"/>
-                <a:cs typeface="Comic Sans MS"/>
-                <a:sym typeface="Comic Sans MS"/>
-              </a:rPr>
-              <a:t> </a:t>
-            </a:r>
-            <a:r>
-              <a:rPr lang="en" sz="1100">
-                <a:solidFill>
-                  <a:srgbClr val="FFFFFF"/>
-                </a:solidFill>
-                <a:latin typeface="Comic Sans MS"/>
-                <a:ea typeface="Comic Sans MS"/>
-                <a:cs typeface="Comic Sans MS"/>
-                <a:sym typeface="Comic Sans MS"/>
-              </a:rPr>
-              <a:t>and </a:t>
-            </a:r>
-            <a:r>
-              <a:rPr b="1" lang="en" sz="1100">
-                <a:solidFill>
-                  <a:srgbClr val="9900FF"/>
-                </a:solidFill>
-                <a:latin typeface="Comic Sans MS"/>
-                <a:ea typeface="Comic Sans MS"/>
-                <a:cs typeface="Comic Sans MS"/>
-                <a:sym typeface="Comic Sans MS"/>
-              </a:rPr>
-              <a:t>functional</a:t>
-            </a:r>
-            <a:br>
-              <a:rPr b="1" lang="en" sz="1100">
-                <a:solidFill>
-                  <a:srgbClr val="FFFFFF"/>
-                </a:solidFill>
-                <a:latin typeface="Comic Sans MS"/>
-                <a:ea typeface="Comic Sans MS"/>
-                <a:cs typeface="Comic Sans MS"/>
-                <a:sym typeface="Comic Sans MS"/>
-              </a:rPr>
-            </a:br>
-            <a:r>
-              <a:rPr lang="en" sz="1100">
-                <a:solidFill>
-                  <a:srgbClr val="FFFFFF"/>
-                </a:solidFill>
-                <a:latin typeface="Comic Sans MS"/>
-                <a:ea typeface="Comic Sans MS"/>
-                <a:cs typeface="Comic Sans MS"/>
-                <a:sym typeface="Comic Sans MS"/>
-              </a:rPr>
-              <a:t>programming.</a:t>
+              <a:t>http://www.groovy-lang.org/</a:t>
             </a:r>
           </a:p>
         </p:txBody>
@@ -9189,267 +8652,6 @@
           <p:cNvPr id="200" name="Shape 200"/>
           <p:cNvSpPr txBox="1"/>
           <p:nvPr>
-            <p:ph idx="1" type="body"/>
-          </p:nvPr>
-        </p:nvSpPr>
-        <p:spPr>
-          <a:xfrm>
-            <a:off x="457200" y="1200150"/>
-            <a:ext cx="8229600" cy="1316099"/>
-          </a:xfrm>
-          <a:prstGeom prst="rect">
-            <a:avLst/>
-          </a:prstGeom>
-        </p:spPr>
-        <p:txBody>
-          <a:bodyPr anchorCtr="0" anchor="t" bIns="91425" lIns="91425" rIns="91425" tIns="91425">
-            <a:noAutofit/>
-          </a:bodyPr>
-          <a:lstStyle/>
-          <a:p>
-            <a:pPr lvl="0" rtl="0">
-              <a:spcBef>
-                <a:spcPts val="0"/>
-              </a:spcBef>
-              <a:buNone/>
-            </a:pPr>
-            <a:r>
-              <a:rPr b="1" lang="en" sz="1100">
-                <a:solidFill>
-                  <a:srgbClr val="222222"/>
-                </a:solidFill>
-              </a:rPr>
-              <a:t>Groovy</a:t>
-            </a:r>
-            <a:r>
-              <a:rPr lang="en" sz="1100">
-                <a:solidFill>
-                  <a:srgbClr val="222222"/>
-                </a:solidFill>
-              </a:rPr>
-              <a:t> is a </a:t>
-            </a:r>
-            <a:r>
-              <a:rPr b="1" lang="en" sz="1100">
-                <a:solidFill>
-                  <a:srgbClr val="222222"/>
-                </a:solidFill>
-              </a:rPr>
-              <a:t>powerful</a:t>
-            </a:r>
-            <a:r>
-              <a:rPr lang="en" sz="1100">
-                <a:solidFill>
-                  <a:srgbClr val="222222"/>
-                </a:solidFill>
-              </a:rPr>
-              <a:t>, </a:t>
-            </a:r>
-            <a:r>
-              <a:rPr b="1" lang="en" sz="1100">
-                <a:solidFill>
-                  <a:srgbClr val="222222"/>
-                </a:solidFill>
-              </a:rPr>
-              <a:t>optionally typed</a:t>
-            </a:r>
-            <a:r>
-              <a:rPr lang="en" sz="1100">
-                <a:solidFill>
-                  <a:srgbClr val="222222"/>
-                </a:solidFill>
-              </a:rPr>
-              <a:t> and </a:t>
-            </a:r>
-            <a:r>
-              <a:rPr b="1" lang="en" sz="1100">
-                <a:solidFill>
-                  <a:srgbClr val="222222"/>
-                </a:solidFill>
-              </a:rPr>
-              <a:t>dynamic</a:t>
-            </a:r>
-            <a:r>
-              <a:rPr lang="en" sz="1100">
-                <a:solidFill>
-                  <a:srgbClr val="222222"/>
-                </a:solidFill>
-              </a:rPr>
-              <a:t> language, with </a:t>
-            </a:r>
-            <a:r>
-              <a:rPr b="1" lang="en" sz="1100">
-                <a:solidFill>
-                  <a:srgbClr val="222222"/>
-                </a:solidFill>
-              </a:rPr>
-              <a:t>static-typing and static compilation</a:t>
-            </a:r>
-            <a:r>
-              <a:rPr lang="en" sz="1100">
-                <a:solidFill>
-                  <a:srgbClr val="222222"/>
-                </a:solidFill>
-              </a:rPr>
-              <a:t> capabilities, for</a:t>
-            </a:r>
-            <a:br>
-              <a:rPr lang="en" sz="1100">
-                <a:solidFill>
-                  <a:srgbClr val="222222"/>
-                </a:solidFill>
-              </a:rPr>
-            </a:br>
-            <a:r>
-              <a:rPr lang="en" sz="1100">
-                <a:solidFill>
-                  <a:srgbClr val="666666"/>
-                </a:solidFill>
-              </a:rPr>
-              <a:t>the Java platform aimed at multiplying developers’ productivity thanks to a concise, </a:t>
-            </a:r>
-            <a:r>
-              <a:rPr b="1" lang="en" sz="1100">
-                <a:solidFill>
-                  <a:srgbClr val="666666"/>
-                </a:solidFill>
-              </a:rPr>
-              <a:t>familiar and easy to learn syntax</a:t>
-            </a:r>
-            <a:r>
-              <a:rPr lang="en" sz="1100">
-                <a:solidFill>
-                  <a:srgbClr val="666666"/>
-                </a:solidFill>
-              </a:rPr>
-              <a:t>. It</a:t>
-            </a:r>
-            <a:br>
-              <a:rPr lang="en" sz="1100">
-                <a:solidFill>
-                  <a:srgbClr val="222222"/>
-                </a:solidFill>
-              </a:rPr>
-            </a:br>
-            <a:r>
-              <a:rPr lang="en" sz="1100">
-                <a:solidFill>
-                  <a:srgbClr val="B7B7B7"/>
-                </a:solidFill>
-              </a:rPr>
-              <a:t>integrates smoothly with any Java program, and immediately delivers to your application powerful features, including scripting</a:t>
-            </a:r>
-            <a:br>
-              <a:rPr lang="en" sz="1100">
-                <a:solidFill>
-                  <a:srgbClr val="222222"/>
-                </a:solidFill>
-              </a:rPr>
-            </a:br>
-            <a:r>
-              <a:rPr lang="en" sz="1100">
-                <a:solidFill>
-                  <a:srgbClr val="D9D9D9"/>
-                </a:solidFill>
-              </a:rPr>
-              <a:t>capabilities, </a:t>
-            </a:r>
-            <a:r>
-              <a:rPr b="1" lang="en" sz="1100">
-                <a:solidFill>
-                  <a:srgbClr val="D9D9D9"/>
-                </a:solidFill>
-              </a:rPr>
-              <a:t>Domain-Specific Language</a:t>
-            </a:r>
-            <a:r>
-              <a:rPr lang="en" sz="1100">
-                <a:solidFill>
-                  <a:srgbClr val="D9D9D9"/>
-                </a:solidFill>
-              </a:rPr>
-              <a:t> authoring, runtime and compile-time </a:t>
-            </a:r>
-            <a:r>
-              <a:rPr b="1" lang="en" sz="1100">
-                <a:solidFill>
-                  <a:srgbClr val="D9D9D9"/>
-                </a:solidFill>
-              </a:rPr>
-              <a:t>meta-programming</a:t>
-            </a:r>
-            <a:r>
-              <a:rPr lang="en" sz="1100">
-                <a:solidFill>
-                  <a:srgbClr val="D9D9D9"/>
-                </a:solidFill>
-              </a:rPr>
-              <a:t> and </a:t>
-            </a:r>
-            <a:r>
-              <a:rPr b="1" lang="en" sz="1100">
-                <a:solidFill>
-                  <a:srgbClr val="D9D9D9"/>
-                </a:solidFill>
-              </a:rPr>
-              <a:t>functional</a:t>
-            </a:r>
-            <a:br>
-              <a:rPr b="1" lang="en" sz="1100">
-                <a:solidFill>
-                  <a:srgbClr val="222222"/>
-                </a:solidFill>
-              </a:rPr>
-            </a:br>
-            <a:r>
-              <a:rPr lang="en" sz="1100">
-                <a:solidFill>
-                  <a:srgbClr val="F3F3F3"/>
-                </a:solidFill>
-              </a:rPr>
-              <a:t>programming.</a:t>
-            </a:r>
-          </a:p>
-          <a:p>
-            <a:pPr lvl="0" rtl="0">
-              <a:spcBef>
-                <a:spcPts val="0"/>
-              </a:spcBef>
-              <a:buNone/>
-            </a:pPr>
-            <a:r>
-              <a:t/>
-            </a:r>
-            <a:endParaRPr sz="1100">
-              <a:solidFill>
-                <a:srgbClr val="222222"/>
-              </a:solidFill>
-            </a:endParaRPr>
-          </a:p>
-          <a:p>
-            <a:pPr lvl="0" rtl="0">
-              <a:spcBef>
-                <a:spcPts val="0"/>
-              </a:spcBef>
-              <a:buNone/>
-            </a:pPr>
-            <a:r>
-              <a:rPr lang="en" sz="1100" u="sng">
-                <a:solidFill>
-                  <a:schemeClr val="hlink"/>
-                </a:solidFill>
-                <a:hlinkClick r:id="rId3"/>
-              </a:rPr>
-              <a:t>http://www.groovy-lang.org/</a:t>
-            </a:r>
-          </a:p>
-        </p:txBody>
-      </p:sp>
-      <p:sp>
-        <p:nvSpPr>
-          <p:cNvPr id="201" name="Shape 201"/>
-          <p:cNvSpPr txBox="1"/>
-          <p:nvPr>
             <p:ph idx="2" type="body"/>
           </p:nvPr>
         </p:nvSpPr>
@@ -9702,9 +8904,319 @@
                 <a:solidFill>
                   <a:schemeClr val="hlink"/>
                 </a:solidFill>
-                <a:hlinkClick r:id="rId4"/>
+                <a:hlinkClick r:id="rId5"/>
               </a:rPr>
               <a:t>http://www.groovy-lang.org/</a:t>
+            </a:r>
+          </a:p>
+        </p:txBody>
+      </p:sp>
+      <p:sp>
+        <p:nvSpPr>
+          <p:cNvPr id="201" name="Shape 201"/>
+          <p:cNvSpPr txBox="1"/>
+          <p:nvPr/>
+        </p:nvSpPr>
+        <p:spPr>
+          <a:xfrm>
+            <a:off x="457200" y="1200150"/>
+            <a:ext cx="8229600" cy="1170599"/>
+          </a:xfrm>
+          <a:prstGeom prst="rect">
+            <a:avLst/>
+          </a:prstGeom>
+          <a:noFill/>
+          <a:ln>
+            <a:noFill/>
+          </a:ln>
+        </p:spPr>
+        <p:txBody>
+          <a:bodyPr anchorCtr="0" anchor="ctr" bIns="91425" lIns="91425" rIns="91425" tIns="91425">
+            <a:noAutofit/>
+          </a:bodyPr>
+          <a:lstStyle/>
+          <a:p>
+            <a:pPr lvl="0" rtl="0">
+              <a:spcBef>
+                <a:spcPts val="0"/>
+              </a:spcBef>
+              <a:buNone/>
+            </a:pPr>
+            <a:r>
+              <a:rPr b="1" lang="en" sz="1100">
+                <a:solidFill>
+                  <a:srgbClr val="222222"/>
+                </a:solidFill>
+              </a:rPr>
+              <a:t>Groovy</a:t>
+            </a:r>
+            <a:r>
+              <a:rPr lang="en" sz="1100">
+                <a:solidFill>
+                  <a:srgbClr val="222222"/>
+                </a:solidFill>
+              </a:rPr>
+              <a:t> </a:t>
+            </a:r>
+            <a:r>
+              <a:rPr lang="en" sz="1100">
+                <a:solidFill>
+                  <a:srgbClr val="FFFFFF"/>
+                </a:solidFill>
+              </a:rPr>
+              <a:t>is a </a:t>
+            </a:r>
+            <a:r>
+              <a:rPr b="1" lang="en" sz="1100">
+                <a:solidFill>
+                  <a:srgbClr val="222222"/>
+                </a:solidFill>
+              </a:rPr>
+              <a:t>powerful</a:t>
+            </a:r>
+            <a:r>
+              <a:rPr lang="en" sz="1100">
+                <a:solidFill>
+                  <a:srgbClr val="222222"/>
+                </a:solidFill>
+              </a:rPr>
+              <a:t>, </a:t>
+            </a:r>
+            <a:r>
+              <a:rPr b="1" lang="en" sz="1100">
+                <a:solidFill>
+                  <a:srgbClr val="222222"/>
+                </a:solidFill>
+              </a:rPr>
+              <a:t>optionally typed</a:t>
+            </a:r>
+            <a:r>
+              <a:rPr lang="en" sz="1100">
+                <a:solidFill>
+                  <a:srgbClr val="222222"/>
+                </a:solidFill>
+              </a:rPr>
+              <a:t> </a:t>
+            </a:r>
+            <a:r>
+              <a:rPr lang="en" sz="1100">
+                <a:solidFill>
+                  <a:srgbClr val="FFFFFF"/>
+                </a:solidFill>
+              </a:rPr>
+              <a:t>and </a:t>
+            </a:r>
+            <a:r>
+              <a:rPr b="1" lang="en" sz="1100">
+                <a:solidFill>
+                  <a:srgbClr val="222222"/>
+                </a:solidFill>
+              </a:rPr>
+              <a:t>dynamic</a:t>
+            </a:r>
+            <a:r>
+              <a:rPr lang="en" sz="1100">
+                <a:solidFill>
+                  <a:srgbClr val="222222"/>
+                </a:solidFill>
+              </a:rPr>
+              <a:t> </a:t>
+            </a:r>
+            <a:r>
+              <a:rPr lang="en" sz="1100">
+                <a:solidFill>
+                  <a:srgbClr val="FFFFFF"/>
+                </a:solidFill>
+              </a:rPr>
+              <a:t>language, with</a:t>
+            </a:r>
+            <a:r>
+              <a:rPr lang="en" sz="1100">
+                <a:solidFill>
+                  <a:srgbClr val="222222"/>
+                </a:solidFill>
+              </a:rPr>
+              <a:t> </a:t>
+            </a:r>
+            <a:r>
+              <a:rPr b="1" lang="en" sz="1100">
+                <a:solidFill>
+                  <a:srgbClr val="222222"/>
+                </a:solidFill>
+              </a:rPr>
+              <a:t>static-typing and static compilation</a:t>
+            </a:r>
+            <a:r>
+              <a:rPr lang="en" sz="1100">
+                <a:solidFill>
+                  <a:srgbClr val="222222"/>
+                </a:solidFill>
+              </a:rPr>
+              <a:t> </a:t>
+            </a:r>
+            <a:r>
+              <a:rPr lang="en" sz="1100">
+                <a:solidFill>
+                  <a:srgbClr val="FFFFFF"/>
+                </a:solidFill>
+              </a:rPr>
+              <a:t>capabilities, for</a:t>
+            </a:r>
+            <a:br>
+              <a:rPr lang="en" sz="1100">
+                <a:solidFill>
+                  <a:srgbClr val="FFFFFF"/>
+                </a:solidFill>
+              </a:rPr>
+            </a:br>
+            <a:r>
+              <a:rPr lang="en" sz="1100">
+                <a:solidFill>
+                  <a:srgbClr val="FFFFFF"/>
+                </a:solidFill>
+              </a:rPr>
+              <a:t>the Java platform aimed at multiplying developers’ productivity thanks to a concise, </a:t>
+            </a:r>
+            <a:r>
+              <a:rPr b="1" lang="en" sz="1100">
+                <a:solidFill>
+                  <a:srgbClr val="222222"/>
+                </a:solidFill>
+              </a:rPr>
+              <a:t>familiar and easy to learn syntax</a:t>
+            </a:r>
+            <a:r>
+              <a:rPr lang="en" sz="1100">
+                <a:solidFill>
+                  <a:srgbClr val="FFFFFF"/>
+                </a:solidFill>
+              </a:rPr>
+              <a:t>.</a:t>
+            </a:r>
+            <a:r>
+              <a:rPr lang="en" sz="1100">
+                <a:solidFill>
+                  <a:srgbClr val="222222"/>
+                </a:solidFill>
+              </a:rPr>
+              <a:t> </a:t>
+            </a:r>
+            <a:r>
+              <a:rPr lang="en" sz="1100">
+                <a:solidFill>
+                  <a:srgbClr val="FFFFFF"/>
+                </a:solidFill>
+              </a:rPr>
+              <a:t>It</a:t>
+            </a:r>
+            <a:br>
+              <a:rPr lang="en" sz="1100">
+                <a:solidFill>
+                  <a:srgbClr val="FFFFFF"/>
+                </a:solidFill>
+              </a:rPr>
+            </a:br>
+            <a:r>
+              <a:rPr lang="en" sz="1100">
+                <a:solidFill>
+                  <a:srgbClr val="FFFFFF"/>
+                </a:solidFill>
+              </a:rPr>
+              <a:t>integrates smoothly with any Java program, and immediately delivers to your application powerful features, including scripting</a:t>
+            </a:r>
+            <a:br>
+              <a:rPr lang="en" sz="1100">
+                <a:solidFill>
+                  <a:srgbClr val="FFFFFF"/>
+                </a:solidFill>
+              </a:rPr>
+            </a:br>
+            <a:r>
+              <a:rPr lang="en" sz="1100">
+                <a:solidFill>
+                  <a:srgbClr val="FFFFFF"/>
+                </a:solidFill>
+              </a:rPr>
+              <a:t>capabilities, </a:t>
+            </a:r>
+            <a:r>
+              <a:rPr b="1" lang="en" sz="1100">
+                <a:solidFill>
+                  <a:srgbClr val="222222"/>
+                </a:solidFill>
+              </a:rPr>
+              <a:t>Domain-Specific Language</a:t>
+            </a:r>
+            <a:r>
+              <a:rPr lang="en" sz="1100">
+                <a:solidFill>
+                  <a:srgbClr val="222222"/>
+                </a:solidFill>
+              </a:rPr>
+              <a:t> </a:t>
+            </a:r>
+            <a:r>
+              <a:rPr lang="en" sz="1100">
+                <a:solidFill>
+                  <a:srgbClr val="FFFFFF"/>
+                </a:solidFill>
+              </a:rPr>
+              <a:t>authoring, runtime and compile-time</a:t>
+            </a:r>
+            <a:r>
+              <a:rPr lang="en" sz="1100">
+                <a:solidFill>
+                  <a:srgbClr val="222222"/>
+                </a:solidFill>
+              </a:rPr>
+              <a:t> </a:t>
+            </a:r>
+            <a:r>
+              <a:rPr b="1" lang="en" sz="1100">
+                <a:solidFill>
+                  <a:srgbClr val="222222"/>
+                </a:solidFill>
+              </a:rPr>
+              <a:t>meta-programming</a:t>
+            </a:r>
+            <a:r>
+              <a:rPr lang="en" sz="1100">
+                <a:solidFill>
+                  <a:srgbClr val="222222"/>
+                </a:solidFill>
+              </a:rPr>
+              <a:t> </a:t>
+            </a:r>
+            <a:r>
+              <a:rPr lang="en" sz="1100">
+                <a:solidFill>
+                  <a:srgbClr val="FFFFFF"/>
+                </a:solidFill>
+              </a:rPr>
+              <a:t>and </a:t>
+            </a:r>
+            <a:r>
+              <a:rPr b="1" lang="en" sz="1100">
+                <a:solidFill>
+                  <a:srgbClr val="222222"/>
+                </a:solidFill>
+              </a:rPr>
+              <a:t>functional</a:t>
+            </a:r>
+            <a:br>
+              <a:rPr b="1" lang="en" sz="1100">
+                <a:solidFill>
+                  <a:srgbClr val="FFFFFF"/>
+                </a:solidFill>
+              </a:rPr>
+            </a:br>
+            <a:r>
+              <a:rPr lang="en" sz="1100">
+                <a:solidFill>
+                  <a:srgbClr val="FFFFFF"/>
+                </a:solidFill>
+              </a:rPr>
+              <a:t>programming.</a:t>
             </a:r>
           </a:p>
         </p:txBody>
@@ -9713,6 +9225,470 @@
         <p:nvSpPr>
           <p:cNvPr id="202" name="Shape 202"/>
           <p:cNvSpPr txBox="1"/>
+          <p:nvPr/>
+        </p:nvSpPr>
+        <p:spPr>
+          <a:xfrm>
+            <a:off x="457200" y="1232150"/>
+            <a:ext cx="8229600" cy="1170599"/>
+          </a:xfrm>
+          <a:prstGeom prst="rect">
+            <a:avLst/>
+          </a:prstGeom>
+          <a:solidFill>
+            <a:srgbClr val="FFFFFF"/>
+          </a:solidFill>
+          <a:ln>
+            <a:noFill/>
+          </a:ln>
+        </p:spPr>
+        <p:txBody>
+          <a:bodyPr anchorCtr="0" anchor="ctr" bIns="91425" lIns="91425" rIns="91425" tIns="91425">
+            <a:noAutofit/>
+          </a:bodyPr>
+          <a:lstStyle/>
+          <a:p>
+            <a:pPr lvl="0" rtl="0">
+              <a:spcBef>
+                <a:spcPts val="0"/>
+              </a:spcBef>
+              <a:buNone/>
+            </a:pPr>
+            <a:r>
+              <a:rPr b="1" lang="en" sz="1100">
+                <a:solidFill>
+                  <a:srgbClr val="980000"/>
+                </a:solidFill>
+                <a:latin typeface="Comic Sans MS"/>
+                <a:ea typeface="Comic Sans MS"/>
+                <a:cs typeface="Comic Sans MS"/>
+                <a:sym typeface="Comic Sans MS"/>
+              </a:rPr>
+              <a:t>Groovy</a:t>
+            </a:r>
+            <a:r>
+              <a:rPr lang="en" sz="1100">
+                <a:solidFill>
+                  <a:srgbClr val="980000"/>
+                </a:solidFill>
+                <a:latin typeface="Comic Sans MS"/>
+                <a:ea typeface="Comic Sans MS"/>
+                <a:cs typeface="Comic Sans MS"/>
+                <a:sym typeface="Comic Sans MS"/>
+              </a:rPr>
+              <a:t> </a:t>
+            </a:r>
+            <a:r>
+              <a:rPr lang="en" sz="1100">
+                <a:solidFill>
+                  <a:srgbClr val="FFFFFF"/>
+                </a:solidFill>
+                <a:latin typeface="Comic Sans MS"/>
+                <a:ea typeface="Comic Sans MS"/>
+                <a:cs typeface="Comic Sans MS"/>
+                <a:sym typeface="Comic Sans MS"/>
+              </a:rPr>
+              <a:t>is a </a:t>
+            </a:r>
+            <a:r>
+              <a:rPr b="1" lang="en" sz="1100">
+                <a:solidFill>
+                  <a:srgbClr val="FF0000"/>
+                </a:solidFill>
+                <a:latin typeface="Comic Sans MS"/>
+                <a:ea typeface="Comic Sans MS"/>
+                <a:cs typeface="Comic Sans MS"/>
+                <a:sym typeface="Comic Sans MS"/>
+              </a:rPr>
+              <a:t>powerful</a:t>
+            </a:r>
+            <a:r>
+              <a:rPr lang="en" sz="1100">
+                <a:solidFill>
+                  <a:srgbClr val="FF0000"/>
+                </a:solidFill>
+                <a:latin typeface="Comic Sans MS"/>
+                <a:ea typeface="Comic Sans MS"/>
+                <a:cs typeface="Comic Sans MS"/>
+                <a:sym typeface="Comic Sans MS"/>
+              </a:rPr>
+              <a:t>, </a:t>
+            </a:r>
+            <a:r>
+              <a:rPr b="1" lang="en" sz="1100">
+                <a:solidFill>
+                  <a:srgbClr val="FF0000"/>
+                </a:solidFill>
+                <a:latin typeface="Comic Sans MS"/>
+                <a:ea typeface="Comic Sans MS"/>
+                <a:cs typeface="Comic Sans MS"/>
+                <a:sym typeface="Comic Sans MS"/>
+              </a:rPr>
+              <a:t>optionally typed</a:t>
+            </a:r>
+            <a:r>
+              <a:rPr lang="en" sz="1100">
+                <a:solidFill>
+                  <a:srgbClr val="222222"/>
+                </a:solidFill>
+                <a:latin typeface="Comic Sans MS"/>
+                <a:ea typeface="Comic Sans MS"/>
+                <a:cs typeface="Comic Sans MS"/>
+                <a:sym typeface="Comic Sans MS"/>
+              </a:rPr>
+              <a:t> </a:t>
+            </a:r>
+            <a:r>
+              <a:rPr lang="en" sz="1100">
+                <a:solidFill>
+                  <a:srgbClr val="FFFFFF"/>
+                </a:solidFill>
+                <a:latin typeface="Comic Sans MS"/>
+                <a:ea typeface="Comic Sans MS"/>
+                <a:cs typeface="Comic Sans MS"/>
+                <a:sym typeface="Comic Sans MS"/>
+              </a:rPr>
+              <a:t>and </a:t>
+            </a:r>
+            <a:r>
+              <a:rPr b="1" lang="en" sz="1100">
+                <a:solidFill>
+                  <a:srgbClr val="FF9900"/>
+                </a:solidFill>
+                <a:latin typeface="Comic Sans MS"/>
+                <a:ea typeface="Comic Sans MS"/>
+                <a:cs typeface="Comic Sans MS"/>
+                <a:sym typeface="Comic Sans MS"/>
+              </a:rPr>
+              <a:t>dynamic</a:t>
+            </a:r>
+            <a:r>
+              <a:rPr lang="en" sz="1100">
+                <a:solidFill>
+                  <a:srgbClr val="FF9900"/>
+                </a:solidFill>
+                <a:latin typeface="Comic Sans MS"/>
+                <a:ea typeface="Comic Sans MS"/>
+                <a:cs typeface="Comic Sans MS"/>
+                <a:sym typeface="Comic Sans MS"/>
+              </a:rPr>
+              <a:t> </a:t>
+            </a:r>
+            <a:r>
+              <a:rPr lang="en" sz="1100">
+                <a:solidFill>
+                  <a:srgbClr val="FFFFFF"/>
+                </a:solidFill>
+                <a:latin typeface="Comic Sans MS"/>
+                <a:ea typeface="Comic Sans MS"/>
+                <a:cs typeface="Comic Sans MS"/>
+                <a:sym typeface="Comic Sans MS"/>
+              </a:rPr>
+              <a:t>language, with</a:t>
+            </a:r>
+            <a:r>
+              <a:rPr lang="en" sz="1100">
+                <a:solidFill>
+                  <a:srgbClr val="222222"/>
+                </a:solidFill>
+                <a:latin typeface="Comic Sans MS"/>
+                <a:ea typeface="Comic Sans MS"/>
+                <a:cs typeface="Comic Sans MS"/>
+                <a:sym typeface="Comic Sans MS"/>
+              </a:rPr>
+              <a:t> </a:t>
+            </a:r>
+            <a:r>
+              <a:rPr b="1" lang="en" sz="1100">
+                <a:solidFill>
+                  <a:srgbClr val="00FF00"/>
+                </a:solidFill>
+                <a:latin typeface="Comic Sans MS"/>
+                <a:ea typeface="Comic Sans MS"/>
+                <a:cs typeface="Comic Sans MS"/>
+                <a:sym typeface="Comic Sans MS"/>
+              </a:rPr>
+              <a:t>static-typing and static compilation</a:t>
+            </a:r>
+            <a:r>
+              <a:rPr lang="en" sz="1100">
+                <a:solidFill>
+                  <a:srgbClr val="222222"/>
+                </a:solidFill>
+                <a:latin typeface="Comic Sans MS"/>
+                <a:ea typeface="Comic Sans MS"/>
+                <a:cs typeface="Comic Sans MS"/>
+                <a:sym typeface="Comic Sans MS"/>
+              </a:rPr>
+              <a:t> </a:t>
+            </a:r>
+            <a:r>
+              <a:rPr lang="en" sz="1100">
+                <a:solidFill>
+                  <a:srgbClr val="FFFFFF"/>
+                </a:solidFill>
+                <a:latin typeface="Comic Sans MS"/>
+                <a:ea typeface="Comic Sans MS"/>
+                <a:cs typeface="Comic Sans MS"/>
+                <a:sym typeface="Comic Sans MS"/>
+              </a:rPr>
+              <a:t>capabilities, for</a:t>
+            </a:r>
+            <a:br>
+              <a:rPr lang="en" sz="1100">
+                <a:solidFill>
+                  <a:srgbClr val="FFFFFF"/>
+                </a:solidFill>
+                <a:latin typeface="Comic Sans MS"/>
+                <a:ea typeface="Comic Sans MS"/>
+                <a:cs typeface="Comic Sans MS"/>
+                <a:sym typeface="Comic Sans MS"/>
+              </a:rPr>
+            </a:br>
+            <a:r>
+              <a:rPr lang="en" sz="1100">
+                <a:solidFill>
+                  <a:srgbClr val="FFFFFF"/>
+                </a:solidFill>
+                <a:latin typeface="Comic Sans MS"/>
+                <a:ea typeface="Comic Sans MS"/>
+                <a:cs typeface="Comic Sans MS"/>
+                <a:sym typeface="Comic Sans MS"/>
+              </a:rPr>
+              <a:t>the Java platform aimed at multiplying developers’ productivity thanks to a concise,</a:t>
+            </a:r>
+            <a:r>
+              <a:rPr lang="en" sz="1100">
+                <a:solidFill>
+                  <a:srgbClr val="00FFFF"/>
+                </a:solidFill>
+                <a:latin typeface="Comic Sans MS"/>
+                <a:ea typeface="Comic Sans MS"/>
+                <a:cs typeface="Comic Sans MS"/>
+                <a:sym typeface="Comic Sans MS"/>
+              </a:rPr>
+              <a:t> </a:t>
+            </a:r>
+            <a:r>
+              <a:rPr b="1" lang="en" sz="1100">
+                <a:solidFill>
+                  <a:srgbClr val="00FFFF"/>
+                </a:solidFill>
+                <a:latin typeface="Comic Sans MS"/>
+                <a:ea typeface="Comic Sans MS"/>
+                <a:cs typeface="Comic Sans MS"/>
+                <a:sym typeface="Comic Sans MS"/>
+              </a:rPr>
+              <a:t>familiar and easy to learn syntax</a:t>
+            </a:r>
+            <a:r>
+              <a:rPr lang="en" sz="1100">
+                <a:solidFill>
+                  <a:srgbClr val="00FFFF"/>
+                </a:solidFill>
+                <a:latin typeface="Comic Sans MS"/>
+                <a:ea typeface="Comic Sans MS"/>
+                <a:cs typeface="Comic Sans MS"/>
+                <a:sym typeface="Comic Sans MS"/>
+              </a:rPr>
+              <a:t>.</a:t>
+            </a:r>
+            <a:r>
+              <a:rPr lang="en" sz="1100">
+                <a:solidFill>
+                  <a:srgbClr val="222222"/>
+                </a:solidFill>
+                <a:latin typeface="Comic Sans MS"/>
+                <a:ea typeface="Comic Sans MS"/>
+                <a:cs typeface="Comic Sans MS"/>
+                <a:sym typeface="Comic Sans MS"/>
+              </a:rPr>
+              <a:t> </a:t>
+            </a:r>
+            <a:r>
+              <a:rPr lang="en" sz="1100">
+                <a:solidFill>
+                  <a:srgbClr val="FFFFFF"/>
+                </a:solidFill>
+                <a:latin typeface="Comic Sans MS"/>
+                <a:ea typeface="Comic Sans MS"/>
+                <a:cs typeface="Comic Sans MS"/>
+                <a:sym typeface="Comic Sans MS"/>
+              </a:rPr>
+              <a:t>It</a:t>
+            </a:r>
+            <a:br>
+              <a:rPr lang="en" sz="1100">
+                <a:solidFill>
+                  <a:srgbClr val="FFFFFF"/>
+                </a:solidFill>
+                <a:latin typeface="Comic Sans MS"/>
+                <a:ea typeface="Comic Sans MS"/>
+                <a:cs typeface="Comic Sans MS"/>
+                <a:sym typeface="Comic Sans MS"/>
+              </a:rPr>
+            </a:br>
+            <a:r>
+              <a:rPr lang="en" sz="1100">
+                <a:solidFill>
+                  <a:srgbClr val="FFFFFF"/>
+                </a:solidFill>
+                <a:latin typeface="Comic Sans MS"/>
+                <a:ea typeface="Comic Sans MS"/>
+                <a:cs typeface="Comic Sans MS"/>
+                <a:sym typeface="Comic Sans MS"/>
+              </a:rPr>
+              <a:t>integrates smoothly with any Java program, and immediately delivers to your application powerful features, including scripting</a:t>
+            </a:r>
+            <a:br>
+              <a:rPr lang="en" sz="1100">
+                <a:solidFill>
+                  <a:srgbClr val="FFFFFF"/>
+                </a:solidFill>
+                <a:latin typeface="Comic Sans MS"/>
+                <a:ea typeface="Comic Sans MS"/>
+                <a:cs typeface="Comic Sans MS"/>
+                <a:sym typeface="Comic Sans MS"/>
+              </a:rPr>
+            </a:br>
+            <a:r>
+              <a:rPr lang="en" sz="1100">
+                <a:solidFill>
+                  <a:srgbClr val="FFFFFF"/>
+                </a:solidFill>
+                <a:latin typeface="Comic Sans MS"/>
+                <a:ea typeface="Comic Sans MS"/>
+                <a:cs typeface="Comic Sans MS"/>
+                <a:sym typeface="Comic Sans MS"/>
+              </a:rPr>
+              <a:t>capabilities, </a:t>
+            </a:r>
+            <a:r>
+              <a:rPr b="1" lang="en" sz="1100">
+                <a:solidFill>
+                  <a:srgbClr val="4A86E8"/>
+                </a:solidFill>
+                <a:latin typeface="Comic Sans MS"/>
+                <a:ea typeface="Comic Sans MS"/>
+                <a:cs typeface="Comic Sans MS"/>
+                <a:sym typeface="Comic Sans MS"/>
+              </a:rPr>
+              <a:t>Domain-Specific Language</a:t>
+            </a:r>
+            <a:r>
+              <a:rPr lang="en" sz="1100">
+                <a:solidFill>
+                  <a:srgbClr val="222222"/>
+                </a:solidFill>
+                <a:latin typeface="Comic Sans MS"/>
+                <a:ea typeface="Comic Sans MS"/>
+                <a:cs typeface="Comic Sans MS"/>
+                <a:sym typeface="Comic Sans MS"/>
+              </a:rPr>
+              <a:t> </a:t>
+            </a:r>
+            <a:r>
+              <a:rPr lang="en" sz="1100">
+                <a:solidFill>
+                  <a:srgbClr val="FFFFFF"/>
+                </a:solidFill>
+                <a:latin typeface="Comic Sans MS"/>
+                <a:ea typeface="Comic Sans MS"/>
+                <a:cs typeface="Comic Sans MS"/>
+                <a:sym typeface="Comic Sans MS"/>
+              </a:rPr>
+              <a:t>authoring, runtime and compile-time</a:t>
+            </a:r>
+            <a:r>
+              <a:rPr lang="en" sz="1100">
+                <a:solidFill>
+                  <a:srgbClr val="222222"/>
+                </a:solidFill>
+                <a:latin typeface="Comic Sans MS"/>
+                <a:ea typeface="Comic Sans MS"/>
+                <a:cs typeface="Comic Sans MS"/>
+                <a:sym typeface="Comic Sans MS"/>
+              </a:rPr>
+              <a:t> </a:t>
+            </a:r>
+            <a:r>
+              <a:rPr b="1" lang="en" sz="1100">
+                <a:solidFill>
+                  <a:srgbClr val="0000FF"/>
+                </a:solidFill>
+                <a:latin typeface="Comic Sans MS"/>
+                <a:ea typeface="Comic Sans MS"/>
+                <a:cs typeface="Comic Sans MS"/>
+                <a:sym typeface="Comic Sans MS"/>
+              </a:rPr>
+              <a:t>meta-programming</a:t>
+            </a:r>
+            <a:r>
+              <a:rPr lang="en" sz="1100">
+                <a:solidFill>
+                  <a:srgbClr val="0000FF"/>
+                </a:solidFill>
+                <a:latin typeface="Comic Sans MS"/>
+                <a:ea typeface="Comic Sans MS"/>
+                <a:cs typeface="Comic Sans MS"/>
+                <a:sym typeface="Comic Sans MS"/>
+              </a:rPr>
+              <a:t> </a:t>
+            </a:r>
+            <a:r>
+              <a:rPr lang="en" sz="1100">
+                <a:solidFill>
+                  <a:srgbClr val="FFFFFF"/>
+                </a:solidFill>
+                <a:latin typeface="Comic Sans MS"/>
+                <a:ea typeface="Comic Sans MS"/>
+                <a:cs typeface="Comic Sans MS"/>
+                <a:sym typeface="Comic Sans MS"/>
+              </a:rPr>
+              <a:t>and </a:t>
+            </a:r>
+            <a:r>
+              <a:rPr b="1" lang="en" sz="1100">
+                <a:solidFill>
+                  <a:srgbClr val="9900FF"/>
+                </a:solidFill>
+                <a:latin typeface="Comic Sans MS"/>
+                <a:ea typeface="Comic Sans MS"/>
+                <a:cs typeface="Comic Sans MS"/>
+                <a:sym typeface="Comic Sans MS"/>
+              </a:rPr>
+              <a:t>functional</a:t>
+            </a:r>
+            <a:br>
+              <a:rPr b="1" lang="en" sz="1100">
+                <a:solidFill>
+                  <a:srgbClr val="FFFFFF"/>
+                </a:solidFill>
+                <a:latin typeface="Comic Sans MS"/>
+                <a:ea typeface="Comic Sans MS"/>
+                <a:cs typeface="Comic Sans MS"/>
+                <a:sym typeface="Comic Sans MS"/>
+              </a:rPr>
+            </a:br>
+            <a:r>
+              <a:rPr lang="en" sz="1100">
+                <a:solidFill>
+                  <a:srgbClr val="FFFFFF"/>
+                </a:solidFill>
+                <a:latin typeface="Comic Sans MS"/>
+                <a:ea typeface="Comic Sans MS"/>
+                <a:cs typeface="Comic Sans MS"/>
+                <a:sym typeface="Comic Sans MS"/>
+              </a:rPr>
+              <a:t>programming.</a:t>
+            </a:r>
+          </a:p>
+        </p:txBody>
+      </p:sp>
+      <p:sp>
+        <p:nvSpPr>
+          <p:cNvPr id="203" name="Shape 203"/>
+          <p:cNvSpPr txBox="1"/>
           <p:nvPr>
             <p:ph type="title"/>
           </p:nvPr>
@@ -9745,34 +9721,6 @@
           </a:p>
         </p:txBody>
       </p:sp>
-      <p:pic>
-        <p:nvPicPr>
-          <p:cNvPr id="203" name="Shape 203"/>
-          <p:cNvPicPr preferRelativeResize="0"/>
-          <p:nvPr/>
-        </p:nvPicPr>
-        <p:blipFill>
-          <a:blip r:embed="rId5">
-            <a:alphaModFix/>
-          </a:blip>
-          <a:stretch>
-            <a:fillRect/>
-          </a:stretch>
-        </p:blipFill>
-        <p:spPr>
-          <a:xfrm>
-            <a:off x="0" y="3264025"/>
-            <a:ext cx="1050725" cy="1879474"/>
-          </a:xfrm>
-          <a:prstGeom prst="rect">
-            <a:avLst/>
-          </a:prstGeom>
-          <a:noFill/>
-          <a:ln>
-            <a:noFill/>
-          </a:ln>
-        </p:spPr>
-      </p:pic>
       <p:pic>
         <p:nvPicPr>
           <p:cNvPr id="204" name="Shape 204"/>
@@ -9789,8 +9737,8 @@
         </p:blipFill>
         <p:spPr>
           <a:xfrm>
-            <a:off x="7870300" y="1898100"/>
-            <a:ext cx="755328" cy="857400"/>
+            <a:off x="0" y="3264025"/>
+            <a:ext cx="1050725" cy="1879474"/>
           </a:xfrm>
           <a:prstGeom prst="rect">
             <a:avLst/>
@@ -9839,7 +9787,7 @@
                                       <p:cBhvr>
                                         <p:cTn dur="1000"/>
                                         <p:tgtEl>
-                                          <p:spTgt spid="201"/>
+                                          <p:spTgt spid="200"/>
                                         </p:tgtEl>
                                       </p:cBhvr>
                                     </p:animEffect>
@@ -9851,7 +9799,7 @@
                                           </p:stCondLst>
                                         </p:cTn>
                                         <p:tgtEl>
-                                          <p:spTgt spid="201"/>
+                                          <p:spTgt spid="200"/>
                                         </p:tgtEl>
                                         <p:attrNameLst>
                                           <p:attrName>style.visibility</p:attrName>
@@ -9878,7 +9826,7 @@
                                           </p:stCondLst>
                                         </p:cTn>
                                         <p:tgtEl>
-                                          <p:spTgt spid="200"/>
+                                          <p:spTgt spid="199"/>
                                         </p:tgtEl>
                                         <p:attrNameLst>
                                           <p:attrName>style.visibility</p:attrName>
@@ -9892,7 +9840,7 @@
                                       <p:cBhvr>
                                         <p:cTn dur="1000"/>
                                         <p:tgtEl>
-                                          <p:spTgt spid="200"/>
+                                          <p:spTgt spid="199"/>
                                         </p:tgtEl>
                                       </p:cBhvr>
                                     </p:animEffect>
@@ -9913,7 +9861,7 @@
                                           </p:stCondLst>
                                         </p:cTn>
                                         <p:tgtEl>
-                                          <p:spTgt spid="204"/>
+                                          <p:spTgt spid="198"/>
                                         </p:tgtEl>
                                         <p:attrNameLst>
                                           <p:attrName>style.visibility</p:attrName>
@@ -9927,7 +9875,7 @@
                                       <p:cBhvr>
                                         <p:cTn dur="1000"/>
                                         <p:tgtEl>
-                                          <p:spTgt spid="204"/>
+                                          <p:spTgt spid="198"/>
                                         </p:tgtEl>
                                       </p:cBhvr>
                                     </p:animEffect>
@@ -9966,7 +9914,7 @@
                                           </p:stCondLst>
                                         </p:cTn>
                                         <p:tgtEl>
-                                          <p:spTgt spid="198"/>
+                                          <p:spTgt spid="201"/>
                                         </p:tgtEl>
                                         <p:attrNameLst>
                                           <p:attrName>style.visibility</p:attrName>
@@ -9980,7 +9928,7 @@
                                       <p:cBhvr>
                                         <p:cTn dur="1000"/>
                                         <p:tgtEl>
-                                          <p:spTgt spid="198"/>
+                                          <p:spTgt spid="201"/>
                                         </p:tgtEl>
                                       </p:cBhvr>
                                     </p:animEffect>
@@ -9997,7 +9945,7 @@
                                       <p:cBhvr>
                                         <p:cTn dur="1000"/>
                                         <p:tgtEl>
-                                          <p:spTgt spid="200"/>
+                                          <p:spTgt spid="199"/>
                                         </p:tgtEl>
                                       </p:cBhvr>
                                     </p:animEffect>
@@ -10009,7 +9957,7 @@
                                           </p:stCondLst>
                                         </p:cTn>
                                         <p:tgtEl>
-                                          <p:spTgt spid="200"/>
+                                          <p:spTgt spid="199"/>
                                         </p:tgtEl>
                                         <p:attrNameLst>
                                           <p:attrName>style.visibility</p:attrName>
@@ -10032,7 +9980,7 @@
                                       <p:cBhvr>
                                         <p:cTn dur="1000"/>
                                         <p:tgtEl>
-                                          <p:spTgt spid="204"/>
+                                          <p:spTgt spid="198"/>
                                         </p:tgtEl>
                                       </p:cBhvr>
                                     </p:animEffect>
@@ -10044,7 +9992,7 @@
                                           </p:stCondLst>
                                         </p:cTn>
                                         <p:tgtEl>
-                                          <p:spTgt spid="204"/>
+                                          <p:spTgt spid="198"/>
                                         </p:tgtEl>
                                         <p:attrNameLst>
                                           <p:attrName>style.visibility</p:attrName>
@@ -10089,7 +10037,7 @@
                                           </p:stCondLst>
                                         </p:cTn>
                                         <p:tgtEl>
-                                          <p:spTgt spid="203"/>
+                                          <p:spTgt spid="204"/>
                                         </p:tgtEl>
                                         <p:attrNameLst>
                                           <p:attrName>style.visibility</p:attrName>
@@ -10103,7 +10051,7 @@
                                       <p:cBhvr>
                                         <p:cTn dur="1000"/>
                                         <p:tgtEl>
-                                          <p:spTgt spid="203"/>
+                                          <p:spTgt spid="204"/>
                                         </p:tgtEl>
                                       </p:cBhvr>
                                     </p:animEffect>
@@ -10124,7 +10072,7 @@
                                           </p:stCondLst>
                                         </p:cTn>
                                         <p:tgtEl>
-                                          <p:spTgt spid="199"/>
+                                          <p:spTgt spid="202"/>
                                         </p:tgtEl>
                                         <p:attrNameLst>
                                           <p:attrName>style.visibility</p:attrName>
@@ -10138,7 +10086,7 @@
                                       <p:cBhvr>
                                         <p:cTn dur="1000"/>
                                         <p:tgtEl>
-                                          <p:spTgt spid="199"/>
+                                          <p:spTgt spid="202"/>
                                         </p:tgtEl>
                                       </p:cBhvr>
                                     </p:animEffect>
@@ -10155,7 +10103,7 @@
                                       <p:cBhvr>
                                         <p:cTn dur="1000"/>
                                         <p:tgtEl>
-                                          <p:spTgt spid="198"/>
+                                          <p:spTgt spid="201"/>
                                         </p:tgtEl>
                                       </p:cBhvr>
                                     </p:animEffect>
@@ -10167,7 +10115,7 @@
                                           </p:stCondLst>
                                         </p:cTn>
                                         <p:tgtEl>
-                                          <p:spTgt spid="198"/>
+                                          <p:spTgt spid="201"/>
                                         </p:tgtEl>
                                         <p:attrNameLst>
                                           <p:attrName>style.visibility</p:attrName>
@@ -10542,8 +10490,8 @@
         </p:blipFill>
         <p:spPr>
           <a:xfrm>
-            <a:off x="1128224" y="1819774"/>
-            <a:ext cx="3543798" cy="1723124"/>
+            <a:off x="396025" y="862825"/>
+            <a:ext cx="5245374" cy="3417850"/>
           </a:xfrm>
           <a:prstGeom prst="rect">
             <a:avLst/>
@@ -10570,8 +10518,8 @@
         </p:blipFill>
         <p:spPr>
           <a:xfrm>
-            <a:off x="1555312" y="849800"/>
-            <a:ext cx="2689624" cy="3663074"/>
+            <a:off x="4635175" y="2955176"/>
+            <a:ext cx="4221748" cy="1321849"/>
           </a:xfrm>
           <a:prstGeom prst="rect">
             <a:avLst/>
@@ -10598,8 +10546,8 @@
         </p:blipFill>
         <p:spPr>
           <a:xfrm>
-            <a:off x="1128225" y="1819775"/>
-            <a:ext cx="3543799" cy="1723124"/>
+            <a:off x="5861869" y="547669"/>
+            <a:ext cx="2479775" cy="1973924"/>
           </a:xfrm>
           <a:prstGeom prst="rect">
             <a:avLst/>
@@ -10610,37 +10558,9 @@
           </a:ln>
         </p:spPr>
       </p:pic>
-      <p:pic>
-        <p:nvPicPr>
-          <p:cNvPr id="222" name="Shape 222"/>
-          <p:cNvPicPr preferRelativeResize="0"/>
-          <p:nvPr/>
-        </p:nvPicPr>
-        <p:blipFill>
-          <a:blip r:embed="rId6">
-            <a:alphaModFix/>
-          </a:blip>
-          <a:stretch>
-            <a:fillRect/>
-          </a:stretch>
-        </p:blipFill>
-        <p:spPr>
-          <a:xfrm>
-            <a:off x="5861869" y="547669"/>
-            <a:ext cx="2479775" cy="1973924"/>
-          </a:xfrm>
-          <a:prstGeom prst="rect">
-            <a:avLst/>
-          </a:prstGeom>
-          <a:noFill/>
-          <a:ln>
-            <a:noFill/>
-          </a:ln>
-        </p:spPr>
-      </p:pic>
       <p:sp>
         <p:nvSpPr>
-          <p:cNvPr id="223" name="Shape 223"/>
+          <p:cNvPr id="222" name="Shape 222"/>
           <p:cNvSpPr txBox="1"/>
           <p:nvPr/>
         </p:nvSpPr>
@@ -10674,41 +10594,13 @@
                 <a:solidFill>
                   <a:schemeClr val="hlink"/>
                 </a:solidFill>
-                <a:hlinkClick r:id="rId7"/>
+                <a:hlinkClick r:id="rId6"/>
               </a:rPr>
               <a:t>https://github.com/yermilov/groovy-dsl</a:t>
             </a:r>
           </a:p>
         </p:txBody>
       </p:sp>
-      <p:pic>
-        <p:nvPicPr>
-          <p:cNvPr id="224" name="Shape 224"/>
-          <p:cNvPicPr preferRelativeResize="0"/>
-          <p:nvPr/>
-        </p:nvPicPr>
-        <p:blipFill>
-          <a:blip r:embed="rId8">
-            <a:alphaModFix/>
-          </a:blip>
-          <a:stretch>
-            <a:fillRect/>
-          </a:stretch>
-        </p:blipFill>
-        <p:spPr>
-          <a:xfrm>
-            <a:off x="419950" y="464988"/>
-            <a:ext cx="4960350" cy="4114636"/>
-          </a:xfrm>
-          <a:prstGeom prst="rect">
-            <a:avLst/>
-          </a:prstGeom>
-          <a:noFill/>
-          <a:ln>
-            <a:noFill/>
-          </a:ln>
-        </p:spPr>
-      </p:pic>
     </p:spTree>
   </p:cSld>
   <p:clrMapOvr>
@@ -10725,182 +10617,6 @@
             <p:seq concurrent="1" nextAc="seek">
               <p:cTn dur="indefinite" id="2" nodeType="mainSeq">
                 <p:childTnLst>
-                  <p:par>
-                    <p:cTn fill="hold">
-                      <p:stCondLst>
-                        <p:cond delay="indefinite"/>
-                      </p:stCondLst>
-                      <p:childTnLst>
-                        <p:par>
-                          <p:cTn fill="hold">
-                            <p:stCondLst>
-                              <p:cond delay="0"/>
-                            </p:stCondLst>
-                            <p:childTnLst>
-                              <p:par>
-                                <p:cTn fill="hold" nodeType="clickEffect" presetClass="entr" presetID="10" presetSubtype="0">
-                                  <p:stCondLst>
-                                    <p:cond delay="0"/>
-                                  </p:stCondLst>
-                                  <p:childTnLst>
-                                    <p:set>
-                                      <p:cBhvr>
-                                        <p:cTn dur="1" fill="hold">
-                                          <p:stCondLst>
-                                            <p:cond delay="0"/>
-                                          </p:stCondLst>
-                                        </p:cTn>
-                                        <p:tgtEl>
-                                          <p:spTgt spid="221"/>
-                                        </p:tgtEl>
-                                        <p:attrNameLst>
-                                          <p:attrName>style.visibility</p:attrName>
-                                        </p:attrNameLst>
-                                      </p:cBhvr>
-                                      <p:to>
-                                        <p:strVal val="visible"/>
-                                      </p:to>
-                                    </p:set>
-                                    <p:animEffect filter="fade" transition="in">
-                                      <p:cBhvr>
-                                        <p:cTn dur="1000"/>
-                                        <p:tgtEl>
-                                          <p:spTgt spid="221"/>
-                                        </p:tgtEl>
-                                      </p:cBhvr>
-                                    </p:animEffect>
-                                  </p:childTnLst>
-                                </p:cTn>
-                              </p:par>
-                              <p:par>
-                                <p:cTn fill="hold" nodeType="withEffect" presetClass="exit" presetID="10" presetSubtype="0">
-                                  <p:stCondLst>
-                                    <p:cond delay="0"/>
-                                  </p:stCondLst>
-                                  <p:childTnLst>
-                                    <p:animEffect filter="fade" transition="out">
-                                      <p:cBhvr>
-                                        <p:cTn dur="1000"/>
-                                        <p:tgtEl>
-                                          <p:spTgt spid="224"/>
-                                        </p:tgtEl>
-                                      </p:cBhvr>
-                                    </p:animEffect>
-                                    <p:set>
-                                      <p:cBhvr>
-                                        <p:cTn dur="1" fill="hold">
-                                          <p:stCondLst>
-                                            <p:cond delay="1000"/>
-                                          </p:stCondLst>
-                                        </p:cTn>
-                                        <p:tgtEl>
-                                          <p:spTgt spid="224"/>
-                                        </p:tgtEl>
-                                        <p:attrNameLst>
-                                          <p:attrName>style.visibility</p:attrName>
-                                        </p:attrNameLst>
-                                      </p:cBhvr>
-                                      <p:to>
-                                        <p:strVal val="hidden"/>
-                                      </p:to>
-                                    </p:set>
-                                  </p:childTnLst>
-                                </p:cTn>
-                              </p:par>
-                            </p:childTnLst>
-                          </p:cTn>
-                        </p:par>
-                      </p:childTnLst>
-                    </p:cTn>
-                  </p:par>
-                  <p:par>
-                    <p:cTn fill="hold">
-                      <p:stCondLst>
-                        <p:cond delay="indefinite"/>
-                      </p:stCondLst>
-                      <p:childTnLst>
-                        <p:par>
-                          <p:cTn fill="hold">
-                            <p:stCondLst>
-                              <p:cond delay="0"/>
-                            </p:stCondLst>
-                            <p:childTnLst>
-                              <p:par>
-                                <p:cTn fill="hold" nodeType="clickEffect" presetClass="entr" presetID="10" presetSubtype="0">
-                                  <p:stCondLst>
-                                    <p:cond delay="0"/>
-                                  </p:stCondLst>
-                                  <p:childTnLst>
-                                    <p:set>
-                                      <p:cBhvr>
-                                        <p:cTn dur="1" fill="hold">
-                                          <p:stCondLst>
-                                            <p:cond delay="0"/>
-                                          </p:stCondLst>
-                                        </p:cTn>
-                                        <p:tgtEl>
-                                          <p:spTgt spid="219"/>
-                                        </p:tgtEl>
-                                        <p:attrNameLst>
-                                          <p:attrName>style.visibility</p:attrName>
-                                        </p:attrNameLst>
-                                      </p:cBhvr>
-                                      <p:to>
-                                        <p:strVal val="visible"/>
-                                      </p:to>
-                                    </p:set>
-                                    <p:animEffect filter="fade" transition="in">
-                                      <p:cBhvr>
-                                        <p:cTn dur="1000"/>
-                                        <p:tgtEl>
-                                          <p:spTgt spid="219"/>
-                                        </p:tgtEl>
-                                      </p:cBhvr>
-                                    </p:animEffect>
-                                  </p:childTnLst>
-                                </p:cTn>
-                              </p:par>
-                              <p:par>
-                                <p:cTn fill="hold" nodeType="withEffect" presetClass="exit" presetID="10" presetSubtype="0">
-                                  <p:stCondLst>
-                                    <p:cond delay="0"/>
-                                  </p:stCondLst>
-                                  <p:childTnLst>
-                                    <p:animEffect filter="fade" transition="out">
-                                      <p:cBhvr>
-                                        <p:cTn dur="1000"/>
-                                        <p:tgtEl>
-                                          <p:spTgt spid="221"/>
-                                        </p:tgtEl>
-                                      </p:cBhvr>
-                                    </p:animEffect>
-                                    <p:set>
-                                      <p:cBhvr>
-                                        <p:cTn dur="1" fill="hold">
-                                          <p:stCondLst>
-                                            <p:cond delay="1000"/>
-                                          </p:stCondLst>
-                                        </p:cTn>
-                                        <p:tgtEl>
-                                          <p:spTgt spid="221"/>
-                                        </p:tgtEl>
-                                        <p:attrNameLst>
-                                          <p:attrName>style.visibility</p:attrName>
-                                        </p:attrNameLst>
-                                      </p:cBhvr>
-                                      <p:to>
-                                        <p:strVal val="hidden"/>
-                                      </p:to>
-                                    </p:set>
-                                  </p:childTnLst>
-                                </p:cTn>
-                              </p:par>
-                            </p:childTnLst>
-                          </p:cTn>
-                        </p:par>
-                      </p:childTnLst>
-                    </p:cTn>
-                  </p:par>
                   <p:par>
                     <p:cTn fill="hold">
                       <p:stCondLst>
@@ -10948,41 +10664,6 @@
                                   </p:childTnLst>
                                 </p:cTn>
                               </p:par>
-                              <p:par>
-                                <p:cTn fill="hold" nodeType="withEffect" presetClass="exit" presetID="10" presetSubtype="0">
-                                  <p:stCondLst>
-                                    <p:cond delay="0"/>
-                                  </p:stCondLst>
-                                  <p:childTnLst>
-                                    <p:animEffect filter="fade" transition="out">
-                                      <p:cBhvr>
-                                        <p:cTn dur="1000"/>
-                                        <p:tgtEl>
-                                          <p:spTgt spid="219"/>
-                                        </p:tgtEl>
-                                      </p:cBhvr>
-                                    </p:animEffect>
-                                    <p:set>
-                                      <p:cBhvr>
-                                        <p:cTn dur="1" fill="hold">
-                                          <p:stCondLst>
-                                            <p:cond delay="1000"/>
-                                          </p:stCondLst>
-                                        </p:cTn>
-                                        <p:tgtEl>
-                                          <p:spTgt spid="219"/>
-                                        </p:tgtEl>
-                                        <p:attrNameLst>
-                                          <p:attrName>style.visibility</p:attrName>
-                                        </p:attrNameLst>
-                                      </p:cBhvr>
-                                      <p:to>
-                                        <p:strVal val="hidden"/>
-                                      </p:to>
-                                    </p:set>
-                                  </p:childTnLst>
-                                </p:cTn>
-                              </p:par>
                             </p:childTnLst>
                           </p:cTn>
                         </p:par>
@@ -11019,7 +10700,7 @@
   <p:cSld>
     <p:spTree>
       <p:nvGrpSpPr>
-        <p:cNvPr id="228" name="Shape 228"/>
+        <p:cNvPr id="226" name="Shape 226"/>
         <p:cNvGrpSpPr/>
         <p:nvPr/>
       </p:nvGrpSpPr>
@@ -11033,7 +10714,7 @@
       </p:grpSpPr>
       <p:pic>
         <p:nvPicPr>
-          <p:cNvPr id="229" name="Shape 229"/>
+          <p:cNvPr id="227" name="Shape 227"/>
           <p:cNvPicPr preferRelativeResize="0"/>
           <p:nvPr/>
         </p:nvPicPr>
@@ -11061,7 +10742,7 @@
       </p:pic>
       <p:sp>
         <p:nvSpPr>
-          <p:cNvPr id="230" name="Shape 230"/>
+          <p:cNvPr id="228" name="Shape 228"/>
           <p:cNvSpPr txBox="1"/>
           <p:nvPr/>
         </p:nvSpPr>
@@ -11173,7 +10854,7 @@
   <p:cSld>
     <p:spTree>
       <p:nvGrpSpPr>
-        <p:cNvPr id="234" name="Shape 234"/>
+        <p:cNvPr id="232" name="Shape 232"/>
         <p:cNvGrpSpPr/>
         <p:nvPr/>
       </p:nvGrpSpPr>
@@ -11187,7 +10868,7 @@
       </p:grpSpPr>
       <p:pic>
         <p:nvPicPr>
-          <p:cNvPr id="235" name="Shape 235"/>
+          <p:cNvPr id="233" name="Shape 233"/>
           <p:cNvPicPr preferRelativeResize="0"/>
           <p:nvPr/>
         </p:nvPicPr>
@@ -11215,7 +10896,7 @@
       </p:pic>
       <p:sp>
         <p:nvSpPr>
-          <p:cNvPr id="236" name="Shape 236"/>
+          <p:cNvPr id="234" name="Shape 234"/>
           <p:cNvSpPr txBox="1"/>
           <p:nvPr/>
         </p:nvSpPr>
@@ -11636,7 +11317,7 @@
   <p:cSld>
     <p:spTree>
       <p:nvGrpSpPr>
-        <p:cNvPr id="240" name="Shape 240"/>
+        <p:cNvPr id="238" name="Shape 238"/>
         <p:cNvGrpSpPr/>
         <p:nvPr/>
       </p:nvGrpSpPr>
@@ -11650,7 +11331,7 @@
       </p:grpSpPr>
       <p:pic>
         <p:nvPicPr>
-          <p:cNvPr id="241" name="Shape 241"/>
+          <p:cNvPr id="239" name="Shape 239"/>
           <p:cNvPicPr preferRelativeResize="0"/>
           <p:nvPr/>
         </p:nvPicPr>
@@ -11664,8 +11345,8 @@
         </p:blipFill>
         <p:spPr>
           <a:xfrm>
-            <a:off x="416950" y="1935625"/>
-            <a:ext cx="6052824" cy="1272250"/>
+            <a:off x="7250675" y="1966900"/>
+            <a:ext cx="1476375" cy="1209675"/>
           </a:xfrm>
           <a:prstGeom prst="rect">
             <a:avLst/>
@@ -11676,37 +11357,9 @@
           </a:ln>
         </p:spPr>
       </p:pic>
-      <p:pic>
-        <p:nvPicPr>
-          <p:cNvPr id="242" name="Shape 242"/>
-          <p:cNvPicPr preferRelativeResize="0"/>
-          <p:nvPr/>
-        </p:nvPicPr>
-        <p:blipFill>
-          <a:blip r:embed="rId4">
-            <a:alphaModFix/>
-          </a:blip>
-          <a:stretch>
-            <a:fillRect/>
-          </a:stretch>
-        </p:blipFill>
-        <p:spPr>
-          <a:xfrm>
-            <a:off x="7250675" y="1966900"/>
-            <a:ext cx="1476375" cy="1209675"/>
-          </a:xfrm>
-          <a:prstGeom prst="rect">
-            <a:avLst/>
-          </a:prstGeom>
-          <a:noFill/>
-          <a:ln>
-            <a:noFill/>
-          </a:ln>
-        </p:spPr>
-      </p:pic>
       <p:sp>
         <p:nvSpPr>
-          <p:cNvPr id="243" name="Shape 243"/>
+          <p:cNvPr id="240" name="Shape 240"/>
           <p:cNvSpPr txBox="1"/>
           <p:nvPr/>
         </p:nvSpPr>
@@ -11740,13 +11393,41 @@
                 <a:solidFill>
                   <a:schemeClr val="hlink"/>
                 </a:solidFill>
-                <a:hlinkClick r:id="rId5"/>
+                <a:hlinkClick r:id="rId4"/>
               </a:rPr>
               <a:t>https://github.com/yermilov/groovy-dsl</a:t>
             </a:r>
           </a:p>
         </p:txBody>
       </p:sp>
+      <p:pic>
+        <p:nvPicPr>
+          <p:cNvPr id="241" name="Shape 241"/>
+          <p:cNvPicPr preferRelativeResize="0"/>
+          <p:nvPr/>
+        </p:nvPicPr>
+        <p:blipFill>
+          <a:blip r:embed="rId5">
+            <a:alphaModFix/>
+          </a:blip>
+          <a:stretch>
+            <a:fillRect/>
+          </a:stretch>
+        </p:blipFill>
+        <p:spPr>
+          <a:xfrm>
+            <a:off x="319625" y="2418775"/>
+            <a:ext cx="6469274" cy="305924"/>
+          </a:xfrm>
+          <a:prstGeom prst="rect">
+            <a:avLst/>
+          </a:prstGeom>
+          <a:noFill/>
+          <a:ln>
+            <a:noFill/>
+          </a:ln>
+        </p:spPr>
+      </p:pic>
     </p:spTree>
   </p:cSld>
   <p:clrMapOvr>
@@ -11763,7 +11444,7 @@
   <p:cSld>
     <p:spTree>
       <p:nvGrpSpPr>
-        <p:cNvPr id="247" name="Shape 247"/>
+        <p:cNvPr id="245" name="Shape 245"/>
         <p:cNvGrpSpPr/>
         <p:nvPr/>
       </p:nvGrpSpPr>
@@ -11777,7 +11458,7 @@
       </p:grpSpPr>
       <p:pic>
         <p:nvPicPr>
-          <p:cNvPr id="248" name="Shape 248"/>
+          <p:cNvPr id="246" name="Shape 246"/>
           <p:cNvPicPr preferRelativeResize="0"/>
           <p:nvPr/>
         </p:nvPicPr>
@@ -11791,8 +11472,8 @@
         </p:blipFill>
         <p:spPr>
           <a:xfrm>
-            <a:off x="425887" y="1832750"/>
-            <a:ext cx="5911999" cy="1477999"/>
+            <a:off x="7222675" y="1985962"/>
+            <a:ext cx="1495425" cy="1171575"/>
           </a:xfrm>
           <a:prstGeom prst="rect">
             <a:avLst/>
@@ -11803,37 +11484,9 @@
           </a:ln>
         </p:spPr>
       </p:pic>
-      <p:pic>
-        <p:nvPicPr>
-          <p:cNvPr id="249" name="Shape 249"/>
-          <p:cNvPicPr preferRelativeResize="0"/>
-          <p:nvPr/>
-        </p:nvPicPr>
-        <p:blipFill>
-          <a:blip r:embed="rId4">
-            <a:alphaModFix/>
-          </a:blip>
-          <a:stretch>
-            <a:fillRect/>
-          </a:stretch>
-        </p:blipFill>
-        <p:spPr>
-          <a:xfrm>
-            <a:off x="7222675" y="1985962"/>
-            <a:ext cx="1495425" cy="1171575"/>
-          </a:xfrm>
-          <a:prstGeom prst="rect">
-            <a:avLst/>
-          </a:prstGeom>
-          <a:noFill/>
-          <a:ln>
-            <a:noFill/>
-          </a:ln>
-        </p:spPr>
-      </p:pic>
       <p:sp>
         <p:nvSpPr>
-          <p:cNvPr id="250" name="Shape 250"/>
+          <p:cNvPr id="247" name="Shape 247"/>
           <p:cNvSpPr txBox="1"/>
           <p:nvPr/>
         </p:nvSpPr>
@@ -11867,13 +11520,41 @@
                 <a:solidFill>
                   <a:schemeClr val="hlink"/>
                 </a:solidFill>
-                <a:hlinkClick r:id="rId5"/>
+                <a:hlinkClick r:id="rId4"/>
               </a:rPr>
               <a:t>https://github.com/yermilov/groovy-dsl</a:t>
             </a:r>
           </a:p>
         </p:txBody>
       </p:sp>
+      <p:pic>
+        <p:nvPicPr>
+          <p:cNvPr id="248" name="Shape 248"/>
+          <p:cNvPicPr preferRelativeResize="0"/>
+          <p:nvPr/>
+        </p:nvPicPr>
+        <p:blipFill>
+          <a:blip r:embed="rId5">
+            <a:alphaModFix/>
+          </a:blip>
+          <a:stretch>
+            <a:fillRect/>
+          </a:stretch>
+        </p:blipFill>
+        <p:spPr>
+          <a:xfrm>
+            <a:off x="513600" y="2404500"/>
+            <a:ext cx="6367660" cy="334499"/>
+          </a:xfrm>
+          <a:prstGeom prst="rect">
+            <a:avLst/>
+          </a:prstGeom>
+          <a:noFill/>
+          <a:ln>
+            <a:noFill/>
+          </a:ln>
+        </p:spPr>
+      </p:pic>
     </p:spTree>
   </p:cSld>
   <p:clrMapOvr>
@@ -11890,7 +11571,7 @@
   <p:cSld>
     <p:spTree>
       <p:nvGrpSpPr>
-        <p:cNvPr id="254" name="Shape 254"/>
+        <p:cNvPr id="252" name="Shape 252"/>
         <p:cNvGrpSpPr/>
         <p:nvPr/>
       </p:nvGrpSpPr>
@@ -11904,7 +11585,7 @@
       </p:grpSpPr>
       <p:pic>
         <p:nvPicPr>
-          <p:cNvPr id="255" name="Shape 255"/>
+          <p:cNvPr id="253" name="Shape 253"/>
           <p:cNvPicPr preferRelativeResize="0"/>
           <p:nvPr/>
         </p:nvPicPr>
@@ -11918,8 +11599,8 @@
         </p:blipFill>
         <p:spPr>
           <a:xfrm>
-            <a:off x="1469737" y="1799258"/>
-            <a:ext cx="3917149" cy="1544999"/>
+            <a:off x="6178837" y="1985962"/>
+            <a:ext cx="1495425" cy="1171575"/>
           </a:xfrm>
           <a:prstGeom prst="rect">
             <a:avLst/>
@@ -11930,37 +11611,9 @@
           </a:ln>
         </p:spPr>
       </p:pic>
-      <p:pic>
-        <p:nvPicPr>
-          <p:cNvPr id="256" name="Shape 256"/>
-          <p:cNvPicPr preferRelativeResize="0"/>
-          <p:nvPr/>
-        </p:nvPicPr>
-        <p:blipFill>
-          <a:blip r:embed="rId4">
-            <a:alphaModFix/>
-          </a:blip>
-          <a:stretch>
-            <a:fillRect/>
-          </a:stretch>
-        </p:blipFill>
-        <p:spPr>
-          <a:xfrm>
-            <a:off x="6178837" y="1985962"/>
-            <a:ext cx="1495425" cy="1171575"/>
-          </a:xfrm>
-          <a:prstGeom prst="rect">
-            <a:avLst/>
-          </a:prstGeom>
-          <a:noFill/>
-          <a:ln>
-            <a:noFill/>
-          </a:ln>
-        </p:spPr>
-      </p:pic>
       <p:sp>
         <p:nvSpPr>
-          <p:cNvPr id="257" name="Shape 257"/>
+          <p:cNvPr id="254" name="Shape 254"/>
           <p:cNvSpPr txBox="1"/>
           <p:nvPr/>
         </p:nvSpPr>
@@ -11994,13 +11647,41 @@
                 <a:solidFill>
                   <a:schemeClr val="hlink"/>
                 </a:solidFill>
-                <a:hlinkClick r:id="rId5"/>
+                <a:hlinkClick r:id="rId4"/>
               </a:rPr>
               <a:t>https://github.com/yermilov/groovy-dsl</a:t>
             </a:r>
           </a:p>
         </p:txBody>
       </p:sp>
+      <p:pic>
+        <p:nvPicPr>
+          <p:cNvPr id="255" name="Shape 255"/>
+          <p:cNvPicPr preferRelativeResize="0"/>
+          <p:nvPr/>
+        </p:nvPicPr>
+        <p:blipFill>
+          <a:blip r:embed="rId5">
+            <a:alphaModFix/>
+          </a:blip>
+          <a:stretch>
+            <a:fillRect/>
+          </a:stretch>
+        </p:blipFill>
+        <p:spPr>
+          <a:xfrm>
+            <a:off x="573775" y="2290762"/>
+            <a:ext cx="5267325" cy="561975"/>
+          </a:xfrm>
+          <a:prstGeom prst="rect">
+            <a:avLst/>
+          </a:prstGeom>
+          <a:noFill/>
+          <a:ln>
+            <a:noFill/>
+          </a:ln>
+        </p:spPr>
+      </p:pic>
     </p:spTree>
   </p:cSld>
   <p:clrMapOvr>
@@ -12017,7 +11698,7 @@
   <p:cSld>
     <p:spTree>
       <p:nvGrpSpPr>
-        <p:cNvPr id="261" name="Shape 261"/>
+        <p:cNvPr id="259" name="Shape 259"/>
         <p:cNvGrpSpPr/>
         <p:nvPr/>
       </p:nvGrpSpPr>
@@ -12031,7 +11712,7 @@
       </p:grpSpPr>
       <p:pic>
         <p:nvPicPr>
-          <p:cNvPr id="262" name="Shape 262"/>
+          <p:cNvPr id="260" name="Shape 260"/>
           <p:cNvPicPr preferRelativeResize="0"/>
           <p:nvPr/>
         </p:nvPicPr>
@@ -12045,8 +11726,8 @@
         </p:blipFill>
         <p:spPr>
           <a:xfrm>
-            <a:off x="1464862" y="1858700"/>
-            <a:ext cx="4030300" cy="1426100"/>
+            <a:off x="6183700" y="1985950"/>
+            <a:ext cx="1495425" cy="1171575"/>
           </a:xfrm>
           <a:prstGeom prst="rect">
             <a:avLst/>
@@ -12057,37 +11738,9 @@
           </a:ln>
         </p:spPr>
       </p:pic>
-      <p:pic>
-        <p:nvPicPr>
-          <p:cNvPr id="263" name="Shape 263"/>
-          <p:cNvPicPr preferRelativeResize="0"/>
-          <p:nvPr/>
-        </p:nvPicPr>
-        <p:blipFill>
-          <a:blip r:embed="rId4">
-            <a:alphaModFix/>
-          </a:blip>
-          <a:stretch>
-            <a:fillRect/>
-          </a:stretch>
-        </p:blipFill>
-        <p:spPr>
-          <a:xfrm>
-            <a:off x="6183700" y="1985950"/>
-            <a:ext cx="1495425" cy="1171575"/>
-          </a:xfrm>
-          <a:prstGeom prst="rect">
-            <a:avLst/>
-          </a:prstGeom>
-          <a:noFill/>
-          <a:ln>
-            <a:noFill/>
-          </a:ln>
-        </p:spPr>
-      </p:pic>
       <p:sp>
         <p:nvSpPr>
-          <p:cNvPr id="264" name="Shape 264"/>
+          <p:cNvPr id="261" name="Shape 261"/>
           <p:cNvSpPr txBox="1"/>
           <p:nvPr/>
         </p:nvSpPr>
@@ -12121,13 +11774,41 @@
                 <a:solidFill>
                   <a:schemeClr val="hlink"/>
                 </a:solidFill>
-                <a:hlinkClick r:id="rId5"/>
+                <a:hlinkClick r:id="rId4"/>
               </a:rPr>
               <a:t>https://github.com/yermilov/groovy-dsl</a:t>
             </a:r>
           </a:p>
         </p:txBody>
       </p:sp>
+      <p:pic>
+        <p:nvPicPr>
+          <p:cNvPr id="262" name="Shape 262"/>
+          <p:cNvPicPr preferRelativeResize="0"/>
+          <p:nvPr/>
+        </p:nvPicPr>
+        <p:blipFill>
+          <a:blip r:embed="rId5">
+            <a:alphaModFix/>
+          </a:blip>
+          <a:stretch>
+            <a:fillRect/>
+          </a:stretch>
+        </p:blipFill>
+        <p:spPr>
+          <a:xfrm>
+            <a:off x="393175" y="2309800"/>
+            <a:ext cx="5381625" cy="523875"/>
+          </a:xfrm>
+          <a:prstGeom prst="rect">
+            <a:avLst/>
+          </a:prstGeom>
+          <a:noFill/>
+          <a:ln>
+            <a:noFill/>
+          </a:ln>
+        </p:spPr>
+      </p:pic>
     </p:spTree>
   </p:cSld>
   <p:clrMapOvr>
@@ -12144,7 +11825,7 @@
   <p:cSld>
     <p:spTree>
       <p:nvGrpSpPr>
-        <p:cNvPr id="268" name="Shape 268"/>
+        <p:cNvPr id="266" name="Shape 266"/>
         <p:cNvGrpSpPr/>
         <p:nvPr/>
       </p:nvGrpSpPr>
@@ -12158,7 +11839,7 @@
       </p:grpSpPr>
       <p:pic>
         <p:nvPicPr>
-          <p:cNvPr id="269" name="Shape 269"/>
+          <p:cNvPr id="267" name="Shape 267"/>
           <p:cNvPicPr preferRelativeResize="0"/>
           <p:nvPr/>
         </p:nvPicPr>
@@ -12172,8 +11853,8 @@
         </p:blipFill>
         <p:spPr>
           <a:xfrm>
-            <a:off x="1522937" y="1260075"/>
-            <a:ext cx="3951225" cy="2623349"/>
+            <a:off x="6068475" y="1981200"/>
+            <a:ext cx="1552575" cy="1181100"/>
           </a:xfrm>
           <a:prstGeom prst="rect">
             <a:avLst/>
@@ -12184,37 +11865,9 @@
           </a:ln>
         </p:spPr>
       </p:pic>
-      <p:pic>
-        <p:nvPicPr>
-          <p:cNvPr id="270" name="Shape 270"/>
-          <p:cNvPicPr preferRelativeResize="0"/>
-          <p:nvPr/>
-        </p:nvPicPr>
-        <p:blipFill>
-          <a:blip r:embed="rId4">
-            <a:alphaModFix/>
-          </a:blip>
-          <a:stretch>
-            <a:fillRect/>
-          </a:stretch>
-        </p:blipFill>
-        <p:spPr>
-          <a:xfrm>
-            <a:off x="6068475" y="1981200"/>
-            <a:ext cx="1552575" cy="1181100"/>
-          </a:xfrm>
-          <a:prstGeom prst="rect">
-            <a:avLst/>
-          </a:prstGeom>
-          <a:noFill/>
-          <a:ln>
-            <a:noFill/>
-          </a:ln>
-        </p:spPr>
-      </p:pic>
       <p:sp>
         <p:nvSpPr>
-          <p:cNvPr id="271" name="Shape 271"/>
+          <p:cNvPr id="268" name="Shape 268"/>
           <p:cNvSpPr txBox="1"/>
           <p:nvPr/>
         </p:nvSpPr>
@@ -12248,13 +11901,41 @@
                 <a:solidFill>
                   <a:schemeClr val="hlink"/>
                 </a:solidFill>
-                <a:hlinkClick r:id="rId5"/>
+                <a:hlinkClick r:id="rId4"/>
               </a:rPr>
               <a:t>https://github.com/yermilov/groovy-dsl</a:t>
             </a:r>
           </a:p>
         </p:txBody>
       </p:sp>
+      <p:pic>
+        <p:nvPicPr>
+          <p:cNvPr id="269" name="Shape 269"/>
+          <p:cNvPicPr preferRelativeResize="0"/>
+          <p:nvPr/>
+        </p:nvPicPr>
+        <p:blipFill>
+          <a:blip r:embed="rId5">
+            <a:alphaModFix/>
+          </a:blip>
+          <a:stretch>
+            <a:fillRect/>
+          </a:stretch>
+        </p:blipFill>
+        <p:spPr>
+          <a:xfrm>
+            <a:off x="473450" y="1528762"/>
+            <a:ext cx="5267325" cy="2085975"/>
+          </a:xfrm>
+          <a:prstGeom prst="rect">
+            <a:avLst/>
+          </a:prstGeom>
+          <a:noFill/>
+          <a:ln>
+            <a:noFill/>
+          </a:ln>
+        </p:spPr>
+      </p:pic>
     </p:spTree>
   </p:cSld>
   <p:clrMapOvr>
@@ -12271,7 +11952,7 @@
   <p:cSld>
     <p:spTree>
       <p:nvGrpSpPr>
-        <p:cNvPr id="275" name="Shape 275"/>
+        <p:cNvPr id="273" name="Shape 273"/>
         <p:cNvGrpSpPr/>
         <p:nvPr/>
       </p:nvGrpSpPr>
@@ -12285,7 +11966,7 @@
       </p:grpSpPr>
       <p:pic>
         <p:nvPicPr>
-          <p:cNvPr id="276" name="Shape 276"/>
+          <p:cNvPr id="274" name="Shape 274"/>
           <p:cNvPicPr preferRelativeResize="0"/>
           <p:nvPr/>
         </p:nvPicPr>
@@ -12299,8 +11980,8 @@
         </p:blipFill>
         <p:spPr>
           <a:xfrm>
-            <a:off x="486100" y="1594512"/>
-            <a:ext cx="5944850" cy="1954475"/>
+            <a:off x="7105312" y="1981200"/>
+            <a:ext cx="1552575" cy="1181100"/>
           </a:xfrm>
           <a:prstGeom prst="rect">
             <a:avLst/>
@@ -12311,37 +11992,9 @@
           </a:ln>
         </p:spPr>
       </p:pic>
-      <p:pic>
-        <p:nvPicPr>
-          <p:cNvPr id="277" name="Shape 277"/>
-          <p:cNvPicPr preferRelativeResize="0"/>
-          <p:nvPr/>
-        </p:nvPicPr>
-        <p:blipFill>
-          <a:blip r:embed="rId4">
-            <a:alphaModFix/>
-          </a:blip>
-          <a:stretch>
-            <a:fillRect/>
-          </a:stretch>
-        </p:blipFill>
-        <p:spPr>
-          <a:xfrm>
-            <a:off x="7105312" y="1981200"/>
-            <a:ext cx="1552575" cy="1181100"/>
-          </a:xfrm>
-          <a:prstGeom prst="rect">
-            <a:avLst/>
-          </a:prstGeom>
-          <a:noFill/>
-          <a:ln>
-            <a:noFill/>
-          </a:ln>
-        </p:spPr>
-      </p:pic>
       <p:sp>
         <p:nvSpPr>
-          <p:cNvPr id="278" name="Shape 278"/>
+          <p:cNvPr id="275" name="Shape 275"/>
           <p:cNvSpPr txBox="1"/>
           <p:nvPr/>
         </p:nvSpPr>
@@ -12375,13 +12028,41 @@
                 <a:solidFill>
                   <a:schemeClr val="hlink"/>
                 </a:solidFill>
-                <a:hlinkClick r:id="rId5"/>
+                <a:hlinkClick r:id="rId4"/>
               </a:rPr>
               <a:t>https://github.com/yermilov/groovy-dsl</a:t>
             </a:r>
           </a:p>
         </p:txBody>
       </p:sp>
+      <p:pic>
+        <p:nvPicPr>
+          <p:cNvPr id="276" name="Shape 276"/>
+          <p:cNvPicPr preferRelativeResize="0"/>
+          <p:nvPr/>
+        </p:nvPicPr>
+        <p:blipFill>
+          <a:blip r:embed="rId5">
+            <a:alphaModFix/>
+          </a:blip>
+          <a:stretch>
+            <a:fillRect/>
+          </a:stretch>
+        </p:blipFill>
+        <p:spPr>
+          <a:xfrm>
+            <a:off x="252225" y="2036875"/>
+            <a:ext cx="6583498" cy="1069750"/>
+          </a:xfrm>
+          <a:prstGeom prst="rect">
+            <a:avLst/>
+          </a:prstGeom>
+          <a:noFill/>
+          <a:ln>
+            <a:noFill/>
+          </a:ln>
+        </p:spPr>
+      </p:pic>
     </p:spTree>
   </p:cSld>
   <p:clrMapOvr>
@@ -12398,7 +12079,7 @@
   <p:cSld>
     <p:spTree>
       <p:nvGrpSpPr>
-        <p:cNvPr id="282" name="Shape 282"/>
+        <p:cNvPr id="280" name="Shape 280"/>
         <p:cNvGrpSpPr/>
         <p:nvPr/>
       </p:nvGrpSpPr>
@@ -12412,7 +12093,7 @@
       </p:grpSpPr>
       <p:pic>
         <p:nvPicPr>
-          <p:cNvPr id="283" name="Shape 283"/>
+          <p:cNvPr id="281" name="Shape 281"/>
           <p:cNvPicPr preferRelativeResize="0"/>
           <p:nvPr/>
         </p:nvPicPr>
@@ -12426,8 +12107,8 @@
         </p:blipFill>
         <p:spPr>
           <a:xfrm>
-            <a:off x="682562" y="1918900"/>
-            <a:ext cx="5522950" cy="1305699"/>
+            <a:off x="6927900" y="1995487"/>
+            <a:ext cx="1533525" cy="1152525"/>
           </a:xfrm>
           <a:prstGeom prst="rect">
             <a:avLst/>
@@ -12438,37 +12119,9 @@
           </a:ln>
         </p:spPr>
       </p:pic>
-      <p:pic>
-        <p:nvPicPr>
-          <p:cNvPr id="284" name="Shape 284"/>
-          <p:cNvPicPr preferRelativeResize="0"/>
-          <p:nvPr/>
-        </p:nvPicPr>
-        <p:blipFill>
-          <a:blip r:embed="rId4">
-            <a:alphaModFix/>
-          </a:blip>
-          <a:stretch>
-            <a:fillRect/>
-          </a:stretch>
-        </p:blipFill>
-        <p:spPr>
-          <a:xfrm>
-            <a:off x="6927900" y="1995487"/>
-            <a:ext cx="1533525" cy="1152525"/>
-          </a:xfrm>
-          <a:prstGeom prst="rect">
-            <a:avLst/>
-          </a:prstGeom>
-          <a:noFill/>
-          <a:ln>
-            <a:noFill/>
-          </a:ln>
-        </p:spPr>
-      </p:pic>
       <p:sp>
         <p:nvSpPr>
-          <p:cNvPr id="285" name="Shape 285"/>
+          <p:cNvPr id="282" name="Shape 282"/>
           <p:cNvSpPr txBox="1"/>
           <p:nvPr/>
         </p:nvSpPr>
@@ -12502,13 +12155,41 @@
                 <a:solidFill>
                   <a:schemeClr val="hlink"/>
                 </a:solidFill>
-                <a:hlinkClick r:id="rId5"/>
+                <a:hlinkClick r:id="rId4"/>
               </a:rPr>
               <a:t>https://github.com/yermilov/groovy-dsl</a:t>
             </a:r>
           </a:p>
         </p:txBody>
       </p:sp>
+      <p:pic>
+        <p:nvPicPr>
+          <p:cNvPr id="283" name="Shape 283"/>
+          <p:cNvPicPr preferRelativeResize="0"/>
+          <p:nvPr/>
+        </p:nvPicPr>
+        <p:blipFill>
+          <a:blip r:embed="rId5">
+            <a:alphaModFix/>
+          </a:blip>
+          <a:stretch>
+            <a:fillRect/>
+          </a:stretch>
+        </p:blipFill>
+        <p:spPr>
+          <a:xfrm>
+            <a:off x="172475" y="2404500"/>
+            <a:ext cx="6563632" cy="334499"/>
+          </a:xfrm>
+          <a:prstGeom prst="rect">
+            <a:avLst/>
+          </a:prstGeom>
+          <a:noFill/>
+          <a:ln>
+            <a:noFill/>
+          </a:ln>
+        </p:spPr>
+      </p:pic>
     </p:spTree>
   </p:cSld>
   <p:clrMapOvr>
@@ -12525,7 +12206,7 @@
   <p:cSld>
     <p:spTree>
       <p:nvGrpSpPr>
-        <p:cNvPr id="289" name="Shape 289"/>
+        <p:cNvPr id="287" name="Shape 287"/>
         <p:cNvGrpSpPr/>
         <p:nvPr/>
       </p:nvGrpSpPr>
@@ -12539,7 +12220,7 @@
       </p:grpSpPr>
       <p:pic>
         <p:nvPicPr>
-          <p:cNvPr id="290" name="Shape 290"/>
+          <p:cNvPr id="288" name="Shape 288"/>
           <p:cNvPicPr preferRelativeResize="0"/>
           <p:nvPr/>
         </p:nvPicPr>
@@ -12553,8 +12234,8 @@
         </p:blipFill>
         <p:spPr>
           <a:xfrm>
-            <a:off x="881437" y="1734962"/>
-            <a:ext cx="4673925" cy="1673574"/>
+            <a:off x="6729037" y="1995487"/>
+            <a:ext cx="1533525" cy="1152525"/>
           </a:xfrm>
           <a:prstGeom prst="rect">
             <a:avLst/>
@@ -12565,37 +12246,9 @@
           </a:ln>
         </p:spPr>
       </p:pic>
-      <p:pic>
-        <p:nvPicPr>
-          <p:cNvPr id="291" name="Shape 291"/>
-          <p:cNvPicPr preferRelativeResize="0"/>
-          <p:nvPr/>
-        </p:nvPicPr>
-        <p:blipFill>
-          <a:blip r:embed="rId4">
-            <a:alphaModFix/>
-          </a:blip>
-          <a:stretch>
-            <a:fillRect/>
-          </a:stretch>
-        </p:blipFill>
-        <p:spPr>
-          <a:xfrm>
-            <a:off x="6729037" y="1995487"/>
-            <a:ext cx="1533525" cy="1152525"/>
-          </a:xfrm>
-          <a:prstGeom prst="rect">
-            <a:avLst/>
-          </a:prstGeom>
-          <a:noFill/>
-          <a:ln>
-            <a:noFill/>
-          </a:ln>
-        </p:spPr>
-      </p:pic>
       <p:sp>
         <p:nvSpPr>
-          <p:cNvPr id="292" name="Shape 292"/>
+          <p:cNvPr id="289" name="Shape 289"/>
           <p:cNvSpPr txBox="1"/>
           <p:nvPr/>
         </p:nvSpPr>
@@ -12629,13 +12282,41 @@
                 <a:solidFill>
                   <a:schemeClr val="hlink"/>
                 </a:solidFill>
-                <a:hlinkClick r:id="rId5"/>
+                <a:hlinkClick r:id="rId4"/>
               </a:rPr>
               <a:t>https://github.com/yermilov/groovy-dsl</a:t>
             </a:r>
           </a:p>
         </p:txBody>
       </p:sp>
+      <p:pic>
+        <p:nvPicPr>
+          <p:cNvPr id="290" name="Shape 290"/>
+          <p:cNvPicPr preferRelativeResize="0"/>
+          <p:nvPr/>
+        </p:nvPicPr>
+        <p:blipFill>
+          <a:blip r:embed="rId5">
+            <a:alphaModFix/>
+          </a:blip>
+          <a:stretch>
+            <a:fillRect/>
+          </a:stretch>
+        </p:blipFill>
+        <p:spPr>
+          <a:xfrm>
+            <a:off x="279500" y="2315225"/>
+            <a:ext cx="6201725" cy="513050"/>
+          </a:xfrm>
+          <a:prstGeom prst="rect">
+            <a:avLst/>
+          </a:prstGeom>
+          <a:noFill/>
+          <a:ln>
+            <a:noFill/>
+          </a:ln>
+        </p:spPr>
+      </p:pic>
     </p:spTree>
   </p:cSld>
   <p:clrMapOvr>
@@ -12652,7 +12333,7 @@
   <p:cSld>
     <p:spTree>
       <p:nvGrpSpPr>
-        <p:cNvPr id="296" name="Shape 296"/>
+        <p:cNvPr id="294" name="Shape 294"/>
         <p:cNvGrpSpPr/>
         <p:nvPr/>
       </p:nvGrpSpPr>
@@ -12666,7 +12347,7 @@
       </p:grpSpPr>
       <p:sp>
         <p:nvSpPr>
-          <p:cNvPr id="297" name="Shape 297"/>
+          <p:cNvPr id="295" name="Shape 295"/>
           <p:cNvSpPr txBox="1"/>
           <p:nvPr>
             <p:ph type="title"/>
@@ -12702,7 +12383,7 @@
       </p:sp>
       <p:pic>
         <p:nvPicPr>
-          <p:cNvPr id="298" name="Shape 298"/>
+          <p:cNvPr id="296" name="Shape 296"/>
           <p:cNvPicPr preferRelativeResize="0"/>
           <p:nvPr/>
         </p:nvPicPr>
@@ -12728,37 +12409,9 @@
           </a:ln>
         </p:spPr>
       </p:pic>
-      <p:pic>
-        <p:nvPicPr>
-          <p:cNvPr id="299" name="Shape 299"/>
-          <p:cNvPicPr preferRelativeResize="0"/>
-          <p:nvPr/>
-        </p:nvPicPr>
-        <p:blipFill>
-          <a:blip r:embed="rId4">
-            <a:alphaModFix/>
-          </a:blip>
-          <a:stretch>
-            <a:fillRect/>
-          </a:stretch>
-        </p:blipFill>
-        <p:spPr>
-          <a:xfrm>
-            <a:off x="457200" y="1063375"/>
-            <a:ext cx="4899047" cy="3699124"/>
-          </a:xfrm>
-          <a:prstGeom prst="rect">
-            <a:avLst/>
-          </a:prstGeom>
-          <a:noFill/>
-          <a:ln>
-            <a:noFill/>
-          </a:ln>
-        </p:spPr>
-      </p:pic>
       <p:sp>
         <p:nvSpPr>
-          <p:cNvPr id="300" name="Shape 300"/>
+          <p:cNvPr id="297" name="Shape 297"/>
           <p:cNvSpPr txBox="1"/>
           <p:nvPr/>
         </p:nvSpPr>
@@ -12792,13 +12445,41 @@
                 <a:solidFill>
                   <a:schemeClr val="hlink"/>
                 </a:solidFill>
-                <a:hlinkClick r:id="rId5"/>
+                <a:hlinkClick r:id="rId4"/>
               </a:rPr>
               <a:t>https://github.com/yermilov/groovy-dsl</a:t>
             </a:r>
           </a:p>
         </p:txBody>
       </p:sp>
+      <p:pic>
+        <p:nvPicPr>
+          <p:cNvPr id="298" name="Shape 298"/>
+          <p:cNvPicPr preferRelativeResize="0"/>
+          <p:nvPr/>
+        </p:nvPicPr>
+        <p:blipFill>
+          <a:blip r:embed="rId5">
+            <a:alphaModFix/>
+          </a:blip>
+          <a:stretch>
+            <a:fillRect/>
+          </a:stretch>
+        </p:blipFill>
+        <p:spPr>
+          <a:xfrm>
+            <a:off x="374550" y="1103562"/>
+            <a:ext cx="4989901" cy="2936374"/>
+          </a:xfrm>
+          <a:prstGeom prst="rect">
+            <a:avLst/>
+          </a:prstGeom>
+          <a:noFill/>
+          <a:ln>
+            <a:noFill/>
+          </a:ln>
+        </p:spPr>
+      </p:pic>
     </p:spTree>
   </p:cSld>
   <p:clrMapOvr>
@@ -12815,7 +12496,7 @@
   <p:cSld>
     <p:spTree>
       <p:nvGrpSpPr>
-        <p:cNvPr id="304" name="Shape 304"/>
+        <p:cNvPr id="302" name="Shape 302"/>
         <p:cNvGrpSpPr/>
         <p:nvPr/>
       </p:nvGrpSpPr>
@@ -12829,7 +12510,7 @@
       </p:grpSpPr>
       <p:sp>
         <p:nvSpPr>
-          <p:cNvPr id="305" name="Shape 305"/>
+          <p:cNvPr id="303" name="Shape 303"/>
           <p:cNvSpPr txBox="1"/>
           <p:nvPr>
             <p:ph type="title"/>
@@ -12865,7 +12546,7 @@
       </p:sp>
       <p:pic>
         <p:nvPicPr>
-          <p:cNvPr id="306" name="Shape 306"/>
+          <p:cNvPr id="304" name="Shape 304"/>
           <p:cNvPicPr preferRelativeResize="0"/>
           <p:nvPr/>
         </p:nvPicPr>
@@ -12891,37 +12572,9 @@
           </a:ln>
         </p:spPr>
       </p:pic>
-      <p:pic>
-        <p:nvPicPr>
-          <p:cNvPr id="307" name="Shape 307"/>
-          <p:cNvPicPr preferRelativeResize="0"/>
-          <p:nvPr/>
-        </p:nvPicPr>
-        <p:blipFill>
-          <a:blip r:embed="rId4">
-            <a:alphaModFix/>
-          </a:blip>
-          <a:stretch>
-            <a:fillRect/>
-          </a:stretch>
-        </p:blipFill>
-        <p:spPr>
-          <a:xfrm>
-            <a:off x="457200" y="1063375"/>
-            <a:ext cx="4753175" cy="3916375"/>
-          </a:xfrm>
-          <a:prstGeom prst="rect">
-            <a:avLst/>
-          </a:prstGeom>
-          <a:noFill/>
-          <a:ln>
-            <a:noFill/>
-          </a:ln>
-        </p:spPr>
-      </p:pic>
       <p:sp>
         <p:nvSpPr>
-          <p:cNvPr id="308" name="Shape 308"/>
+          <p:cNvPr id="305" name="Shape 305"/>
           <p:cNvSpPr txBox="1"/>
           <p:nvPr/>
         </p:nvSpPr>
@@ -12955,13 +12608,41 @@
                 <a:solidFill>
                   <a:schemeClr val="hlink"/>
                 </a:solidFill>
-                <a:hlinkClick r:id="rId5"/>
+                <a:hlinkClick r:id="rId4"/>
               </a:rPr>
               <a:t>https://github.com/yermilov/groovy-dsl</a:t>
             </a:r>
           </a:p>
         </p:txBody>
       </p:sp>
+      <p:pic>
+        <p:nvPicPr>
+          <p:cNvPr id="306" name="Shape 306"/>
+          <p:cNvPicPr preferRelativeResize="0"/>
+          <p:nvPr/>
+        </p:nvPicPr>
+        <p:blipFill>
+          <a:blip r:embed="rId5">
+            <a:alphaModFix/>
+          </a:blip>
+          <a:stretch>
+            <a:fillRect/>
+          </a:stretch>
+        </p:blipFill>
+        <p:spPr>
+          <a:xfrm>
+            <a:off x="457200" y="1476725"/>
+            <a:ext cx="5289450" cy="2837375"/>
+          </a:xfrm>
+          <a:prstGeom prst="rect">
+            <a:avLst/>
+          </a:prstGeom>
+          <a:noFill/>
+          <a:ln>
+            <a:noFill/>
+          </a:ln>
+        </p:spPr>
+      </p:pic>
     </p:spTree>
   </p:cSld>
   <p:clrMapOvr>
@@ -12995,6 +12676,142 @@
           <p:cNvPr id="49" name="Shape 49"/>
           <p:cNvSpPr txBox="1"/>
           <p:nvPr>
+            <p:ph idx="1" type="body"/>
+          </p:nvPr>
+        </p:nvSpPr>
+        <p:spPr>
+          <a:xfrm>
+            <a:off x="381000" y="1200150"/>
+            <a:ext cx="5551800" cy="3725699"/>
+          </a:xfrm>
+          <a:prstGeom prst="rect">
+            <a:avLst/>
+          </a:prstGeom>
+        </p:spPr>
+        <p:txBody>
+          <a:bodyPr anchorCtr="0" anchor="t" bIns="91425" lIns="91425" rIns="91425" tIns="91425">
+            <a:noAutofit/>
+          </a:bodyPr>
+          <a:lstStyle/>
+          <a:p>
+            <a:pPr lvl="0" rtl="0">
+              <a:spcBef>
+                <a:spcPts val="0"/>
+              </a:spcBef>
+              <a:buNone/>
+            </a:pPr>
+            <a:r>
+              <a:rPr lang="en" sz="2400">
+                <a:solidFill>
+                  <a:srgbClr val="000000"/>
+                </a:solidFill>
+              </a:rPr>
+              <a:t>A domain-specific language (DSL)</a:t>
+            </a:r>
+          </a:p>
+          <a:p>
+            <a:pPr lvl="0" rtl="0">
+              <a:spcBef>
+                <a:spcPts val="0"/>
+              </a:spcBef>
+              <a:buNone/>
+            </a:pPr>
+            <a:r>
+              <a:rPr lang="en" sz="2400">
+                <a:solidFill>
+                  <a:srgbClr val="000000"/>
+                </a:solidFill>
+              </a:rPr>
+              <a:t>is a computer language specialized to </a:t>
+            </a:r>
+          </a:p>
+          <a:p>
+            <a:pPr lvl="0" rtl="0">
+              <a:spcBef>
+                <a:spcPts val="0"/>
+              </a:spcBef>
+              <a:buNone/>
+            </a:pPr>
+            <a:r>
+              <a:rPr lang="en" sz="2400">
+                <a:solidFill>
+                  <a:srgbClr val="000000"/>
+                </a:solidFill>
+              </a:rPr>
+              <a:t>a particular application domain. This </a:t>
+            </a:r>
+          </a:p>
+          <a:p>
+            <a:pPr lvl="0" rtl="0">
+              <a:spcBef>
+                <a:spcPts val="0"/>
+              </a:spcBef>
+              <a:buNone/>
+            </a:pPr>
+            <a:r>
+              <a:rPr lang="en" sz="2400">
+                <a:solidFill>
+                  <a:srgbClr val="000000"/>
+                </a:solidFill>
+              </a:rPr>
+              <a:t>is in contrast to a general-purpose </a:t>
+            </a:r>
+          </a:p>
+          <a:p>
+            <a:pPr lvl="0" rtl="0">
+              <a:spcBef>
+                <a:spcPts val="0"/>
+              </a:spcBef>
+              <a:buNone/>
+            </a:pPr>
+            <a:r>
+              <a:rPr lang="en" sz="2400">
+                <a:solidFill>
+                  <a:srgbClr val="000000"/>
+                </a:solidFill>
+              </a:rPr>
+              <a:t>language (GPL), which is broadly </a:t>
+            </a:r>
+          </a:p>
+          <a:p>
+            <a:pPr lvl="0" rtl="0">
+              <a:spcBef>
+                <a:spcPts val="0"/>
+              </a:spcBef>
+              <a:buNone/>
+            </a:pPr>
+            <a:r>
+              <a:rPr lang="en" sz="2400">
+                <a:solidFill>
+                  <a:srgbClr val="000000"/>
+                </a:solidFill>
+              </a:rPr>
+              <a:t>applicable across domains, and </a:t>
+            </a:r>
+          </a:p>
+          <a:p>
+            <a:pPr lvl="0" rtl="0">
+              <a:spcBef>
+                <a:spcPts val="0"/>
+              </a:spcBef>
+              <a:buNone/>
+            </a:pPr>
+            <a:r>
+              <a:rPr lang="en" sz="2400">
+                <a:solidFill>
+                  <a:srgbClr val="000000"/>
+                </a:solidFill>
+              </a:rPr>
+              <a:t>lacks specialized features for a particular domain.</a:t>
+            </a:r>
+          </a:p>
+        </p:txBody>
+      </p:sp>
+      <p:sp>
+        <p:nvSpPr>
+          <p:cNvPr id="50" name="Shape 50"/>
+          <p:cNvSpPr txBox="1"/>
+          <p:nvPr>
             <p:ph type="title"/>
           </p:nvPr>
         </p:nvSpPr>
@@ -13028,7 +12845,7 @@
       </p:sp>
       <p:pic>
         <p:nvPicPr>
-          <p:cNvPr id="50" name="Shape 50"/>
+          <p:cNvPr id="51" name="Shape 51"/>
           <p:cNvPicPr preferRelativeResize="0"/>
           <p:nvPr/>
         </p:nvPicPr>
@@ -13056,7 +12873,7 @@
       </p:pic>
       <p:pic>
         <p:nvPicPr>
-          <p:cNvPr id="51" name="Shape 51"/>
+          <p:cNvPr id="52" name="Shape 52"/>
           <p:cNvPicPr preferRelativeResize="0"/>
           <p:nvPr/>
         </p:nvPicPr>
@@ -13084,10 +12901,10 @@
       </p:pic>
       <p:sp>
         <p:nvSpPr>
-          <p:cNvPr id="52" name="Shape 52"/>
+          <p:cNvPr id="53" name="Shape 53"/>
           <p:cNvSpPr txBox="1"/>
           <p:nvPr>
-            <p:ph idx="1" type="body"/>
+            <p:ph idx="2" type="body"/>
           </p:nvPr>
         </p:nvSpPr>
         <p:spPr>
@@ -13238,142 +13055,6 @@
                 </a:solidFill>
               </a:rPr>
               <a:t>particular domain.</a:t>
-            </a:r>
-          </a:p>
-        </p:txBody>
-      </p:sp>
-      <p:sp>
-        <p:nvSpPr>
-          <p:cNvPr id="53" name="Shape 53"/>
-          <p:cNvSpPr txBox="1"/>
-          <p:nvPr>
-            <p:ph idx="2" type="body"/>
-          </p:nvPr>
-        </p:nvSpPr>
-        <p:spPr>
-          <a:xfrm>
-            <a:off x="381000" y="1200150"/>
-            <a:ext cx="5551800" cy="3725699"/>
-          </a:xfrm>
-          <a:prstGeom prst="rect">
-            <a:avLst/>
-          </a:prstGeom>
-        </p:spPr>
-        <p:txBody>
-          <a:bodyPr anchorCtr="0" anchor="t" bIns="91425" lIns="91425" rIns="91425" tIns="91425">
-            <a:noAutofit/>
-          </a:bodyPr>
-          <a:lstStyle/>
-          <a:p>
-            <a:pPr lvl="0" rtl="0">
-              <a:spcBef>
-                <a:spcPts val="0"/>
-              </a:spcBef>
-              <a:buNone/>
-            </a:pPr>
-            <a:r>
-              <a:rPr lang="en" sz="2400">
-                <a:solidFill>
-                  <a:srgbClr val="000000"/>
-                </a:solidFill>
-              </a:rPr>
-              <a:t>A domain-specific language (DSL)</a:t>
-            </a:r>
-          </a:p>
-          <a:p>
-            <a:pPr lvl="0" rtl="0">
-              <a:spcBef>
-                <a:spcPts val="0"/>
-              </a:spcBef>
-              <a:buNone/>
-            </a:pPr>
-            <a:r>
-              <a:rPr lang="en" sz="2400">
-                <a:solidFill>
-                  <a:srgbClr val="000000"/>
-                </a:solidFill>
-              </a:rPr>
-              <a:t>is a computer language specialized to </a:t>
-            </a:r>
-          </a:p>
-          <a:p>
-            <a:pPr lvl="0" rtl="0">
-              <a:spcBef>
-                <a:spcPts val="0"/>
-              </a:spcBef>
-              <a:buNone/>
-            </a:pPr>
-            <a:r>
-              <a:rPr lang="en" sz="2400">
-                <a:solidFill>
-                  <a:srgbClr val="000000"/>
-                </a:solidFill>
-              </a:rPr>
-              <a:t>a particular application domain. This </a:t>
-            </a:r>
-          </a:p>
-          <a:p>
-            <a:pPr lvl="0" rtl="0">
-              <a:spcBef>
-                <a:spcPts val="0"/>
-              </a:spcBef>
-              <a:buNone/>
-            </a:pPr>
-            <a:r>
-              <a:rPr lang="en" sz="2400">
-                <a:solidFill>
-                  <a:srgbClr val="000000"/>
-                </a:solidFill>
-              </a:rPr>
-              <a:t>is in contrast to a general-purpose </a:t>
-            </a:r>
-          </a:p>
-          <a:p>
-            <a:pPr lvl="0" rtl="0">
-              <a:spcBef>
-                <a:spcPts val="0"/>
-              </a:spcBef>
-              <a:buNone/>
-            </a:pPr>
-            <a:r>
-              <a:rPr lang="en" sz="2400">
-                <a:solidFill>
-                  <a:srgbClr val="000000"/>
-                </a:solidFill>
-              </a:rPr>
-              <a:t>language (GPL), which is broadly </a:t>
-            </a:r>
-          </a:p>
-          <a:p>
-            <a:pPr lvl="0" rtl="0">
-              <a:spcBef>
-                <a:spcPts val="0"/>
-              </a:spcBef>
-              <a:buNone/>
-            </a:pPr>
-            <a:r>
-              <a:rPr lang="en" sz="2400">
-                <a:solidFill>
-                  <a:srgbClr val="000000"/>
-                </a:solidFill>
-              </a:rPr>
-              <a:t>applicable across domains, and </a:t>
-            </a:r>
-          </a:p>
-          <a:p>
-            <a:pPr lvl="0" rtl="0">
-              <a:spcBef>
-                <a:spcPts val="0"/>
-              </a:spcBef>
-              <a:buNone/>
-            </a:pPr>
-            <a:r>
-              <a:rPr lang="en" sz="2400">
-                <a:solidFill>
-                  <a:srgbClr val="000000"/>
-                </a:solidFill>
-              </a:rPr>
-              <a:t>lacks specialized features for a particular domain.</a:t>
             </a:r>
           </a:p>
         </p:txBody>
@@ -13463,6 +13144,41 @@
                                           </p:stCondLst>
                                         </p:cTn>
                                         <p:tgtEl>
+                                          <p:spTgt spid="53"/>
+                                        </p:tgtEl>
+                                        <p:attrNameLst>
+                                          <p:attrName>style.visibility</p:attrName>
+                                        </p:attrNameLst>
+                                      </p:cBhvr>
+                                      <p:to>
+                                        <p:strVal val="visible"/>
+                                      </p:to>
+                                    </p:set>
+                                    <p:animEffect filter="fade" transition="in">
+                                      <p:cBhvr>
+                                        <p:cTn dur="1000"/>
+                                        <p:tgtEl>
+                                          <p:spTgt spid="53"/>
+                                        </p:tgtEl>
+                                      </p:cBhvr>
+                                    </p:animEffect>
+                                  </p:childTnLst>
+                                </p:cTn>
+                              </p:par>
+                              <p:par>
+                                <p:cTn fill="hold" nodeType="withEffect" presetClass="entr" presetID="10" presetSubtype="0">
+                                  <p:stCondLst>
+                                    <p:cond delay="0"/>
+                                  </p:stCondLst>
+                                  <p:childTnLst>
+                                    <p:set>
+                                      <p:cBhvr>
+                                        <p:cTn dur="1" fill="hold">
+                                          <p:stCondLst>
+                                            <p:cond delay="0"/>
+                                          </p:stCondLst>
+                                        </p:cTn>
+                                        <p:tgtEl>
                                           <p:spTgt spid="52"/>
                                         </p:tgtEl>
                                         <p:attrNameLst>
@@ -13485,41 +13201,6 @@
                                 </p:cTn>
                               </p:par>
                               <p:par>
-                                <p:cTn fill="hold" nodeType="withEffect" presetClass="entr" presetID="10" presetSubtype="0">
-                                  <p:stCondLst>
-                                    <p:cond delay="0"/>
-                                  </p:stCondLst>
-                                  <p:childTnLst>
-                                    <p:set>
-                                      <p:cBhvr>
-                                        <p:cTn dur="1" fill="hold">
-                                          <p:stCondLst>
-                                            <p:cond delay="0"/>
-                                          </p:stCondLst>
-                                        </p:cTn>
-                                        <p:tgtEl>
-                                          <p:spTgt spid="51"/>
-                                        </p:tgtEl>
-                                        <p:attrNameLst>
-                                          <p:attrName>style.visibility</p:attrName>
-                                        </p:attrNameLst>
-                                      </p:cBhvr>
-                                      <p:to>
-                                        <p:strVal val="visible"/>
-                                      </p:to>
-                                    </p:set>
-                                    <p:animEffect filter="fade" transition="in">
-                                      <p:cBhvr>
-                                        <p:cTn dur="1000"/>
-                                        <p:tgtEl>
-                                          <p:spTgt spid="51"/>
-                                        </p:tgtEl>
-                                      </p:cBhvr>
-                                    </p:animEffect>
-                                  </p:childTnLst>
-                                </p:cTn>
-                              </p:par>
-                              <p:par>
                                 <p:cTn fill="hold" nodeType="withEffect" presetClass="exit" presetID="10" presetSubtype="0">
                                   <p:stCondLst>
                                     <p:cond delay="0"/>
@@ -13529,7 +13210,7 @@
                                       <p:cBhvr>
                                         <p:cTn dur="1000"/>
                                         <p:tgtEl>
-                                          <p:spTgt spid="53"/>
+                                          <p:spTgt spid="49"/>
                                         </p:tgtEl>
                                       </p:cBhvr>
                                     </p:animEffect>
@@ -13541,7 +13222,7 @@
                                           </p:stCondLst>
                                         </p:cTn>
                                         <p:tgtEl>
-                                          <p:spTgt spid="53"/>
+                                          <p:spTgt spid="49"/>
                                         </p:tgtEl>
                                         <p:attrNameLst>
                                           <p:attrName>style.visibility</p:attrName>
@@ -13590,7 +13271,7 @@
   <p:cSld>
     <p:spTree>
       <p:nvGrpSpPr>
-        <p:cNvPr id="312" name="Shape 312"/>
+        <p:cNvPr id="310" name="Shape 310"/>
         <p:cNvGrpSpPr/>
         <p:nvPr/>
       </p:nvGrpSpPr>
@@ -13604,7 +13285,7 @@
       </p:grpSpPr>
       <p:sp>
         <p:nvSpPr>
-          <p:cNvPr id="313" name="Shape 313"/>
+          <p:cNvPr id="311" name="Shape 311"/>
           <p:cNvSpPr txBox="1"/>
           <p:nvPr>
             <p:ph type="title"/>
@@ -13638,37 +13319,9 @@
           </a:p>
         </p:txBody>
       </p:sp>
-      <p:pic>
-        <p:nvPicPr>
-          <p:cNvPr id="314" name="Shape 314"/>
-          <p:cNvPicPr preferRelativeResize="0"/>
-          <p:nvPr/>
-        </p:nvPicPr>
-        <p:blipFill>
-          <a:blip r:embed="rId3">
-            <a:alphaModFix/>
-          </a:blip>
-          <a:stretch>
-            <a:fillRect/>
-          </a:stretch>
-        </p:blipFill>
-        <p:spPr>
-          <a:xfrm>
-            <a:off x="1652400" y="1404600"/>
-            <a:ext cx="5839199" cy="3170349"/>
-          </a:xfrm>
-          <a:prstGeom prst="rect">
-            <a:avLst/>
-          </a:prstGeom>
-          <a:noFill/>
-          <a:ln>
-            <a:noFill/>
-          </a:ln>
-        </p:spPr>
-      </p:pic>
       <p:sp>
         <p:nvSpPr>
-          <p:cNvPr id="315" name="Shape 315"/>
+          <p:cNvPr id="312" name="Shape 312"/>
           <p:cNvSpPr txBox="1"/>
           <p:nvPr>
             <p:ph idx="1" type="body"/>
@@ -13700,13 +13353,41 @@
                 <a:solidFill>
                   <a:schemeClr val="hlink"/>
                 </a:solidFill>
-                <a:hlinkClick r:id="rId4"/>
+                <a:hlinkClick r:id="rId3"/>
               </a:rPr>
               <a:t>https://github.com/yermilov/groovy-dsl/tree/develop/examples/existing-dsls</a:t>
             </a:r>
           </a:p>
         </p:txBody>
       </p:sp>
+      <p:pic>
+        <p:nvPicPr>
+          <p:cNvPr id="313" name="Shape 313"/>
+          <p:cNvPicPr preferRelativeResize="0"/>
+          <p:nvPr/>
+        </p:nvPicPr>
+        <p:blipFill>
+          <a:blip r:embed="rId4">
+            <a:alphaModFix/>
+          </a:blip>
+          <a:stretch>
+            <a:fillRect/>
+          </a:stretch>
+        </p:blipFill>
+        <p:spPr>
+          <a:xfrm>
+            <a:off x="436462" y="1032662"/>
+            <a:ext cx="8271074" cy="3078174"/>
+          </a:xfrm>
+          <a:prstGeom prst="rect">
+            <a:avLst/>
+          </a:prstGeom>
+          <a:noFill/>
+          <a:ln>
+            <a:noFill/>
+          </a:ln>
+        </p:spPr>
+      </p:pic>
     </p:spTree>
   </p:cSld>
   <p:clrMapOvr>
@@ -13723,7 +13404,7 @@
   <p:cSld>
     <p:spTree>
       <p:nvGrpSpPr>
-        <p:cNvPr id="319" name="Shape 319"/>
+        <p:cNvPr id="317" name="Shape 317"/>
         <p:cNvGrpSpPr/>
         <p:nvPr/>
       </p:nvGrpSpPr>
@@ -13737,7 +13418,7 @@
       </p:grpSpPr>
       <p:sp>
         <p:nvSpPr>
-          <p:cNvPr id="320" name="Shape 320"/>
+          <p:cNvPr id="318" name="Shape 318"/>
           <p:cNvSpPr txBox="1"/>
           <p:nvPr>
             <p:ph type="title"/>
@@ -13771,37 +13452,9 @@
           </a:p>
         </p:txBody>
       </p:sp>
-      <p:pic>
-        <p:nvPicPr>
-          <p:cNvPr id="321" name="Shape 321"/>
-          <p:cNvPicPr preferRelativeResize="0"/>
-          <p:nvPr/>
-        </p:nvPicPr>
-        <p:blipFill>
-          <a:blip r:embed="rId3">
-            <a:alphaModFix/>
-          </a:blip>
-          <a:stretch>
-            <a:fillRect/>
-          </a:stretch>
-        </p:blipFill>
-        <p:spPr>
-          <a:xfrm>
-            <a:off x="1457762" y="1245528"/>
-            <a:ext cx="6228474" cy="3229874"/>
-          </a:xfrm>
-          <a:prstGeom prst="rect">
-            <a:avLst/>
-          </a:prstGeom>
-          <a:noFill/>
-          <a:ln>
-            <a:noFill/>
-          </a:ln>
-        </p:spPr>
-      </p:pic>
       <p:sp>
         <p:nvSpPr>
-          <p:cNvPr id="322" name="Shape 322"/>
+          <p:cNvPr id="319" name="Shape 319"/>
           <p:cNvSpPr txBox="1"/>
           <p:nvPr>
             <p:ph idx="1" type="body"/>
@@ -13833,13 +13486,41 @@
                 <a:solidFill>
                   <a:schemeClr val="hlink"/>
                 </a:solidFill>
-                <a:hlinkClick r:id="rId4"/>
+                <a:hlinkClick r:id="rId3"/>
               </a:rPr>
               <a:t>https://github.com/yermilov/groovy-dsl/tree/develop/examples/existing-dsls</a:t>
             </a:r>
           </a:p>
         </p:txBody>
       </p:sp>
+      <p:pic>
+        <p:nvPicPr>
+          <p:cNvPr id="320" name="Shape 320"/>
+          <p:cNvPicPr preferRelativeResize="0"/>
+          <p:nvPr/>
+        </p:nvPicPr>
+        <p:blipFill>
+          <a:blip r:embed="rId4">
+            <a:alphaModFix/>
+          </a:blip>
+          <a:stretch>
+            <a:fillRect/>
+          </a:stretch>
+        </p:blipFill>
+        <p:spPr>
+          <a:xfrm>
+            <a:off x="666452" y="1203200"/>
+            <a:ext cx="7811097" cy="2737100"/>
+          </a:xfrm>
+          <a:prstGeom prst="rect">
+            <a:avLst/>
+          </a:prstGeom>
+          <a:noFill/>
+          <a:ln>
+            <a:noFill/>
+          </a:ln>
+        </p:spPr>
+      </p:pic>
     </p:spTree>
   </p:cSld>
   <p:clrMapOvr>
@@ -13856,7 +13537,7 @@
   <p:cSld>
     <p:spTree>
       <p:nvGrpSpPr>
-        <p:cNvPr id="326" name="Shape 326"/>
+        <p:cNvPr id="324" name="Shape 324"/>
         <p:cNvGrpSpPr/>
         <p:nvPr/>
       </p:nvGrpSpPr>
@@ -13868,45 +13549,9 @@
           <a:chExt cx="0" cy="0"/>
         </a:xfrm>
       </p:grpSpPr>
-      <p:sp>
-        <p:nvSpPr>
-          <p:cNvPr id="327" name="Shape 327"/>
-          <p:cNvSpPr txBox="1"/>
-          <p:nvPr>
-            <p:ph type="title"/>
-          </p:nvPr>
-        </p:nvSpPr>
-        <p:spPr>
-          <a:xfrm>
-            <a:off x="457200" y="205978"/>
-            <a:ext cx="8229600" cy="857400"/>
-          </a:xfrm>
-          <a:prstGeom prst="rect">
-            <a:avLst/>
-          </a:prstGeom>
-        </p:spPr>
-        <p:txBody>
-          <a:bodyPr anchorCtr="0" anchor="b" bIns="91425" lIns="91425" rIns="91425" tIns="91425">
-            <a:noAutofit/>
-          </a:bodyPr>
-          <a:lstStyle/>
-          <a:p>
-            <a:pPr lvl="0" rtl="0">
-              <a:spcBef>
-                <a:spcPts val="0"/>
-              </a:spcBef>
-              <a:buNone/>
-            </a:pPr>
-            <a:r>
-              <a:rPr lang="en"/>
-              <a:t>Groovy existing DSLs</a:t>
-            </a:r>
-          </a:p>
-        </p:txBody>
-      </p:sp>
       <p:pic>
         <p:nvPicPr>
-          <p:cNvPr id="328" name="Shape 328"/>
+          <p:cNvPr id="325" name="Shape 325"/>
           <p:cNvPicPr preferRelativeResize="0"/>
           <p:nvPr/>
         </p:nvPicPr>
@@ -13920,8 +13565,8 @@
         </p:blipFill>
         <p:spPr>
           <a:xfrm>
-            <a:off x="2700750" y="936400"/>
-            <a:ext cx="3210200" cy="4274799"/>
+            <a:off x="2764700" y="1063375"/>
+            <a:ext cx="3614591" cy="3862350"/>
           </a:xfrm>
           <a:prstGeom prst="rect">
             <a:avLst/>
@@ -13934,7 +13579,43 @@
       </p:pic>
       <p:sp>
         <p:nvSpPr>
-          <p:cNvPr id="329" name="Shape 329"/>
+          <p:cNvPr id="326" name="Shape 326"/>
+          <p:cNvSpPr txBox="1"/>
+          <p:nvPr>
+            <p:ph type="title"/>
+          </p:nvPr>
+        </p:nvSpPr>
+        <p:spPr>
+          <a:xfrm>
+            <a:off x="457200" y="205978"/>
+            <a:ext cx="8229600" cy="857400"/>
+          </a:xfrm>
+          <a:prstGeom prst="rect">
+            <a:avLst/>
+          </a:prstGeom>
+        </p:spPr>
+        <p:txBody>
+          <a:bodyPr anchorCtr="0" anchor="b" bIns="91425" lIns="91425" rIns="91425" tIns="91425">
+            <a:noAutofit/>
+          </a:bodyPr>
+          <a:lstStyle/>
+          <a:p>
+            <a:pPr lvl="0" rtl="0">
+              <a:spcBef>
+                <a:spcPts val="0"/>
+              </a:spcBef>
+              <a:buNone/>
+            </a:pPr>
+            <a:r>
+              <a:rPr lang="en"/>
+              <a:t>Groovy existing DSLs</a:t>
+            </a:r>
+          </a:p>
+        </p:txBody>
+      </p:sp>
+      <p:sp>
+        <p:nvSpPr>
+          <p:cNvPr id="327" name="Shape 327"/>
           <p:cNvSpPr txBox="1"/>
           <p:nvPr>
             <p:ph idx="1" type="body"/>
@@ -13948,6 +13629,9 @@
           <a:prstGeom prst="rect">
             <a:avLst/>
           </a:prstGeom>
+          <a:solidFill>
+            <a:srgbClr val="FFFFFF"/>
+          </a:solidFill>
         </p:spPr>
         <p:txBody>
           <a:bodyPr anchorCtr="0" anchor="ctr" bIns="91425" lIns="91425" rIns="91425" tIns="91425">
@@ -13989,7 +13673,7 @@
   <p:cSld>
     <p:spTree>
       <p:nvGrpSpPr>
-        <p:cNvPr id="333" name="Shape 333"/>
+        <p:cNvPr id="331" name="Shape 331"/>
         <p:cNvGrpSpPr/>
         <p:nvPr/>
       </p:nvGrpSpPr>
@@ -14003,7 +13687,7 @@
       </p:grpSpPr>
       <p:sp>
         <p:nvSpPr>
-          <p:cNvPr id="334" name="Shape 334"/>
+          <p:cNvPr id="332" name="Shape 332"/>
           <p:cNvSpPr txBox="1"/>
           <p:nvPr>
             <p:ph type="title"/>
@@ -14039,7 +13723,7 @@
       </p:sp>
       <p:pic>
         <p:nvPicPr>
-          <p:cNvPr id="335" name="Shape 335"/>
+          <p:cNvPr id="333" name="Shape 333"/>
           <p:cNvPicPr preferRelativeResize="0"/>
           <p:nvPr/>
         </p:nvPicPr>
@@ -14053,8 +13737,8 @@
         </p:blipFill>
         <p:spPr>
           <a:xfrm>
-            <a:off x="2186450" y="1103375"/>
-            <a:ext cx="4771096" cy="3906500"/>
+            <a:off x="1448450" y="1063375"/>
+            <a:ext cx="6247098" cy="3788775"/>
           </a:xfrm>
           <a:prstGeom prst="rect">
             <a:avLst/>
@@ -14067,7 +13751,7 @@
       </p:pic>
       <p:sp>
         <p:nvSpPr>
-          <p:cNvPr id="336" name="Shape 336"/>
+          <p:cNvPr id="334" name="Shape 334"/>
           <p:cNvSpPr txBox="1"/>
           <p:nvPr>
             <p:ph idx="1" type="body"/>
@@ -14081,6 +13765,9 @@
           <a:prstGeom prst="rect">
             <a:avLst/>
           </a:prstGeom>
+          <a:solidFill>
+            <a:srgbClr val="FFFFFF"/>
+          </a:solidFill>
         </p:spPr>
         <p:txBody>
           <a:bodyPr anchorCtr="0" anchor="ctr" bIns="91425" lIns="91425" rIns="91425" tIns="91425">
@@ -14122,7 +13809,7 @@
   <p:cSld>
     <p:spTree>
       <p:nvGrpSpPr>
-        <p:cNvPr id="340" name="Shape 340"/>
+        <p:cNvPr id="338" name="Shape 338"/>
         <p:cNvGrpSpPr/>
         <p:nvPr/>
       </p:nvGrpSpPr>
@@ -14136,7 +13823,7 @@
       </p:grpSpPr>
       <p:sp>
         <p:nvSpPr>
-          <p:cNvPr id="341" name="Shape 341"/>
+          <p:cNvPr id="339" name="Shape 339"/>
           <p:cNvSpPr txBox="1"/>
           <p:nvPr>
             <p:ph type="title"/>
@@ -14172,7 +13859,7 @@
       </p:sp>
       <p:grpSp>
         <p:nvGrpSpPr>
-          <p:cNvPr id="342" name="Shape 342"/>
+          <p:cNvPr id="340" name="Shape 340"/>
           <p:cNvGrpSpPr/>
           <p:nvPr/>
         </p:nvGrpSpPr>
@@ -14186,7 +13873,7 @@
         </p:grpSpPr>
         <p:pic>
           <p:nvPicPr>
-            <p:cNvPr id="343" name="Shape 343"/>
+            <p:cNvPr id="341" name="Shape 341"/>
             <p:cNvPicPr preferRelativeResize="0"/>
             <p:nvPr/>
           </p:nvPicPr>
@@ -14214,7 +13901,7 @@
         </p:pic>
         <p:sp>
           <p:nvSpPr>
-            <p:cNvPr id="344" name="Shape 344"/>
+            <p:cNvPr id="342" name="Shape 342"/>
             <p:cNvSpPr txBox="1"/>
             <p:nvPr/>
           </p:nvSpPr>
@@ -14260,7 +13947,7 @@
       </p:grpSp>
       <p:grpSp>
         <p:nvGrpSpPr>
-          <p:cNvPr id="345" name="Shape 345"/>
+          <p:cNvPr id="343" name="Shape 343"/>
           <p:cNvGrpSpPr/>
           <p:nvPr/>
         </p:nvGrpSpPr>
@@ -14274,7 +13961,7 @@
         </p:grpSpPr>
         <p:pic>
           <p:nvPicPr>
-            <p:cNvPr id="346" name="Shape 346"/>
+            <p:cNvPr id="344" name="Shape 344"/>
             <p:cNvPicPr preferRelativeResize="0"/>
             <p:nvPr/>
           </p:nvPicPr>
@@ -14302,7 +13989,7 @@
         </p:pic>
         <p:sp>
           <p:nvSpPr>
-            <p:cNvPr id="347" name="Shape 347"/>
+            <p:cNvPr id="345" name="Shape 345"/>
             <p:cNvSpPr txBox="1"/>
             <p:nvPr/>
           </p:nvSpPr>
@@ -14348,7 +14035,7 @@
       </p:grpSp>
       <p:pic>
         <p:nvPicPr>
-          <p:cNvPr id="348" name="Shape 348"/>
+          <p:cNvPr id="346" name="Shape 346"/>
           <p:cNvPicPr preferRelativeResize="0"/>
           <p:nvPr/>
         </p:nvPicPr>
@@ -14416,7 +14103,7 @@
                                           </p:stCondLst>
                                         </p:cTn>
                                         <p:tgtEl>
-                                          <p:spTgt spid="345"/>
+                                          <p:spTgt spid="343"/>
                                         </p:tgtEl>
                                         <p:attrNameLst>
                                           <p:attrName>style.visibility</p:attrName>
@@ -14430,7 +14117,7 @@
                                       <p:cBhvr>
                                         <p:cTn dur="1000"/>
                                         <p:tgtEl>
-                                          <p:spTgt spid="345"/>
+                                          <p:spTgt spid="343"/>
                                         </p:tgtEl>
                                       </p:cBhvr>
                                     </p:animEffect>
@@ -14469,7 +14156,7 @@
                                           </p:stCondLst>
                                         </p:cTn>
                                         <p:tgtEl>
-                                          <p:spTgt spid="348"/>
+                                          <p:spTgt spid="346"/>
                                         </p:tgtEl>
                                         <p:attrNameLst>
                                           <p:attrName>style.visibility</p:attrName>
@@ -14483,7 +14170,7 @@
                                       <p:cBhvr>
                                         <p:cTn dur="1000"/>
                                         <p:tgtEl>
-                                          <p:spTgt spid="348"/>
+                                          <p:spTgt spid="346"/>
                                         </p:tgtEl>
                                       </p:cBhvr>
                                     </p:animEffect>
@@ -14522,7 +14209,7 @@
                                           </p:stCondLst>
                                         </p:cTn>
                                         <p:tgtEl>
-                                          <p:spTgt spid="342"/>
+                                          <p:spTgt spid="340"/>
                                         </p:tgtEl>
                                         <p:attrNameLst>
                                           <p:attrName>style.visibility</p:attrName>
@@ -14536,7 +14223,7 @@
                                       <p:cBhvr>
                                         <p:cTn dur="1000"/>
                                         <p:tgtEl>
-                                          <p:spTgt spid="342"/>
+                                          <p:spTgt spid="340"/>
                                         </p:tgtEl>
                                       </p:cBhvr>
                                     </p:animEffect>
@@ -14579,7 +14266,7 @@
   <p:cSld>
     <p:spTree>
       <p:nvGrpSpPr>
-        <p:cNvPr id="352" name="Shape 352"/>
+        <p:cNvPr id="350" name="Shape 350"/>
         <p:cNvGrpSpPr/>
         <p:nvPr/>
       </p:nvGrpSpPr>
@@ -14593,7 +14280,7 @@
       </p:grpSpPr>
       <p:pic>
         <p:nvPicPr>
-          <p:cNvPr id="353" name="Shape 353"/>
+          <p:cNvPr id="351" name="Shape 351"/>
           <p:cNvPicPr preferRelativeResize="0"/>
           <p:nvPr/>
         </p:nvPicPr>
@@ -14621,7 +14308,7 @@
       </p:pic>
       <p:sp>
         <p:nvSpPr>
-          <p:cNvPr id="354" name="Shape 354"/>
+          <p:cNvPr id="352" name="Shape 352"/>
           <p:cNvSpPr txBox="1"/>
           <p:nvPr>
             <p:ph type="title"/>
@@ -15171,9 +14858,45 @@
           </p:txBody>
         </p:sp>
       </p:grpSp>
+      <p:sp>
+        <p:nvSpPr>
+          <p:cNvPr id="76" name="Shape 76"/>
+          <p:cNvSpPr txBox="1"/>
+          <p:nvPr>
+            <p:ph type="title"/>
+          </p:nvPr>
+        </p:nvSpPr>
+        <p:spPr>
+          <a:xfrm>
+            <a:off x="457200" y="184703"/>
+            <a:ext cx="8229600" cy="857400"/>
+          </a:xfrm>
+          <a:prstGeom prst="rect">
+            <a:avLst/>
+          </a:prstGeom>
+        </p:spPr>
+        <p:txBody>
+          <a:bodyPr anchorCtr="0" anchor="b" bIns="91425" lIns="91425" rIns="91425" tIns="91425">
+            <a:noAutofit/>
+          </a:bodyPr>
+          <a:lstStyle/>
+          <a:p>
+            <a:pPr lvl="0" rtl="0">
+              <a:spcBef>
+                <a:spcPts val="0"/>
+              </a:spcBef>
+              <a:buNone/>
+            </a:pPr>
+            <a:r>
+              <a:rPr lang="en"/>
+              <a:t>Quiz!</a:t>
+            </a:r>
+          </a:p>
+        </p:txBody>
+      </p:sp>
       <p:pic>
         <p:nvPicPr>
-          <p:cNvPr id="76" name="Shape 76"/>
+          <p:cNvPr id="77" name="Shape 77"/>
           <p:cNvPicPr preferRelativeResize="0"/>
           <p:nvPr/>
         </p:nvPicPr>
@@ -15187,8 +14910,8 @@
         </p:blipFill>
         <p:spPr>
           <a:xfrm>
-            <a:off x="457200" y="1110150"/>
-            <a:ext cx="5573800" cy="3487074"/>
+            <a:off x="457200" y="1320875"/>
+            <a:ext cx="5587598" cy="2501750"/>
           </a:xfrm>
           <a:prstGeom prst="rect">
             <a:avLst/>
@@ -15199,42 +14922,6 @@
           </a:ln>
         </p:spPr>
       </p:pic>
-      <p:sp>
-        <p:nvSpPr>
-          <p:cNvPr id="77" name="Shape 77"/>
-          <p:cNvSpPr txBox="1"/>
-          <p:nvPr>
-            <p:ph type="title"/>
-          </p:nvPr>
-        </p:nvSpPr>
-        <p:spPr>
-          <a:xfrm>
-            <a:off x="457200" y="184703"/>
-            <a:ext cx="8229600" cy="857400"/>
-          </a:xfrm>
-          <a:prstGeom prst="rect">
-            <a:avLst/>
-          </a:prstGeom>
-        </p:spPr>
-        <p:txBody>
-          <a:bodyPr anchorCtr="0" anchor="b" bIns="91425" lIns="91425" rIns="91425" tIns="91425">
-            <a:noAutofit/>
-          </a:bodyPr>
-          <a:lstStyle/>
-          <a:p>
-            <a:pPr lvl="0" rtl="0">
-              <a:spcBef>
-                <a:spcPts val="0"/>
-              </a:spcBef>
-              <a:buNone/>
-            </a:pPr>
-            <a:r>
-              <a:rPr lang="en"/>
-              <a:t>Quiz!</a:t>
-            </a:r>
-          </a:p>
-        </p:txBody>
-      </p:sp>
     </p:spTree>
   </p:cSld>
   <p:clrMapOvr>
@@ -15525,8 +15212,8 @@
         </p:blipFill>
         <p:spPr>
           <a:xfrm>
-            <a:off x="609600" y="2514875"/>
-            <a:ext cx="7924800" cy="1247775"/>
+            <a:off x="179987" y="2864850"/>
+            <a:ext cx="8784026" cy="280949"/>
           </a:xfrm>
           <a:prstGeom prst="rect">
             <a:avLst/>
@@ -15827,8 +15514,8 @@
         </p:blipFill>
         <p:spPr>
           <a:xfrm>
-            <a:off x="1046300" y="2578700"/>
-            <a:ext cx="5010150" cy="1209675"/>
+            <a:off x="1562100" y="2932375"/>
+            <a:ext cx="6019800" cy="371475"/>
           </a:xfrm>
           <a:prstGeom prst="rect">
             <a:avLst/>
@@ -16129,8 +15816,8 @@
         </p:blipFill>
         <p:spPr>
           <a:xfrm>
-            <a:off x="1479075" y="2209800"/>
-            <a:ext cx="3810000" cy="1666875"/>
+            <a:off x="1322925" y="2257425"/>
+            <a:ext cx="3952875" cy="628650"/>
           </a:xfrm>
           <a:prstGeom prst="rect">
             <a:avLst/>
@@ -16431,8 +16118,8 @@
         </p:blipFill>
         <p:spPr>
           <a:xfrm>
-            <a:off x="159500" y="2387150"/>
-            <a:ext cx="8896350" cy="1676400"/>
+            <a:off x="457200" y="2831075"/>
+            <a:ext cx="8424798" cy="498052"/>
           </a:xfrm>
           <a:prstGeom prst="rect">
             <a:avLst/>
@@ -16732,6 +16419,283 @@
 </file>
 
 <file path=ppt/theme/theme2.xml><?xml version="1.0" encoding="utf-8"?>
+<a:theme xmlns:a="http://schemas.openxmlformats.org/drawingml/2006/main" xmlns:r="http://schemas.openxmlformats.org/officeDocument/2006/relationships" name="Custom Theme">
+  <a:themeElements>
+    <a:clrScheme name="Default">
+      <a:dk1>
+        <a:srgbClr val="000000"/>
+      </a:dk1>
+      <a:lt1>
+        <a:srgbClr val="FFFFFF"/>
+      </a:lt1>
+      <a:dk2>
+        <a:srgbClr val="158158"/>
+      </a:dk2>
+      <a:lt2>
+        <a:srgbClr val="F3F3F3"/>
+      </a:lt2>
+      <a:accent1>
+        <a:srgbClr val="058DC7"/>
+      </a:accent1>
+      <a:accent2>
+        <a:srgbClr val="50B432"/>
+      </a:accent2>
+      <a:accent3>
+        <a:srgbClr val="ED561B"/>
+      </a:accent3>
+      <a:accent4>
+        <a:srgbClr val="EDEF00"/>
+      </a:accent4>
+      <a:accent5>
+        <a:srgbClr val="24CBE5"/>
+      </a:accent5>
+      <a:accent6>
+        <a:srgbClr val="64E572"/>
+      </a:accent6>
+      <a:hlink>
+        <a:srgbClr val="2200CC"/>
+      </a:hlink>
+      <a:folHlink>
+        <a:srgbClr val="551A8B"/>
+      </a:folHlink>
+    </a:clrScheme>
+    <a:fontScheme name="Office">
+      <a:majorFont>
+        <a:latin typeface="Arial"/>
+        <a:ea typeface=""/>
+        <a:cs typeface=""/>
+        <a:font script="Jpan" typeface="ＭＳ Ｐゴシック"/>
+        <a:font script="Hang" typeface="맑은 고딕"/>
+        <a:font script="Hans" typeface="宋体"/>
+        <a:font script="Hant" typeface="新細明體"/>
+        <a:font script="Arab" typeface="Times New Roman"/>
+        <a:font script="Hebr" typeface="Times New Roman"/>
+        <a:font script="Thai" typeface="Angsana New"/>
+        <a:font script="Ethi" typeface="Nyala"/>
+        <a:font script="Beng" typeface="Vrinda"/>
+        <a:font script="Gujr" typeface="Shruti"/>
+        <a:font script="Khmr" typeface="MoolBoran"/>
+        <a:font script="Knda" typeface="Tunga"/>
+        <a:font script="Guru" typeface="Raavi"/>
+        <a:font script="Cans" typeface="Euphemia"/>
+        <a:font script="Cher" typeface="Plantagenet Cherokee"/>
+        <a:font script="Yiii" typeface="Microsoft Yi Baiti"/>
+        <a:font script="Tibt" typeface="Microsoft Himalaya"/>
+        <a:font script="Thaa" typeface="MV Boli"/>
+        <a:font script="Deva" typeface="Mangal"/>
+        <a:font script="Telu" typeface="Gautami"/>
+        <a:font script="Taml" typeface="Latha"/>
+        <a:font script="Syrc" typeface="Estrangelo Edessa"/>
+        <a:font script="Orya" typeface="Kalinga"/>
+        <a:font script="Mlym" typeface="Kartika"/>
+        <a:font script="Laoo" typeface="DokChampa"/>
+        <a:font script="Sinh" typeface="Iskoola Pota"/>
+        <a:font script="Mong" typeface="Mongolian Baiti"/>
+        <a:font script="Viet" typeface="Times New Roman"/>
+        <a:font script="Uigh" typeface="Microsoft Uighur"/>
+      </a:majorFont>
+      <a:minorFont>
+        <a:latin typeface="Arial"/>
+        <a:ea typeface=""/>
+        <a:cs typeface=""/>
+        <a:font script="Jpan" typeface="ＭＳ Ｐゴシック"/>
+        <a:font script="Hang" typeface="맑은 고딕"/>
+        <a:font script="Hans" typeface="宋体"/>
+        <a:font script="Hant" typeface="新細明體"/>
+        <a:font script="Arab" typeface="Times New Roman"/>
+        <a:font script="Hebr" typeface="Times New Roman"/>
+        <a:font script="Thai" typeface="Angsana New"/>
+        <a:font script="Ethi" typeface="Nyala"/>
+        <a:font script="Beng" typeface="Vrinda"/>
+        <a:font script="Gujr" typeface="Shruti"/>
+        <a:font script="Khmr" typeface="MoolBoran"/>
+        <a:font script="Knda" typeface="Tunga"/>
+        <a:font script="Guru" typeface="Raavi"/>
+        <a:font script="Cans" typeface="Euphemia"/>
+        <a:font script="Cher" typeface="Plantagenet Cherokee"/>
+        <a:font script="Yiii" typeface="Microsoft Yi Baiti"/>
+        <a:font script="Tibt" typeface="Microsoft Himalaya"/>
+        <a:font script="Thaa" typeface="MV Boli"/>
+        <a:font script="Deva" typeface="Mangal"/>
+        <a:font script="Telu" typeface="Gautami"/>
+        <a:font script="Taml" typeface="Latha"/>
+        <a:font script="Syrc" typeface="Estrangelo Edessa"/>
+        <a:font script="Orya" typeface="Kalinga"/>
+        <a:font script="Mlym" typeface="Kartika"/>
+        <a:font script="Laoo" typeface="DokChampa"/>
+        <a:font script="Sinh" typeface="Iskoola Pota"/>
+        <a:font script="Mong" typeface="Mongolian Baiti"/>
+        <a:font script="Viet" typeface="Times New Roman"/>
+        <a:font script="Uigh" typeface="Microsoft Uighur"/>
+      </a:minorFont>
+    </a:fontScheme>
+    <a:fmtScheme name="Office">
+      <a:fillStyleLst>
+        <a:solidFill>
+          <a:schemeClr val="phClr"/>
+        </a:solidFill>
+        <a:gradFill rotWithShape="1">
+          <a:gsLst>
+            <a:gs pos="0">
+              <a:schemeClr val="phClr">
+                <a:tint val="50000"/>
+                <a:satMod val="300000"/>
+              </a:schemeClr>
+            </a:gs>
+            <a:gs pos="35000">
+              <a:schemeClr val="phClr">
+                <a:tint val="37000"/>
+                <a:satMod val="300000"/>
+              </a:schemeClr>
+            </a:gs>
+            <a:gs pos="100000">
+              <a:schemeClr val="phClr">
+                <a:tint val="15000"/>
+                <a:satMod val="350000"/>
+              </a:schemeClr>
+            </a:gs>
+          </a:gsLst>
+          <a:lin ang="16200000" scaled="1"/>
+        </a:gradFill>
+        <a:gradFill rotWithShape="1">
+          <a:gsLst>
+            <a:gs pos="0">
+              <a:schemeClr val="phClr">
+                <a:tint val="100000"/>
+                <a:shade val="100000"/>
+                <a:satMod val="130000"/>
+              </a:schemeClr>
+            </a:gs>
+            <a:gs pos="100000">
+              <a:schemeClr val="phClr">
+                <a:tint val="50000"/>
+                <a:shade val="100000"/>
+                <a:satMod val="350000"/>
+              </a:schemeClr>
+            </a:gs>
+          </a:gsLst>
+          <a:lin ang="16200000" scaled="0"/>
+        </a:gradFill>
+      </a:fillStyleLst>
+      <a:lnStyleLst>
+        <a:ln cap="flat" cmpd="sng" w="9525" algn="ctr">
+          <a:solidFill>
+            <a:schemeClr val="phClr">
+              <a:shade val="95000"/>
+              <a:satMod val="105000"/>
+            </a:schemeClr>
+          </a:solidFill>
+          <a:prstDash val="solid"/>
+        </a:ln>
+        <a:ln cap="flat" cmpd="sng" w="25400" algn="ctr">
+          <a:solidFill>
+            <a:schemeClr val="phClr"/>
+          </a:solidFill>
+          <a:prstDash val="solid"/>
+        </a:ln>
+        <a:ln cap="flat" cmpd="sng" w="38100" algn="ctr">
+          <a:solidFill>
+            <a:schemeClr val="phClr"/>
+          </a:solidFill>
+          <a:prstDash val="solid"/>
+        </a:ln>
+      </a:lnStyleLst>
+      <a:effectStyleLst>
+        <a:effectStyle>
+          <a:effectLst>
+            <a:outerShdw blurRad="40000" rotWithShape="0" dir="5400000" dist="20000">
+              <a:srgbClr val="000000">
+                <a:alpha val="38000"/>
+              </a:srgbClr>
+            </a:outerShdw>
+          </a:effectLst>
+        </a:effectStyle>
+        <a:effectStyle>
+          <a:effectLst>
+            <a:outerShdw blurRad="40000" rotWithShape="0" dir="5400000" dist="23000">
+              <a:srgbClr val="000000">
+                <a:alpha val="35000"/>
+              </a:srgbClr>
+            </a:outerShdw>
+          </a:effectLst>
+        </a:effectStyle>
+        <a:effectStyle>
+          <a:effectLst>
+            <a:outerShdw blurRad="40000" rotWithShape="0" dir="5400000" dist="23000">
+              <a:srgbClr val="000000">
+                <a:alpha val="35000"/>
+              </a:srgbClr>
+            </a:outerShdw>
+          </a:effectLst>
+          <a:scene3d>
+            <a:camera prst="orthographicFront">
+              <a:rot lat="0" lon="0" rev="0"/>
+            </a:camera>
+            <a:lightRig dir="t" rig="threePt">
+              <a:rot lat="0" lon="0" rev="1200000"/>
+            </a:lightRig>
+          </a:scene3d>
+          <a:sp3d>
+            <a:bevelT h="25400" w="63500"/>
+          </a:sp3d>
+        </a:effectStyle>
+      </a:effectStyleLst>
+      <a:bgFillStyleLst>
+        <a:solidFill>
+          <a:schemeClr val="phClr"/>
+        </a:solidFill>
+        <a:gradFill rotWithShape="1">
+          <a:gsLst>
+            <a:gs pos="0">
+              <a:schemeClr val="phClr">
+                <a:tint val="40000"/>
+                <a:satMod val="350000"/>
+              </a:schemeClr>
+            </a:gs>
+            <a:gs pos="40000">
+              <a:schemeClr val="phClr">
+                <a:tint val="45000"/>
+                <a:shade val="99000"/>
+                <a:satMod val="350000"/>
+              </a:schemeClr>
+            </a:gs>
+            <a:gs pos="100000">
+              <a:schemeClr val="phClr">
+                <a:shade val="20000"/>
+                <a:satMod val="255000"/>
+              </a:schemeClr>
+            </a:gs>
+          </a:gsLst>
+          <a:path path="circle">
+            <a:fillToRect b="180000" l="50000" r="50000" t="-80000"/>
+          </a:path>
+        </a:gradFill>
+        <a:gradFill rotWithShape="1">
+          <a:gsLst>
+            <a:gs pos="0">
+              <a:schemeClr val="phClr">
+                <a:tint val="80000"/>
+                <a:satMod val="300000"/>
+              </a:schemeClr>
+            </a:gs>
+            <a:gs pos="100000">
+              <a:schemeClr val="phClr">
+                <a:shade val="30000"/>
+                <a:satMod val="200000"/>
+              </a:schemeClr>
+            </a:gs>
+          </a:gsLst>
+          <a:path path="circle">
+            <a:fillToRect b="50000" l="50000" r="50000" t="50000"/>
+          </a:path>
+        </a:gradFill>
+      </a:bgFillStyleLst>
+    </a:fmtScheme>
+  </a:themeElements>
+</a:theme>
+</file>
+
+<file path=ppt/theme/theme3.xml><?xml version="1.0" encoding="utf-8"?>
 <a:theme xmlns:a="http://schemas.openxmlformats.org/drawingml/2006/main" xmlns:r="http://schemas.openxmlformats.org/officeDocument/2006/relationships" name="Office Theme">
   <a:themeElements>
     <a:clrScheme name="Office">
@@ -17046,281 +17010,4 @@
     </a:lnDef>
   </a:objectDefaults>
 </a:theme>
-</file>
-
-<file path=ppt/theme/theme3.xml><?xml version="1.0" encoding="utf-8"?>
-<a:theme xmlns:a="http://schemas.openxmlformats.org/drawingml/2006/main" xmlns:r="http://schemas.openxmlformats.org/officeDocument/2006/relationships" name="Custom Theme">
-  <a:themeElements>
-    <a:clrScheme name="Default">
-      <a:dk1>
-        <a:srgbClr val="000000"/>
-      </a:dk1>
-      <a:lt1>
-        <a:srgbClr val="FFFFFF"/>
-      </a:lt1>
-      <a:dk2>
-        <a:srgbClr val="158158"/>
-      </a:dk2>
-      <a:lt2>
-        <a:srgbClr val="F3F3F3"/>
-      </a:lt2>
-      <a:accent1>
-        <a:srgbClr val="058DC7"/>
-      </a:accent1>
-      <a:accent2>
-        <a:srgbClr val="50B432"/>
-      </a:accent2>
-      <a:accent3>
-        <a:srgbClr val="ED561B"/>
-      </a:accent3>
-      <a:accent4>
-        <a:srgbClr val="EDEF00"/>
-      </a:accent4>
-      <a:accent5>
-        <a:srgbClr val="24CBE5"/>
-      </a:accent5>
-      <a:accent6>
-        <a:srgbClr val="64E572"/>
-      </a:accent6>
-      <a:hlink>
-        <a:srgbClr val="2200CC"/>
-      </a:hlink>
-      <a:folHlink>
-        <a:srgbClr val="551A8B"/>
-      </a:folHlink>
-    </a:clrScheme>
-    <a:fontScheme name="Office">
-      <a:majorFont>
-        <a:latin typeface="Arial"/>
-        <a:ea typeface=""/>
-        <a:cs typeface=""/>
-        <a:font script="Jpan" typeface="ＭＳ Ｐゴシック"/>
-        <a:font script="Hang" typeface="맑은 고딕"/>
-        <a:font script="Hans" typeface="宋体"/>
-        <a:font script="Hant" typeface="新細明體"/>
-        <a:font script="Arab" typeface="Times New Roman"/>
-        <a:font script="Hebr" typeface="Times New Roman"/>
-        <a:font script="Thai" typeface="Angsana New"/>
-        <a:font script="Ethi" typeface="Nyala"/>
-        <a:font script="Beng" typeface="Vrinda"/>
-        <a:font script="Gujr" typeface="Shruti"/>
-        <a:font script="Khmr" typeface="MoolBoran"/>
-        <a:font script="Knda" typeface="Tunga"/>
-        <a:font script="Guru" typeface="Raavi"/>
-        <a:font script="Cans" typeface="Euphemia"/>
-        <a:font script="Cher" typeface="Plantagenet Cherokee"/>
-        <a:font script="Yiii" typeface="Microsoft Yi Baiti"/>
-        <a:font script="Tibt" typeface="Microsoft Himalaya"/>
-        <a:font script="Thaa" typeface="MV Boli"/>
-        <a:font script="Deva" typeface="Mangal"/>
-        <a:font script="Telu" typeface="Gautami"/>
-        <a:font script="Taml" typeface="Latha"/>
-        <a:font script="Syrc" typeface="Estrangelo Edessa"/>
-        <a:font script="Orya" typeface="Kalinga"/>
-        <a:font script="Mlym" typeface="Kartika"/>
-        <a:font script="Laoo" typeface="DokChampa"/>
-        <a:font script="Sinh" typeface="Iskoola Pota"/>
-        <a:font script="Mong" typeface="Mongolian Baiti"/>
-        <a:font script="Viet" typeface="Times New Roman"/>
-        <a:font script="Uigh" typeface="Microsoft Uighur"/>
-      </a:majorFont>
-      <a:minorFont>
-        <a:latin typeface="Arial"/>
-        <a:ea typeface=""/>
-        <a:cs typeface=""/>
-        <a:font script="Jpan" typeface="ＭＳ Ｐゴシック"/>
-        <a:font script="Hang" typeface="맑은 고딕"/>
-        <a:font script="Hans" typeface="宋体"/>
-        <a:font script="Hant" typeface="新細明體"/>
-        <a:font script="Arab" typeface="Times New Roman"/>
-        <a:font script="Hebr" typeface="Times New Roman"/>
-        <a:font script="Thai" typeface="Angsana New"/>
-        <a:font script="Ethi" typeface="Nyala"/>
-        <a:font script="Beng" typeface="Vrinda"/>
-        <a:font script="Gujr" typeface="Shruti"/>
-        <a:font script="Khmr" typeface="MoolBoran"/>
-        <a:font script="Knda" typeface="Tunga"/>
-        <a:font script="Guru" typeface="Raavi"/>
-        <a:font script="Cans" typeface="Euphemia"/>
-        <a:font script="Cher" typeface="Plantagenet Cherokee"/>
-        <a:font script="Yiii" typeface="Microsoft Yi Baiti"/>
-        <a:font script="Tibt" typeface="Microsoft Himalaya"/>
-        <a:font script="Thaa" typeface="MV Boli"/>
-        <a:font script="Deva" typeface="Mangal"/>
-        <a:font script="Telu" typeface="Gautami"/>
-        <a:font script="Taml" typeface="Latha"/>
-        <a:font script="Syrc" typeface="Estrangelo Edessa"/>
-        <a:font script="Orya" typeface="Kalinga"/>
-        <a:font script="Mlym" typeface="Kartika"/>
-        <a:font script="Laoo" typeface="DokChampa"/>
-        <a:font script="Sinh" typeface="Iskoola Pota"/>
-        <a:font script="Mong" typeface="Mongolian Baiti"/>
-        <a:font script="Viet" typeface="Times New Roman"/>
-        <a:font script="Uigh" typeface="Microsoft Uighur"/>
-      </a:minorFont>
-    </a:fontScheme>
-    <a:fmtScheme name="Office">
-      <a:fillStyleLst>
-        <a:solidFill>
-          <a:schemeClr val="phClr"/>
-        </a:solidFill>
-        <a:gradFill rotWithShape="1">
-          <a:gsLst>
-            <a:gs pos="0">
-              <a:schemeClr val="phClr">
-                <a:tint val="50000"/>
-                <a:satMod val="300000"/>
-              </a:schemeClr>
-            </a:gs>
-            <a:gs pos="35000">
-              <a:schemeClr val="phClr">
-                <a:tint val="37000"/>
-                <a:satMod val="300000"/>
-              </a:schemeClr>
-            </a:gs>
-            <a:gs pos="100000">
-              <a:schemeClr val="phClr">
-                <a:tint val="15000"/>
-                <a:satMod val="350000"/>
-              </a:schemeClr>
-            </a:gs>
-          </a:gsLst>
-          <a:lin ang="16200000" scaled="1"/>
-        </a:gradFill>
-        <a:gradFill rotWithShape="1">
-          <a:gsLst>
-            <a:gs pos="0">
-              <a:schemeClr val="phClr">
-                <a:tint val="100000"/>
-                <a:shade val="100000"/>
-                <a:satMod val="130000"/>
-              </a:schemeClr>
-            </a:gs>
-            <a:gs pos="100000">
-              <a:schemeClr val="phClr">
-                <a:tint val="50000"/>
-                <a:shade val="100000"/>
-                <a:satMod val="350000"/>
-              </a:schemeClr>
-            </a:gs>
-          </a:gsLst>
-          <a:lin ang="16200000" scaled="0"/>
-        </a:gradFill>
-      </a:fillStyleLst>
-      <a:lnStyleLst>
-        <a:ln cap="flat" cmpd="sng" w="9525" algn="ctr">
-          <a:solidFill>
-            <a:schemeClr val="phClr">
-              <a:shade val="95000"/>
-              <a:satMod val="105000"/>
-            </a:schemeClr>
-          </a:solidFill>
-          <a:prstDash val="solid"/>
-        </a:ln>
-        <a:ln cap="flat" cmpd="sng" w="25400" algn="ctr">
-          <a:solidFill>
-            <a:schemeClr val="phClr"/>
-          </a:solidFill>
-          <a:prstDash val="solid"/>
-        </a:ln>
-        <a:ln cap="flat" cmpd="sng" w="38100" algn="ctr">
-          <a:solidFill>
-            <a:schemeClr val="phClr"/>
-          </a:solidFill>
-          <a:prstDash val="solid"/>
-        </a:ln>
-      </a:lnStyleLst>
-      <a:effectStyleLst>
-        <a:effectStyle>
-          <a:effectLst>
-            <a:outerShdw blurRad="40000" rotWithShape="0" dir="5400000" dist="20000">
-              <a:srgbClr val="000000">
-                <a:alpha val="38000"/>
-              </a:srgbClr>
-            </a:outerShdw>
-          </a:effectLst>
-        </a:effectStyle>
-        <a:effectStyle>
-          <a:effectLst>
-            <a:outerShdw blurRad="40000" rotWithShape="0" dir="5400000" dist="23000">
-              <a:srgbClr val="000000">
-                <a:alpha val="35000"/>
-              </a:srgbClr>
-            </a:outerShdw>
-          </a:effectLst>
-        </a:effectStyle>
-        <a:effectStyle>
-          <a:effectLst>
-            <a:outerShdw blurRad="40000" rotWithShape="0" dir="5400000" dist="23000">
-              <a:srgbClr val="000000">
-                <a:alpha val="35000"/>
-              </a:srgbClr>
-            </a:outerShdw>
-          </a:effectLst>
-          <a:scene3d>
-            <a:camera prst="orthographicFront">
-              <a:rot lat="0" lon="0" rev="0"/>
-            </a:camera>
-            <a:lightRig dir="t" rig="threePt">
-              <a:rot lat="0" lon="0" rev="1200000"/>
-            </a:lightRig>
-          </a:scene3d>
-          <a:sp3d>
-            <a:bevelT h="25400" w="63500"/>
-          </a:sp3d>
-        </a:effectStyle>
-      </a:effectStyleLst>
-      <a:bgFillStyleLst>
-        <a:solidFill>
-          <a:schemeClr val="phClr"/>
-        </a:solidFill>
-        <a:gradFill rotWithShape="1">
-          <a:gsLst>
-            <a:gs pos="0">
-              <a:schemeClr val="phClr">
-                <a:tint val="40000"/>
-                <a:satMod val="350000"/>
-              </a:schemeClr>
-            </a:gs>
-            <a:gs pos="40000">
-              <a:schemeClr val="phClr">
-                <a:tint val="45000"/>
-                <a:shade val="99000"/>
-                <a:satMod val="350000"/>
-              </a:schemeClr>
-            </a:gs>
-            <a:gs pos="100000">
-              <a:schemeClr val="phClr">
-                <a:shade val="20000"/>
-                <a:satMod val="255000"/>
-              </a:schemeClr>
-            </a:gs>
-          </a:gsLst>
-          <a:path path="circle">
-            <a:fillToRect b="180000" l="50000" r="50000" t="-80000"/>
-          </a:path>
-        </a:gradFill>
-        <a:gradFill rotWithShape="1">
-          <a:gsLst>
-            <a:gs pos="0">
-              <a:schemeClr val="phClr">
-                <a:tint val="80000"/>
-                <a:satMod val="300000"/>
-              </a:schemeClr>
-            </a:gs>
-            <a:gs pos="100000">
-              <a:schemeClr val="phClr">
-                <a:shade val="30000"/>
-                <a:satMod val="200000"/>
-              </a:schemeClr>
-            </a:gs>
-          </a:gsLst>
-          <a:path path="circle">
-            <a:fillToRect b="50000" l="50000" r="50000" t="50000"/>
-          </a:path>
-        </a:gradFill>
-      </a:bgFillStyleLst>
-    </a:fmtScheme>
-  </a:themeElements>
-</a:theme>
 </file>